--- a/tutorial/ppt/img/组图.pptx
+++ b/tutorial/ppt/img/组图.pptx
@@ -2,13 +2,15 @@
 <file path=ppt/presentation.xml><?xml version="1.0" encoding="utf-8"?>
 <p:presentation xmlns:a="http://schemas.openxmlformats.org/drawingml/2006/main" xmlns:r="http://schemas.openxmlformats.org/officeDocument/2006/relationships" xmlns:p="http://schemas.openxmlformats.org/presentationml/2006/main" saveSubsetFonts="1">
   <p:sldMasterIdLst>
-    <p:sldMasterId id="2147483660" r:id="rId1"/>
+    <p:sldMasterId id="2147483672" r:id="rId8"/>
   </p:sldMasterIdLst>
   <p:sldIdLst>
-    <p:sldId id="256" r:id="rId2"/>
-    <p:sldId id="257" r:id="rId3"/>
+    <p:sldId id="256" r:id="rId9"/>
+    <p:sldId id="257" r:id="rId10"/>
+    <p:sldId id="258" r:id="rId11"/>
+    <p:sldId id="259" r:id="rId12"/>
   </p:sldIdLst>
-  <p:sldSz cx="9144000" cy="6858000" type="screen4x3"/>
+  <p:sldSz cx="12192000" cy="6858000"/>
   <p:notesSz cx="6858000" cy="9144000"/>
   <p:defaultTextStyle>
     <a:defPPr>
@@ -105,7 +107,24 @@
       </a:defRPr>
     </a:lvl9pPr>
   </p:defaultTextStyle>
+  <p:extLst>
+    <p:ext uri="{EFAFB233-063F-42B5-8137-9DF3F51BA10A}">
+      <p15:sldGuideLst xmlns:p15="http://schemas.microsoft.com/office/powerpoint/2012/main"/>
+    </p:ext>
+  </p:extLst>
 </p:presentation>
+</file>
+
+<file path=ppt/commentAuthors.xml><?xml version="1.0" encoding="utf-8"?>
+<p:cmAuthorLst xmlns:a="http://schemas.openxmlformats.org/drawingml/2006/main" xmlns:r="http://schemas.openxmlformats.org/officeDocument/2006/relationships" xmlns:p="http://schemas.openxmlformats.org/presentationml/2006/main">
+  <p:cmAuthor id="1" name="陌雨 千千" initials="陌雨" lastIdx="2" clrIdx="0">
+    <p:extLst>
+      <p:ext uri="{19B8F6BF-5375-455C-9EA6-DF929625EA0E}">
+        <p15:presenceInfo xmlns:p15="http://schemas.microsoft.com/office/powerpoint/2012/main" userId="5121fafa3a42ffa7" providerId="Windows Live"/>
+      </p:ext>
+    </p:extLst>
+  </p:cmAuthor>
+</p:cmAuthorLst>
 </file>
 
 <file path=ppt/slideLayouts/slideLayout1.xml><?xml version="1.0" encoding="utf-8"?>
@@ -137,8 +156,8 @@
         </p:nvSpPr>
         <p:spPr>
           <a:xfrm>
-            <a:off x="685800" y="1122363"/>
-            <a:ext cx="7772400" cy="2387600"/>
+            <a:off x="1524000" y="1122363"/>
+            <a:ext cx="9144000" cy="2387600"/>
           </a:xfrm>
         </p:spPr>
         <p:txBody>
@@ -169,8 +188,8 @@
         </p:nvSpPr>
         <p:spPr>
           <a:xfrm>
-            <a:off x="1143000" y="3602038"/>
-            <a:ext cx="6858000" cy="1655762"/>
+            <a:off x="1524000" y="3602038"/>
+            <a:ext cx="9144000" cy="1655762"/>
           </a:xfrm>
         </p:spPr>
         <p:txBody>
@@ -239,7 +258,7 @@
           <a:p>
             <a:fld id="{E7EDC4FD-D830-4C5E-AF2C-17037A646A72}" type="datetimeFigureOut">
               <a:rPr lang="zh-CN" altLang="en-US" smtClean="0"/>
-              <a:t>2019/5/27</a:t>
+              <a:t>2019/5/29</a:t>
             </a:fld>
             <a:endParaRPr lang="zh-CN" altLang="en-US"/>
           </a:p>
@@ -290,7 +309,7 @@
     </p:spTree>
     <p:extLst>
       <p:ext uri="{BB962C8B-B14F-4D97-AF65-F5344CB8AC3E}">
-        <p14:creationId xmlns:p14="http://schemas.microsoft.com/office/powerpoint/2010/main" val="2344167569"/>
+        <p14:creationId xmlns:p14="http://schemas.microsoft.com/office/powerpoint/2010/main" val="1435158887"/>
       </p:ext>
     </p:extLst>
   </p:cSld>
@@ -409,7 +428,7 @@
           <a:p>
             <a:fld id="{E7EDC4FD-D830-4C5E-AF2C-17037A646A72}" type="datetimeFigureOut">
               <a:rPr lang="zh-CN" altLang="en-US" smtClean="0"/>
-              <a:t>2019/5/27</a:t>
+              <a:t>2019/5/29</a:t>
             </a:fld>
             <a:endParaRPr lang="zh-CN" altLang="en-US"/>
           </a:p>
@@ -460,7 +479,7 @@
     </p:spTree>
     <p:extLst>
       <p:ext uri="{BB962C8B-B14F-4D97-AF65-F5344CB8AC3E}">
-        <p14:creationId xmlns:p14="http://schemas.microsoft.com/office/powerpoint/2010/main" val="465126892"/>
+        <p14:creationId xmlns:p14="http://schemas.microsoft.com/office/powerpoint/2010/main" val="1274591022"/>
       </p:ext>
     </p:extLst>
   </p:cSld>
@@ -499,8 +518,8 @@
         </p:nvSpPr>
         <p:spPr>
           <a:xfrm>
-            <a:off x="6543675" y="365125"/>
-            <a:ext cx="1971675" cy="5811838"/>
+            <a:off x="8724900" y="365125"/>
+            <a:ext cx="2628900" cy="5811838"/>
           </a:xfrm>
         </p:spPr>
         <p:txBody>
@@ -527,8 +546,8 @@
         </p:nvSpPr>
         <p:spPr>
           <a:xfrm>
-            <a:off x="628650" y="365125"/>
-            <a:ext cx="5800725" cy="5811838"/>
+            <a:off x="838200" y="365125"/>
+            <a:ext cx="7734300" cy="5811838"/>
           </a:xfrm>
         </p:spPr>
         <p:txBody>
@@ -589,7 +608,7 @@
           <a:p>
             <a:fld id="{E7EDC4FD-D830-4C5E-AF2C-17037A646A72}" type="datetimeFigureOut">
               <a:rPr lang="zh-CN" altLang="en-US" smtClean="0"/>
-              <a:t>2019/5/27</a:t>
+              <a:t>2019/5/29</a:t>
             </a:fld>
             <a:endParaRPr lang="zh-CN" altLang="en-US"/>
           </a:p>
@@ -640,7 +659,7 @@
     </p:spTree>
     <p:extLst>
       <p:ext uri="{BB962C8B-B14F-4D97-AF65-F5344CB8AC3E}">
-        <p14:creationId xmlns:p14="http://schemas.microsoft.com/office/powerpoint/2010/main" val="3365409115"/>
+        <p14:creationId xmlns:p14="http://schemas.microsoft.com/office/powerpoint/2010/main" val="1817296869"/>
       </p:ext>
     </p:extLst>
   </p:cSld>
@@ -759,7 +778,7 @@
           <a:p>
             <a:fld id="{E7EDC4FD-D830-4C5E-AF2C-17037A646A72}" type="datetimeFigureOut">
               <a:rPr lang="zh-CN" altLang="en-US" smtClean="0"/>
-              <a:t>2019/5/27</a:t>
+              <a:t>2019/5/29</a:t>
             </a:fld>
             <a:endParaRPr lang="zh-CN" altLang="en-US"/>
           </a:p>
@@ -810,7 +829,7 @@
     </p:spTree>
     <p:extLst>
       <p:ext uri="{BB962C8B-B14F-4D97-AF65-F5344CB8AC3E}">
-        <p14:creationId xmlns:p14="http://schemas.microsoft.com/office/powerpoint/2010/main" val="3589337996"/>
+        <p14:creationId xmlns:p14="http://schemas.microsoft.com/office/powerpoint/2010/main" val="2292044181"/>
       </p:ext>
     </p:extLst>
   </p:cSld>
@@ -849,8 +868,8 @@
         </p:nvSpPr>
         <p:spPr>
           <a:xfrm>
-            <a:off x="623888" y="1709739"/>
-            <a:ext cx="7886700" cy="2852737"/>
+            <a:off x="831850" y="1709738"/>
+            <a:ext cx="10515600" cy="2852737"/>
           </a:xfrm>
         </p:spPr>
         <p:txBody>
@@ -881,8 +900,8 @@
         </p:nvSpPr>
         <p:spPr>
           <a:xfrm>
-            <a:off x="623888" y="4589464"/>
-            <a:ext cx="7886700" cy="1500187"/>
+            <a:off x="831850" y="4589463"/>
+            <a:ext cx="10515600" cy="1500187"/>
           </a:xfrm>
         </p:spPr>
         <p:txBody>
@@ -892,7 +911,9 @@
               <a:buNone/>
               <a:defRPr sz="2400">
                 <a:solidFill>
-                  <a:schemeClr val="tx1"/>
+                  <a:schemeClr val="tx1">
+                    <a:tint val="75000"/>
+                  </a:schemeClr>
                 </a:solidFill>
               </a:defRPr>
             </a:lvl1pPr>
@@ -1003,7 +1024,7 @@
           <a:p>
             <a:fld id="{E7EDC4FD-D830-4C5E-AF2C-17037A646A72}" type="datetimeFigureOut">
               <a:rPr lang="zh-CN" altLang="en-US" smtClean="0"/>
-              <a:t>2019/5/27</a:t>
+              <a:t>2019/5/29</a:t>
             </a:fld>
             <a:endParaRPr lang="zh-CN" altLang="en-US"/>
           </a:p>
@@ -1054,7 +1075,7 @@
     </p:spTree>
     <p:extLst>
       <p:ext uri="{BB962C8B-B14F-4D97-AF65-F5344CB8AC3E}">
-        <p14:creationId xmlns:p14="http://schemas.microsoft.com/office/powerpoint/2010/main" val="3350984402"/>
+        <p14:creationId xmlns:p14="http://schemas.microsoft.com/office/powerpoint/2010/main" val="2755379345"/>
       </p:ext>
     </p:extLst>
   </p:cSld>
@@ -1116,8 +1137,8 @@
         </p:nvSpPr>
         <p:spPr>
           <a:xfrm>
-            <a:off x="628650" y="1825625"/>
-            <a:ext cx="3886200" cy="4351338"/>
+            <a:off x="838200" y="1825625"/>
+            <a:ext cx="5181600" cy="4351338"/>
           </a:xfrm>
         </p:spPr>
         <p:txBody>
@@ -1173,8 +1194,8 @@
         </p:nvSpPr>
         <p:spPr>
           <a:xfrm>
-            <a:off x="4629150" y="1825625"/>
-            <a:ext cx="3886200" cy="4351338"/>
+            <a:off x="6172200" y="1825625"/>
+            <a:ext cx="5181600" cy="4351338"/>
           </a:xfrm>
         </p:spPr>
         <p:txBody>
@@ -1235,7 +1256,7 @@
           <a:p>
             <a:fld id="{E7EDC4FD-D830-4C5E-AF2C-17037A646A72}" type="datetimeFigureOut">
               <a:rPr lang="zh-CN" altLang="en-US" smtClean="0"/>
-              <a:t>2019/5/27</a:t>
+              <a:t>2019/5/29</a:t>
             </a:fld>
             <a:endParaRPr lang="zh-CN" altLang="en-US"/>
           </a:p>
@@ -1286,7 +1307,7 @@
     </p:spTree>
     <p:extLst>
       <p:ext uri="{BB962C8B-B14F-4D97-AF65-F5344CB8AC3E}">
-        <p14:creationId xmlns:p14="http://schemas.microsoft.com/office/powerpoint/2010/main" val="2924859290"/>
+        <p14:creationId xmlns:p14="http://schemas.microsoft.com/office/powerpoint/2010/main" val="150226431"/>
       </p:ext>
     </p:extLst>
   </p:cSld>
@@ -1325,8 +1346,8 @@
         </p:nvSpPr>
         <p:spPr>
           <a:xfrm>
-            <a:off x="629841" y="365126"/>
-            <a:ext cx="7886700" cy="1325563"/>
+            <a:off x="839788" y="365125"/>
+            <a:ext cx="10515600" cy="1325563"/>
           </a:xfrm>
         </p:spPr>
         <p:txBody>
@@ -1353,8 +1374,8 @@
         </p:nvSpPr>
         <p:spPr>
           <a:xfrm>
-            <a:off x="629842" y="1681163"/>
-            <a:ext cx="3868340" cy="823912"/>
+            <a:off x="839788" y="1681163"/>
+            <a:ext cx="5157787" cy="823912"/>
           </a:xfrm>
         </p:spPr>
         <p:txBody>
@@ -1418,8 +1439,8 @@
         </p:nvSpPr>
         <p:spPr>
           <a:xfrm>
-            <a:off x="629842" y="2505075"/>
-            <a:ext cx="3868340" cy="3684588"/>
+            <a:off x="839788" y="2505075"/>
+            <a:ext cx="5157787" cy="3684588"/>
           </a:xfrm>
         </p:spPr>
         <p:txBody>
@@ -1475,8 +1496,8 @@
         </p:nvSpPr>
         <p:spPr>
           <a:xfrm>
-            <a:off x="4629150" y="1681163"/>
-            <a:ext cx="3887391" cy="823912"/>
+            <a:off x="6172200" y="1681163"/>
+            <a:ext cx="5183188" cy="823912"/>
           </a:xfrm>
         </p:spPr>
         <p:txBody>
@@ -1540,8 +1561,8 @@
         </p:nvSpPr>
         <p:spPr>
           <a:xfrm>
-            <a:off x="4629150" y="2505075"/>
-            <a:ext cx="3887391" cy="3684588"/>
+            <a:off x="6172200" y="2505075"/>
+            <a:ext cx="5183188" cy="3684588"/>
           </a:xfrm>
         </p:spPr>
         <p:txBody>
@@ -1602,7 +1623,7 @@
           <a:p>
             <a:fld id="{E7EDC4FD-D830-4C5E-AF2C-17037A646A72}" type="datetimeFigureOut">
               <a:rPr lang="zh-CN" altLang="en-US" smtClean="0"/>
-              <a:t>2019/5/27</a:t>
+              <a:t>2019/5/29</a:t>
             </a:fld>
             <a:endParaRPr lang="zh-CN" altLang="en-US"/>
           </a:p>
@@ -1653,7 +1674,7 @@
     </p:spTree>
     <p:extLst>
       <p:ext uri="{BB962C8B-B14F-4D97-AF65-F5344CB8AC3E}">
-        <p14:creationId xmlns:p14="http://schemas.microsoft.com/office/powerpoint/2010/main" val="3411992085"/>
+        <p14:creationId xmlns:p14="http://schemas.microsoft.com/office/powerpoint/2010/main" val="3301225092"/>
       </p:ext>
     </p:extLst>
   </p:cSld>
@@ -1720,7 +1741,7 @@
           <a:p>
             <a:fld id="{E7EDC4FD-D830-4C5E-AF2C-17037A646A72}" type="datetimeFigureOut">
               <a:rPr lang="zh-CN" altLang="en-US" smtClean="0"/>
-              <a:t>2019/5/27</a:t>
+              <a:t>2019/5/29</a:t>
             </a:fld>
             <a:endParaRPr lang="zh-CN" altLang="en-US"/>
           </a:p>
@@ -1771,7 +1792,7 @@
     </p:spTree>
     <p:extLst>
       <p:ext uri="{BB962C8B-B14F-4D97-AF65-F5344CB8AC3E}">
-        <p14:creationId xmlns:p14="http://schemas.microsoft.com/office/powerpoint/2010/main" val="2857673517"/>
+        <p14:creationId xmlns:p14="http://schemas.microsoft.com/office/powerpoint/2010/main" val="3598804944"/>
       </p:ext>
     </p:extLst>
   </p:cSld>
@@ -1815,7 +1836,7 @@
           <a:p>
             <a:fld id="{E7EDC4FD-D830-4C5E-AF2C-17037A646A72}" type="datetimeFigureOut">
               <a:rPr lang="zh-CN" altLang="en-US" smtClean="0"/>
-              <a:t>2019/5/27</a:t>
+              <a:t>2019/5/29</a:t>
             </a:fld>
             <a:endParaRPr lang="zh-CN" altLang="en-US"/>
           </a:p>
@@ -1866,7 +1887,7 @@
     </p:spTree>
     <p:extLst>
       <p:ext uri="{BB962C8B-B14F-4D97-AF65-F5344CB8AC3E}">
-        <p14:creationId xmlns:p14="http://schemas.microsoft.com/office/powerpoint/2010/main" val="4217445534"/>
+        <p14:creationId xmlns:p14="http://schemas.microsoft.com/office/powerpoint/2010/main" val="555413115"/>
       </p:ext>
     </p:extLst>
   </p:cSld>
@@ -1905,8 +1926,8 @@
         </p:nvSpPr>
         <p:spPr>
           <a:xfrm>
-            <a:off x="629841" y="457200"/>
-            <a:ext cx="2949178" cy="1600200"/>
+            <a:off x="839788" y="457200"/>
+            <a:ext cx="3932237" cy="1600200"/>
           </a:xfrm>
         </p:spPr>
         <p:txBody>
@@ -1937,8 +1958,8 @@
         </p:nvSpPr>
         <p:spPr>
           <a:xfrm>
-            <a:off x="3887391" y="987426"/>
-            <a:ext cx="4629150" cy="4873625"/>
+            <a:off x="5183188" y="987425"/>
+            <a:ext cx="6172200" cy="4873625"/>
           </a:xfrm>
         </p:spPr>
         <p:txBody>
@@ -2022,8 +2043,8 @@
         </p:nvSpPr>
         <p:spPr>
           <a:xfrm>
-            <a:off x="629841" y="2057400"/>
-            <a:ext cx="2949178" cy="3811588"/>
+            <a:off x="839788" y="2057400"/>
+            <a:ext cx="3932237" cy="3811588"/>
           </a:xfrm>
         </p:spPr>
         <p:txBody>
@@ -2092,7 +2113,7 @@
           <a:p>
             <a:fld id="{E7EDC4FD-D830-4C5E-AF2C-17037A646A72}" type="datetimeFigureOut">
               <a:rPr lang="zh-CN" altLang="en-US" smtClean="0"/>
-              <a:t>2019/5/27</a:t>
+              <a:t>2019/5/29</a:t>
             </a:fld>
             <a:endParaRPr lang="zh-CN" altLang="en-US"/>
           </a:p>
@@ -2143,7 +2164,7 @@
     </p:spTree>
     <p:extLst>
       <p:ext uri="{BB962C8B-B14F-4D97-AF65-F5344CB8AC3E}">
-        <p14:creationId xmlns:p14="http://schemas.microsoft.com/office/powerpoint/2010/main" val="111064687"/>
+        <p14:creationId xmlns:p14="http://schemas.microsoft.com/office/powerpoint/2010/main" val="4056825399"/>
       </p:ext>
     </p:extLst>
   </p:cSld>
@@ -2182,8 +2203,8 @@
         </p:nvSpPr>
         <p:spPr>
           <a:xfrm>
-            <a:off x="629841" y="457200"/>
-            <a:ext cx="2949178" cy="1600200"/>
+            <a:off x="839788" y="457200"/>
+            <a:ext cx="3932237" cy="1600200"/>
           </a:xfrm>
         </p:spPr>
         <p:txBody>
@@ -2214,8 +2235,8 @@
         </p:nvSpPr>
         <p:spPr>
           <a:xfrm>
-            <a:off x="3887391" y="987426"/>
-            <a:ext cx="4629150" cy="4873625"/>
+            <a:off x="5183188" y="987425"/>
+            <a:ext cx="6172200" cy="4873625"/>
           </a:xfrm>
         </p:spPr>
         <p:txBody>
@@ -2279,8 +2300,8 @@
         </p:nvSpPr>
         <p:spPr>
           <a:xfrm>
-            <a:off x="629841" y="2057400"/>
-            <a:ext cx="2949178" cy="3811588"/>
+            <a:off x="839788" y="2057400"/>
+            <a:ext cx="3932237" cy="3811588"/>
           </a:xfrm>
         </p:spPr>
         <p:txBody>
@@ -2349,7 +2370,7 @@
           <a:p>
             <a:fld id="{E7EDC4FD-D830-4C5E-AF2C-17037A646A72}" type="datetimeFigureOut">
               <a:rPr lang="zh-CN" altLang="en-US" smtClean="0"/>
-              <a:t>2019/5/27</a:t>
+              <a:t>2019/5/29</a:t>
             </a:fld>
             <a:endParaRPr lang="zh-CN" altLang="en-US"/>
           </a:p>
@@ -2400,7 +2421,7 @@
     </p:spTree>
     <p:extLst>
       <p:ext uri="{BB962C8B-B14F-4D97-AF65-F5344CB8AC3E}">
-        <p14:creationId xmlns:p14="http://schemas.microsoft.com/office/powerpoint/2010/main" val="2492227579"/>
+        <p14:creationId xmlns:p14="http://schemas.microsoft.com/office/powerpoint/2010/main" val="3195805592"/>
       </p:ext>
     </p:extLst>
   </p:cSld>
@@ -2444,8 +2465,8 @@
         </p:nvSpPr>
         <p:spPr>
           <a:xfrm>
-            <a:off x="628650" y="365126"/>
-            <a:ext cx="7886700" cy="1325563"/>
+            <a:off x="838200" y="365125"/>
+            <a:ext cx="10515600" cy="1325563"/>
           </a:xfrm>
           <a:prstGeom prst="rect">
             <a:avLst/>
@@ -2477,8 +2498,8 @@
         </p:nvSpPr>
         <p:spPr>
           <a:xfrm>
-            <a:off x="628650" y="1825625"/>
-            <a:ext cx="7886700" cy="4351338"/>
+            <a:off x="838200" y="1825625"/>
+            <a:ext cx="10515600" cy="4351338"/>
           </a:xfrm>
           <a:prstGeom prst="rect">
             <a:avLst/>
@@ -2539,8 +2560,8 @@
         </p:nvSpPr>
         <p:spPr>
           <a:xfrm>
-            <a:off x="628650" y="6356351"/>
-            <a:ext cx="2057400" cy="365125"/>
+            <a:off x="838200" y="6356350"/>
+            <a:ext cx="2743200" cy="365125"/>
           </a:xfrm>
           <a:prstGeom prst="rect">
             <a:avLst/>
@@ -2562,7 +2583,7 @@
           <a:p>
             <a:fld id="{E7EDC4FD-D830-4C5E-AF2C-17037A646A72}" type="datetimeFigureOut">
               <a:rPr lang="zh-CN" altLang="en-US" smtClean="0"/>
-              <a:t>2019/5/27</a:t>
+              <a:t>2019/5/29</a:t>
             </a:fld>
             <a:endParaRPr lang="zh-CN" altLang="en-US"/>
           </a:p>
@@ -2580,8 +2601,8 @@
         </p:nvSpPr>
         <p:spPr>
           <a:xfrm>
-            <a:off x="3028950" y="6356351"/>
-            <a:ext cx="3086100" cy="365125"/>
+            <a:off x="4038600" y="6356350"/>
+            <a:ext cx="4114800" cy="365125"/>
           </a:xfrm>
           <a:prstGeom prst="rect">
             <a:avLst/>
@@ -2617,8 +2638,8 @@
         </p:nvSpPr>
         <p:spPr>
           <a:xfrm>
-            <a:off x="6457950" y="6356351"/>
-            <a:ext cx="2057400" cy="365125"/>
+            <a:off x="8610600" y="6356350"/>
+            <a:ext cx="2743200" cy="365125"/>
           </a:xfrm>
           <a:prstGeom prst="rect">
             <a:avLst/>
@@ -2649,23 +2670,23 @@
     </p:spTree>
     <p:extLst>
       <p:ext uri="{BB962C8B-B14F-4D97-AF65-F5344CB8AC3E}">
-        <p14:creationId xmlns:p14="http://schemas.microsoft.com/office/powerpoint/2010/main" val="3822739211"/>
+        <p14:creationId xmlns:p14="http://schemas.microsoft.com/office/powerpoint/2010/main" val="1213702127"/>
       </p:ext>
     </p:extLst>
   </p:cSld>
   <p:clrMap bg1="lt1" tx1="dk1" bg2="lt2" tx2="dk2" accent1="accent1" accent2="accent2" accent3="accent3" accent4="accent4" accent5="accent5" accent6="accent6" hlink="hlink" folHlink="folHlink"/>
   <p:sldLayoutIdLst>
-    <p:sldLayoutId id="2147483661" r:id="rId1"/>
-    <p:sldLayoutId id="2147483662" r:id="rId2"/>
-    <p:sldLayoutId id="2147483663" r:id="rId3"/>
-    <p:sldLayoutId id="2147483664" r:id="rId4"/>
-    <p:sldLayoutId id="2147483665" r:id="rId5"/>
-    <p:sldLayoutId id="2147483666" r:id="rId6"/>
-    <p:sldLayoutId id="2147483667" r:id="rId7"/>
-    <p:sldLayoutId id="2147483668" r:id="rId8"/>
-    <p:sldLayoutId id="2147483669" r:id="rId9"/>
-    <p:sldLayoutId id="2147483670" r:id="rId10"/>
-    <p:sldLayoutId id="2147483671" r:id="rId11"/>
+    <p:sldLayoutId id="2147483673" r:id="rId1"/>
+    <p:sldLayoutId id="2147483674" r:id="rId2"/>
+    <p:sldLayoutId id="2147483675" r:id="rId3"/>
+    <p:sldLayoutId id="2147483676" r:id="rId4"/>
+    <p:sldLayoutId id="2147483677" r:id="rId5"/>
+    <p:sldLayoutId id="2147483678" r:id="rId6"/>
+    <p:sldLayoutId id="2147483679" r:id="rId7"/>
+    <p:sldLayoutId id="2147483680" r:id="rId8"/>
+    <p:sldLayoutId id="2147483681" r:id="rId9"/>
+    <p:sldLayoutId id="2147483682" r:id="rId10"/>
+    <p:sldLayoutId id="2147483683" r:id="rId11"/>
   </p:sldLayoutIdLst>
   <p:txStyles>
     <p:titleStyle>
@@ -2991,7 +3012,7 @@
         </p:nvSpPr>
         <p:spPr>
           <a:xfrm>
-            <a:off x="2358313" y="2284834"/>
+            <a:off x="3882314" y="2284834"/>
             <a:ext cx="1602533" cy="748782"/>
           </a:xfrm>
           <a:prstGeom prst="roundRect">
@@ -3046,7 +3067,7 @@
         </p:nvSpPr>
         <p:spPr>
           <a:xfrm>
-            <a:off x="5200651" y="2284834"/>
+            <a:off x="6724652" y="2284834"/>
             <a:ext cx="1602533" cy="748782"/>
           </a:xfrm>
           <a:prstGeom prst="roundRect">
@@ -3100,7 +3121,7 @@
         </p:nvSpPr>
         <p:spPr>
           <a:xfrm>
-            <a:off x="3675095" y="3918857"/>
+            <a:off x="5199096" y="3918857"/>
             <a:ext cx="1923273" cy="748782"/>
           </a:xfrm>
           <a:prstGeom prst="roundRect">
@@ -3154,7 +3175,7 @@
         </p:nvSpPr>
         <p:spPr>
           <a:xfrm>
-            <a:off x="4220644" y="2483401"/>
+            <a:off x="5744645" y="2483401"/>
             <a:ext cx="832175" cy="351648"/>
           </a:xfrm>
           <a:prstGeom prst="rightArrow">
@@ -3210,7 +3231,7 @@
         </p:nvSpPr>
         <p:spPr>
           <a:xfrm rot="7635468">
-            <a:off x="5282814" y="3300412"/>
+            <a:off x="6806814" y="3300412"/>
             <a:ext cx="631108" cy="351648"/>
           </a:xfrm>
           <a:prstGeom prst="rightArrow">
@@ -3266,7 +3287,7 @@
         </p:nvSpPr>
         <p:spPr>
           <a:xfrm rot="13852364">
-            <a:off x="3304248" y="3299644"/>
+            <a:off x="4828248" y="3299644"/>
             <a:ext cx="637876" cy="351648"/>
           </a:xfrm>
           <a:prstGeom prst="rightArrow">
@@ -3322,7 +3343,7 @@
         </p:nvSpPr>
         <p:spPr>
           <a:xfrm>
-            <a:off x="3908647" y="3226912"/>
+            <a:off x="5432647" y="3226913"/>
             <a:ext cx="1497526" cy="323165"/>
           </a:xfrm>
           <a:prstGeom prst="rect">
@@ -3408,7 +3429,7 @@
         </p:nvGrpSpPr>
         <p:grpSpPr>
           <a:xfrm>
-            <a:off x="846853" y="359072"/>
+            <a:off x="2370854" y="359072"/>
             <a:ext cx="7450293" cy="6074758"/>
             <a:chOff x="1693707" y="1197785"/>
             <a:chExt cx="5146322" cy="4196165"/>
@@ -3760,7 +3781,7 @@
             <a:p>
               <a:pPr algn="ctr"/>
               <a:r>
-                <a:rPr lang="en-US" altLang="zh-CN" sz="1350" dirty="0"/>
+                <a:rPr lang="en-US" altLang="zh-CN" dirty="0"/>
                 <a:t>New model</a:t>
               </a:r>
             </a:p>
@@ -3822,10 +3843,10 @@
             <a:p>
               <a:pPr algn="ctr"/>
               <a:r>
-                <a:rPr lang="en-US" altLang="zh-CN" sz="1350" dirty="0"/>
+                <a:rPr lang="en-US" altLang="zh-CN" dirty="0"/>
                 <a:t>Train data</a:t>
               </a:r>
-              <a:endParaRPr lang="zh-CN" altLang="en-US" sz="1350" dirty="0"/>
+              <a:endParaRPr lang="zh-CN" altLang="en-US" dirty="0"/>
             </a:p>
           </p:txBody>
         </p:sp>
@@ -3885,10 +3906,10 @@
             <a:p>
               <a:pPr algn="ctr"/>
               <a:r>
-                <a:rPr lang="en-US" altLang="zh-CN" sz="1350" dirty="0"/>
+                <a:rPr lang="en-US" altLang="zh-CN" dirty="0"/>
                 <a:t>Iteration done</a:t>
               </a:r>
-              <a:endParaRPr lang="zh-CN" altLang="en-US" sz="1350" dirty="0"/>
+              <a:endParaRPr lang="zh-CN" altLang="en-US" dirty="0"/>
             </a:p>
           </p:txBody>
         </p:sp>
@@ -3897,6 +3918,5442 @@
     <p:extLst>
       <p:ext uri="{BB962C8B-B14F-4D97-AF65-F5344CB8AC3E}">
         <p14:creationId xmlns:p14="http://schemas.microsoft.com/office/powerpoint/2010/main" val="368495414"/>
+      </p:ext>
+    </p:extLst>
+  </p:cSld>
+  <p:clrMapOvr>
+    <a:masterClrMapping/>
+  </p:clrMapOvr>
+</p:sld>
+</file>
+
+<file path=ppt/slides/slide3.xml><?xml version="1.0" encoding="utf-8"?>
+<p:sld xmlns:a="http://schemas.openxmlformats.org/drawingml/2006/main" xmlns:r="http://schemas.openxmlformats.org/officeDocument/2006/relationships" xmlns:p="http://schemas.openxmlformats.org/presentationml/2006/main">
+  <p:cSld>
+    <p:bg>
+      <p:bgPr>
+        <a:solidFill>
+          <a:schemeClr val="bg1">
+            <a:alpha val="0"/>
+          </a:schemeClr>
+        </a:solidFill>
+        <a:effectLst/>
+      </p:bgPr>
+    </p:bg>
+    <p:spTree>
+      <p:nvGrpSpPr>
+        <p:cNvPr id="1" name=""/>
+        <p:cNvGrpSpPr/>
+        <p:nvPr/>
+      </p:nvGrpSpPr>
+      <p:grpSpPr>
+        <a:xfrm>
+          <a:off x="0" y="0"/>
+          <a:ext cx="0" cy="0"/>
+          <a:chOff x="0" y="0"/>
+          <a:chExt cx="0" cy="0"/>
+        </a:xfrm>
+      </p:grpSpPr>
+      <p:grpSp>
+        <p:nvGrpSpPr>
+          <p:cNvPr id="38" name="组合 37">
+            <a:extLst>
+              <a:ext uri="{FF2B5EF4-FFF2-40B4-BE49-F238E27FC236}">
+                <a16:creationId xmlns:a16="http://schemas.microsoft.com/office/drawing/2014/main" id="{8D70EF9F-71A4-4E43-B2CE-356FAC42F60B}"/>
+              </a:ext>
+            </a:extLst>
+          </p:cNvPr>
+          <p:cNvGrpSpPr/>
+          <p:nvPr/>
+        </p:nvGrpSpPr>
+        <p:grpSpPr>
+          <a:xfrm>
+            <a:off x="1524001" y="0"/>
+            <a:ext cx="8924925" cy="2704438"/>
+            <a:chOff x="-151475" y="534580"/>
+            <a:chExt cx="8559541" cy="2593719"/>
+          </a:xfrm>
+        </p:grpSpPr>
+        <p:pic>
+          <p:nvPicPr>
+            <p:cNvPr id="5" name="图形 4">
+              <a:extLst>
+                <a:ext uri="{FF2B5EF4-FFF2-40B4-BE49-F238E27FC236}">
+                  <a16:creationId xmlns:a16="http://schemas.microsoft.com/office/drawing/2014/main" id="{828D5F55-17C9-41FD-9BB4-CB5313D382B7}"/>
+                </a:ext>
+              </a:extLst>
+            </p:cNvPr>
+            <p:cNvPicPr>
+              <a:picLocks noChangeAspect="1"/>
+            </p:cNvPicPr>
+            <p:nvPr/>
+          </p:nvPicPr>
+          <p:blipFill rotWithShape="1">
+            <a:blip r:embed="rId2">
+              <a:extLst>
+                <a:ext uri="{28A0092B-C50C-407E-A947-70E740481C1C}">
+                  <a14:useLocalDpi xmlns:a14="http://schemas.microsoft.com/office/drawing/2010/main" val="0"/>
+                </a:ext>
+                <a:ext uri="{96DAC541-7B7A-43D3-8B79-37D633B846F1}">
+                  <asvg:svgBlip xmlns:asvg="http://schemas.microsoft.com/office/drawing/2016/SVG/main" r:embed="rId3"/>
+                </a:ext>
+              </a:extLst>
+            </a:blip>
+            <a:srcRect l="25636" t="18204" r="18273" b="43641"/>
+            <a:stretch/>
+          </p:blipFill>
+          <p:spPr>
+            <a:xfrm>
+              <a:off x="-151475" y="534580"/>
+              <a:ext cx="7731038" cy="2593719"/>
+            </a:xfrm>
+            <a:prstGeom prst="rect">
+              <a:avLst/>
+            </a:prstGeom>
+          </p:spPr>
+        </p:pic>
+        <p:sp>
+          <p:nvSpPr>
+            <p:cNvPr id="6" name="平行四边形 5">
+              <a:extLst>
+                <a:ext uri="{FF2B5EF4-FFF2-40B4-BE49-F238E27FC236}">
+                  <a16:creationId xmlns:a16="http://schemas.microsoft.com/office/drawing/2014/main" id="{E8F235D5-8800-4FBC-A714-22E2CB0A4D1C}"/>
+                </a:ext>
+              </a:extLst>
+            </p:cNvPr>
+            <p:cNvSpPr/>
+            <p:nvPr/>
+          </p:nvSpPr>
+          <p:spPr>
+            <a:xfrm rot="10800000" flipH="1">
+              <a:off x="7244239" y="1385699"/>
+              <a:ext cx="499585" cy="314771"/>
+            </a:xfrm>
+            <a:prstGeom prst="parallelogram">
+              <a:avLst>
+                <a:gd name="adj" fmla="val 100534"/>
+              </a:avLst>
+            </a:prstGeom>
+            <a:solidFill>
+              <a:srgbClr val="E0E0E0"/>
+            </a:solidFill>
+            <a:ln w="5715">
+              <a:solidFill>
+                <a:srgbClr val="000000"/>
+              </a:solidFill>
+            </a:ln>
+          </p:spPr>
+          <p:style>
+            <a:lnRef idx="2">
+              <a:schemeClr val="accent1">
+                <a:shade val="50000"/>
+              </a:schemeClr>
+            </a:lnRef>
+            <a:fillRef idx="1">
+              <a:schemeClr val="accent1"/>
+            </a:fillRef>
+            <a:effectRef idx="0">
+              <a:schemeClr val="accent1"/>
+            </a:effectRef>
+            <a:fontRef idx="minor">
+              <a:schemeClr val="lt1"/>
+            </a:fontRef>
+          </p:style>
+          <p:txBody>
+            <a:bodyPr rot="0" spcFirstLastPara="0" vertOverflow="overflow" horzOverflow="overflow" vert="horz" wrap="square" lIns="91440" tIns="45720" rIns="91440" bIns="45720" numCol="1" spcCol="0" rtlCol="0" fromWordArt="0" anchor="ctr" anchorCtr="0" forceAA="0" compatLnSpc="1">
+              <a:prstTxWarp prst="textNoShape">
+                <a:avLst/>
+              </a:prstTxWarp>
+              <a:noAutofit/>
+            </a:bodyPr>
+            <a:lstStyle/>
+            <a:p>
+              <a:pPr algn="ctr"/>
+              <a:endParaRPr lang="zh-CN" altLang="en-US"/>
+            </a:p>
+          </p:txBody>
+        </p:sp>
+        <p:sp>
+          <p:nvSpPr>
+            <p:cNvPr id="7" name="平行四边形 6">
+              <a:extLst>
+                <a:ext uri="{FF2B5EF4-FFF2-40B4-BE49-F238E27FC236}">
+                  <a16:creationId xmlns:a16="http://schemas.microsoft.com/office/drawing/2014/main" id="{21EBC711-2215-416B-A41F-1BCBE93CC705}"/>
+                </a:ext>
+              </a:extLst>
+            </p:cNvPr>
+            <p:cNvSpPr/>
+            <p:nvPr/>
+          </p:nvSpPr>
+          <p:spPr>
+            <a:xfrm rot="10800000" flipH="1">
+              <a:off x="7839287" y="2128647"/>
+              <a:ext cx="568779" cy="391449"/>
+            </a:xfrm>
+            <a:prstGeom prst="parallelogram">
+              <a:avLst>
+                <a:gd name="adj" fmla="val 100534"/>
+              </a:avLst>
+            </a:prstGeom>
+            <a:solidFill>
+              <a:srgbClr val="E0E0E0"/>
+            </a:solidFill>
+            <a:ln w="5715">
+              <a:solidFill>
+                <a:srgbClr val="000000"/>
+              </a:solidFill>
+            </a:ln>
+          </p:spPr>
+          <p:style>
+            <a:lnRef idx="2">
+              <a:schemeClr val="accent1">
+                <a:shade val="50000"/>
+              </a:schemeClr>
+            </a:lnRef>
+            <a:fillRef idx="1">
+              <a:schemeClr val="accent1"/>
+            </a:fillRef>
+            <a:effectRef idx="0">
+              <a:schemeClr val="accent1"/>
+            </a:effectRef>
+            <a:fontRef idx="minor">
+              <a:schemeClr val="lt1"/>
+            </a:fontRef>
+          </p:style>
+          <p:txBody>
+            <a:bodyPr rot="0" spcFirstLastPara="0" vertOverflow="overflow" horzOverflow="overflow" vert="horz" wrap="square" lIns="91440" tIns="45720" rIns="91440" bIns="45720" numCol="1" spcCol="0" rtlCol="0" fromWordArt="0" anchor="ctr" anchorCtr="0" forceAA="0" compatLnSpc="1">
+              <a:prstTxWarp prst="textNoShape">
+                <a:avLst/>
+              </a:prstTxWarp>
+              <a:noAutofit/>
+            </a:bodyPr>
+            <a:lstStyle/>
+            <a:p>
+              <a:pPr algn="ctr"/>
+              <a:endParaRPr lang="zh-CN" altLang="en-US"/>
+            </a:p>
+          </p:txBody>
+        </p:sp>
+        <p:cxnSp>
+          <p:nvCxnSpPr>
+            <p:cNvPr id="9" name="直接连接符 8">
+              <a:extLst>
+                <a:ext uri="{FF2B5EF4-FFF2-40B4-BE49-F238E27FC236}">
+                  <a16:creationId xmlns:a16="http://schemas.microsoft.com/office/drawing/2014/main" id="{9053618C-B9DB-4BA7-8C3A-F8EE311BB05F}"/>
+                </a:ext>
+              </a:extLst>
+            </p:cNvPr>
+            <p:cNvCxnSpPr>
+              <a:cxnSpLocks/>
+            </p:cNvCxnSpPr>
+            <p:nvPr/>
+          </p:nvCxnSpPr>
+          <p:spPr>
+            <a:xfrm flipV="1">
+              <a:off x="6819944" y="1385700"/>
+              <a:ext cx="424296" cy="212378"/>
+            </a:xfrm>
+            <a:prstGeom prst="line">
+              <a:avLst/>
+            </a:prstGeom>
+            <a:ln w="1270">
+              <a:solidFill>
+                <a:srgbClr val="404040"/>
+              </a:solidFill>
+            </a:ln>
+          </p:spPr>
+          <p:style>
+            <a:lnRef idx="1">
+              <a:schemeClr val="accent1"/>
+            </a:lnRef>
+            <a:fillRef idx="0">
+              <a:schemeClr val="accent1"/>
+            </a:fillRef>
+            <a:effectRef idx="0">
+              <a:schemeClr val="accent1"/>
+            </a:effectRef>
+            <a:fontRef idx="minor">
+              <a:schemeClr val="tx1"/>
+            </a:fontRef>
+          </p:style>
+        </p:cxnSp>
+        <p:cxnSp>
+          <p:nvCxnSpPr>
+            <p:cNvPr id="11" name="直接连接符 10">
+              <a:extLst>
+                <a:ext uri="{FF2B5EF4-FFF2-40B4-BE49-F238E27FC236}">
+                  <a16:creationId xmlns:a16="http://schemas.microsoft.com/office/drawing/2014/main" id="{E26933DF-9356-47B6-9207-BDAEFEB7FCE3}"/>
+                </a:ext>
+              </a:extLst>
+            </p:cNvPr>
+            <p:cNvCxnSpPr>
+              <a:cxnSpLocks/>
+            </p:cNvCxnSpPr>
+            <p:nvPr/>
+          </p:nvCxnSpPr>
+          <p:spPr>
+            <a:xfrm>
+              <a:off x="6819944" y="1598078"/>
+              <a:ext cx="1025366" cy="530571"/>
+            </a:xfrm>
+            <a:prstGeom prst="line">
+              <a:avLst/>
+            </a:prstGeom>
+            <a:ln w="1270">
+              <a:solidFill>
+                <a:srgbClr val="646464"/>
+              </a:solidFill>
+            </a:ln>
+          </p:spPr>
+          <p:style>
+            <a:lnRef idx="1">
+              <a:schemeClr val="accent1"/>
+            </a:lnRef>
+            <a:fillRef idx="0">
+              <a:schemeClr val="accent1"/>
+            </a:fillRef>
+            <a:effectRef idx="0">
+              <a:schemeClr val="accent1"/>
+            </a:effectRef>
+            <a:fontRef idx="minor">
+              <a:schemeClr val="tx1"/>
+            </a:fontRef>
+          </p:style>
+        </p:cxnSp>
+        <p:cxnSp>
+          <p:nvCxnSpPr>
+            <p:cNvPr id="14" name="直接连接符 13">
+              <a:extLst>
+                <a:ext uri="{FF2B5EF4-FFF2-40B4-BE49-F238E27FC236}">
+                  <a16:creationId xmlns:a16="http://schemas.microsoft.com/office/drawing/2014/main" id="{33CC852B-D0CC-4616-A67F-033C550C2C77}"/>
+                </a:ext>
+              </a:extLst>
+            </p:cNvPr>
+            <p:cNvCxnSpPr>
+              <a:cxnSpLocks/>
+            </p:cNvCxnSpPr>
+            <p:nvPr/>
+          </p:nvCxnSpPr>
+          <p:spPr>
+            <a:xfrm>
+              <a:off x="7412875" y="2178656"/>
+              <a:ext cx="811963" cy="341441"/>
+            </a:xfrm>
+            <a:prstGeom prst="line">
+              <a:avLst/>
+            </a:prstGeom>
+            <a:ln w="1270">
+              <a:solidFill>
+                <a:srgbClr val="6E6E6E"/>
+              </a:solidFill>
+            </a:ln>
+          </p:spPr>
+          <p:style>
+            <a:lnRef idx="1">
+              <a:schemeClr val="accent1"/>
+            </a:lnRef>
+            <a:fillRef idx="0">
+              <a:schemeClr val="accent1"/>
+            </a:fillRef>
+            <a:effectRef idx="0">
+              <a:schemeClr val="accent1"/>
+            </a:effectRef>
+            <a:fontRef idx="minor">
+              <a:schemeClr val="tx1"/>
+            </a:fontRef>
+          </p:style>
+        </p:cxnSp>
+        <p:cxnSp>
+          <p:nvCxnSpPr>
+            <p:cNvPr id="17" name="直接连接符 16">
+              <a:extLst>
+                <a:ext uri="{FF2B5EF4-FFF2-40B4-BE49-F238E27FC236}">
+                  <a16:creationId xmlns:a16="http://schemas.microsoft.com/office/drawing/2014/main" id="{02DCCDBF-0CBD-4BF7-84F5-87D5C3B2512F}"/>
+                </a:ext>
+              </a:extLst>
+            </p:cNvPr>
+            <p:cNvCxnSpPr>
+              <a:cxnSpLocks/>
+            </p:cNvCxnSpPr>
+            <p:nvPr/>
+          </p:nvCxnSpPr>
+          <p:spPr>
+            <a:xfrm flipV="1">
+              <a:off x="7412875" y="1700471"/>
+              <a:ext cx="152400" cy="478185"/>
+            </a:xfrm>
+            <a:prstGeom prst="line">
+              <a:avLst/>
+            </a:prstGeom>
+            <a:ln w="1270">
+              <a:solidFill>
+                <a:srgbClr val="646464"/>
+              </a:solidFill>
+            </a:ln>
+          </p:spPr>
+          <p:style>
+            <a:lnRef idx="1">
+              <a:schemeClr val="accent1"/>
+            </a:lnRef>
+            <a:fillRef idx="0">
+              <a:schemeClr val="accent1"/>
+            </a:fillRef>
+            <a:effectRef idx="0">
+              <a:schemeClr val="accent1"/>
+            </a:effectRef>
+            <a:fontRef idx="minor">
+              <a:schemeClr val="tx1"/>
+            </a:fontRef>
+          </p:style>
+        </p:cxnSp>
+      </p:grpSp>
+      <p:sp>
+        <p:nvSpPr>
+          <p:cNvPr id="45" name="文本框 44">
+            <a:extLst>
+              <a:ext uri="{FF2B5EF4-FFF2-40B4-BE49-F238E27FC236}">
+                <a16:creationId xmlns:a16="http://schemas.microsoft.com/office/drawing/2014/main" id="{E048905C-01D3-48AF-8B74-826E1A9898CD}"/>
+              </a:ext>
+            </a:extLst>
+          </p:cNvPr>
+          <p:cNvSpPr txBox="1"/>
+          <p:nvPr/>
+        </p:nvSpPr>
+        <p:spPr>
+          <a:xfrm>
+            <a:off x="1643820" y="1619974"/>
+            <a:ext cx="580608" cy="246221"/>
+          </a:xfrm>
+          <a:prstGeom prst="rect">
+            <a:avLst/>
+          </a:prstGeom>
+          <a:noFill/>
+        </p:spPr>
+        <p:txBody>
+          <a:bodyPr wrap="none" rtlCol="0">
+            <a:spAutoFit/>
+          </a:bodyPr>
+          <a:lstStyle/>
+          <a:p>
+            <a:r>
+              <a:rPr lang="en-US" altLang="zh-CN" sz="1000" dirty="0">
+                <a:latin typeface="Times New Roman" panose="02020603050405020304" pitchFamily="18" charset="0"/>
+                <a:cs typeface="Times New Roman" panose="02020603050405020304" pitchFamily="18" charset="0"/>
+              </a:rPr>
+              <a:t>1@8×8</a:t>
+            </a:r>
+            <a:endParaRPr lang="zh-CN" altLang="en-US" sz="1000" dirty="0">
+              <a:latin typeface="Times New Roman" panose="02020603050405020304" pitchFamily="18" charset="0"/>
+              <a:cs typeface="Times New Roman" panose="02020603050405020304" pitchFamily="18" charset="0"/>
+            </a:endParaRPr>
+          </a:p>
+        </p:txBody>
+      </p:sp>
+      <p:sp>
+        <p:nvSpPr>
+          <p:cNvPr id="46" name="文本框 45">
+            <a:extLst>
+              <a:ext uri="{FF2B5EF4-FFF2-40B4-BE49-F238E27FC236}">
+                <a16:creationId xmlns:a16="http://schemas.microsoft.com/office/drawing/2014/main" id="{5CE79AF4-CEB6-4A4F-AF93-8E15CE182A52}"/>
+              </a:ext>
+            </a:extLst>
+          </p:cNvPr>
+          <p:cNvSpPr txBox="1"/>
+          <p:nvPr/>
+        </p:nvSpPr>
+        <p:spPr>
+          <a:xfrm>
+            <a:off x="2820402" y="1908889"/>
+            <a:ext cx="708848" cy="246221"/>
+          </a:xfrm>
+          <a:prstGeom prst="rect">
+            <a:avLst/>
+          </a:prstGeom>
+          <a:noFill/>
+        </p:spPr>
+        <p:txBody>
+          <a:bodyPr wrap="none" rtlCol="0">
+            <a:spAutoFit/>
+          </a:bodyPr>
+          <a:lstStyle/>
+          <a:p>
+            <a:r>
+              <a:rPr lang="en-US" altLang="zh-CN" sz="1000" dirty="0">
+                <a:latin typeface="Times New Roman" panose="02020603050405020304" pitchFamily="18" charset="0"/>
+                <a:cs typeface="Times New Roman" panose="02020603050405020304" pitchFamily="18" charset="0"/>
+              </a:rPr>
+              <a:t>512@8×8</a:t>
+            </a:r>
+            <a:endParaRPr lang="zh-CN" altLang="en-US" sz="1000" dirty="0">
+              <a:latin typeface="Times New Roman" panose="02020603050405020304" pitchFamily="18" charset="0"/>
+              <a:cs typeface="Times New Roman" panose="02020603050405020304" pitchFamily="18" charset="0"/>
+            </a:endParaRPr>
+          </a:p>
+        </p:txBody>
+      </p:sp>
+      <p:sp>
+        <p:nvSpPr>
+          <p:cNvPr id="47" name="文本框 46">
+            <a:extLst>
+              <a:ext uri="{FF2B5EF4-FFF2-40B4-BE49-F238E27FC236}">
+                <a16:creationId xmlns:a16="http://schemas.microsoft.com/office/drawing/2014/main" id="{3C248C2D-EA26-4E3C-89C3-620D512525CE}"/>
+              </a:ext>
+            </a:extLst>
+          </p:cNvPr>
+          <p:cNvSpPr txBox="1"/>
+          <p:nvPr/>
+        </p:nvSpPr>
+        <p:spPr>
+          <a:xfrm>
+            <a:off x="3909118" y="1905794"/>
+            <a:ext cx="708848" cy="246221"/>
+          </a:xfrm>
+          <a:prstGeom prst="rect">
+            <a:avLst/>
+          </a:prstGeom>
+          <a:noFill/>
+        </p:spPr>
+        <p:txBody>
+          <a:bodyPr wrap="none" rtlCol="0">
+            <a:spAutoFit/>
+          </a:bodyPr>
+          <a:lstStyle/>
+          <a:p>
+            <a:r>
+              <a:rPr lang="en-US" altLang="zh-CN" sz="1000" dirty="0">
+                <a:latin typeface="Times New Roman" panose="02020603050405020304" pitchFamily="18" charset="0"/>
+                <a:cs typeface="Times New Roman" panose="02020603050405020304" pitchFamily="18" charset="0"/>
+              </a:rPr>
+              <a:t>512@8×8</a:t>
+            </a:r>
+            <a:endParaRPr lang="zh-CN" altLang="en-US" sz="1000" dirty="0">
+              <a:latin typeface="Times New Roman" panose="02020603050405020304" pitchFamily="18" charset="0"/>
+              <a:cs typeface="Times New Roman" panose="02020603050405020304" pitchFamily="18" charset="0"/>
+            </a:endParaRPr>
+          </a:p>
+        </p:txBody>
+      </p:sp>
+      <p:sp>
+        <p:nvSpPr>
+          <p:cNvPr id="48" name="文本框 47">
+            <a:extLst>
+              <a:ext uri="{FF2B5EF4-FFF2-40B4-BE49-F238E27FC236}">
+                <a16:creationId xmlns:a16="http://schemas.microsoft.com/office/drawing/2014/main" id="{CD65C0E6-3F5D-47CA-8E36-96C51E3601BA}"/>
+              </a:ext>
+            </a:extLst>
+          </p:cNvPr>
+          <p:cNvSpPr txBox="1"/>
+          <p:nvPr/>
+        </p:nvSpPr>
+        <p:spPr>
+          <a:xfrm>
+            <a:off x="4762587" y="1866195"/>
+            <a:ext cx="708848" cy="246221"/>
+          </a:xfrm>
+          <a:prstGeom prst="rect">
+            <a:avLst/>
+          </a:prstGeom>
+          <a:noFill/>
+        </p:spPr>
+        <p:txBody>
+          <a:bodyPr wrap="none" rtlCol="0">
+            <a:spAutoFit/>
+          </a:bodyPr>
+          <a:lstStyle/>
+          <a:p>
+            <a:r>
+              <a:rPr lang="en-US" altLang="zh-CN" sz="1000" dirty="0">
+                <a:latin typeface="Times New Roman" panose="02020603050405020304" pitchFamily="18" charset="0"/>
+                <a:cs typeface="Times New Roman" panose="02020603050405020304" pitchFamily="18" charset="0"/>
+              </a:rPr>
+              <a:t>512@6×6</a:t>
+            </a:r>
+            <a:endParaRPr lang="zh-CN" altLang="en-US" sz="1000" dirty="0">
+              <a:latin typeface="Times New Roman" panose="02020603050405020304" pitchFamily="18" charset="0"/>
+              <a:cs typeface="Times New Roman" panose="02020603050405020304" pitchFamily="18" charset="0"/>
+            </a:endParaRPr>
+          </a:p>
+        </p:txBody>
+      </p:sp>
+      <p:sp>
+        <p:nvSpPr>
+          <p:cNvPr id="49" name="文本框 48">
+            <a:extLst>
+              <a:ext uri="{FF2B5EF4-FFF2-40B4-BE49-F238E27FC236}">
+                <a16:creationId xmlns:a16="http://schemas.microsoft.com/office/drawing/2014/main" id="{8D954488-A05A-4EE8-90B6-2ACB145FC19F}"/>
+              </a:ext>
+            </a:extLst>
+          </p:cNvPr>
+          <p:cNvSpPr txBox="1"/>
+          <p:nvPr/>
+        </p:nvSpPr>
+        <p:spPr>
+          <a:xfrm>
+            <a:off x="5471435" y="1866195"/>
+            <a:ext cx="708848" cy="246221"/>
+          </a:xfrm>
+          <a:prstGeom prst="rect">
+            <a:avLst/>
+          </a:prstGeom>
+          <a:noFill/>
+        </p:spPr>
+        <p:txBody>
+          <a:bodyPr wrap="none" rtlCol="0">
+            <a:spAutoFit/>
+          </a:bodyPr>
+          <a:lstStyle/>
+          <a:p>
+            <a:r>
+              <a:rPr lang="en-US" altLang="zh-CN" sz="1000" dirty="0">
+                <a:latin typeface="Times New Roman" panose="02020603050405020304" pitchFamily="18" charset="0"/>
+                <a:cs typeface="Times New Roman" panose="02020603050405020304" pitchFamily="18" charset="0"/>
+              </a:rPr>
+              <a:t>512@4×4</a:t>
+            </a:r>
+            <a:endParaRPr lang="zh-CN" altLang="en-US" sz="1000" dirty="0">
+              <a:latin typeface="Times New Roman" panose="02020603050405020304" pitchFamily="18" charset="0"/>
+              <a:cs typeface="Times New Roman" panose="02020603050405020304" pitchFamily="18" charset="0"/>
+            </a:endParaRPr>
+          </a:p>
+        </p:txBody>
+      </p:sp>
+      <p:sp>
+        <p:nvSpPr>
+          <p:cNvPr id="50" name="文本框 49">
+            <a:extLst>
+              <a:ext uri="{FF2B5EF4-FFF2-40B4-BE49-F238E27FC236}">
+                <a16:creationId xmlns:a16="http://schemas.microsoft.com/office/drawing/2014/main" id="{0C497264-B12D-41B3-9971-AE0FA9BC4E47}"/>
+              </a:ext>
+            </a:extLst>
+          </p:cNvPr>
+          <p:cNvSpPr txBox="1"/>
+          <p:nvPr/>
+        </p:nvSpPr>
+        <p:spPr>
+          <a:xfrm>
+            <a:off x="7624084" y="2634507"/>
+            <a:ext cx="590226" cy="246221"/>
+          </a:xfrm>
+          <a:prstGeom prst="rect">
+            <a:avLst/>
+          </a:prstGeom>
+          <a:noFill/>
+        </p:spPr>
+        <p:txBody>
+          <a:bodyPr wrap="none" rtlCol="0">
+            <a:spAutoFit/>
+          </a:bodyPr>
+          <a:lstStyle/>
+          <a:p>
+            <a:r>
+              <a:rPr lang="en-US" altLang="zh-CN" sz="1000" dirty="0">
+                <a:latin typeface="Times New Roman" panose="02020603050405020304" pitchFamily="18" charset="0"/>
+                <a:cs typeface="Times New Roman" panose="02020603050405020304" pitchFamily="18" charset="0"/>
+              </a:rPr>
+              <a:t>8192×1</a:t>
+            </a:r>
+            <a:endParaRPr lang="zh-CN" altLang="en-US" sz="1000" dirty="0">
+              <a:latin typeface="Times New Roman" panose="02020603050405020304" pitchFamily="18" charset="0"/>
+              <a:cs typeface="Times New Roman" panose="02020603050405020304" pitchFamily="18" charset="0"/>
+            </a:endParaRPr>
+          </a:p>
+        </p:txBody>
+      </p:sp>
+      <p:sp>
+        <p:nvSpPr>
+          <p:cNvPr id="51" name="文本框 50">
+            <a:extLst>
+              <a:ext uri="{FF2B5EF4-FFF2-40B4-BE49-F238E27FC236}">
+                <a16:creationId xmlns:a16="http://schemas.microsoft.com/office/drawing/2014/main" id="{37FF0282-166F-4B6C-A547-A4271A40E037}"/>
+              </a:ext>
+            </a:extLst>
+          </p:cNvPr>
+          <p:cNvSpPr txBox="1"/>
+          <p:nvPr/>
+        </p:nvSpPr>
+        <p:spPr>
+          <a:xfrm>
+            <a:off x="8148205" y="2028904"/>
+            <a:ext cx="590226" cy="246221"/>
+          </a:xfrm>
+          <a:prstGeom prst="rect">
+            <a:avLst/>
+          </a:prstGeom>
+          <a:noFill/>
+        </p:spPr>
+        <p:txBody>
+          <a:bodyPr wrap="none" rtlCol="0">
+            <a:spAutoFit/>
+          </a:bodyPr>
+          <a:lstStyle/>
+          <a:p>
+            <a:r>
+              <a:rPr lang="en-US" altLang="zh-CN" sz="1000" dirty="0">
+                <a:latin typeface="Times New Roman" panose="02020603050405020304" pitchFamily="18" charset="0"/>
+                <a:cs typeface="Times New Roman" panose="02020603050405020304" pitchFamily="18" charset="0"/>
+              </a:rPr>
+              <a:t>1024×1</a:t>
+            </a:r>
+            <a:endParaRPr lang="zh-CN" altLang="en-US" sz="1000" dirty="0">
+              <a:latin typeface="Times New Roman" panose="02020603050405020304" pitchFamily="18" charset="0"/>
+              <a:cs typeface="Times New Roman" panose="02020603050405020304" pitchFamily="18" charset="0"/>
+            </a:endParaRPr>
+          </a:p>
+        </p:txBody>
+      </p:sp>
+      <p:sp>
+        <p:nvSpPr>
+          <p:cNvPr id="52" name="文本框 51">
+            <a:extLst>
+              <a:ext uri="{FF2B5EF4-FFF2-40B4-BE49-F238E27FC236}">
+                <a16:creationId xmlns:a16="http://schemas.microsoft.com/office/drawing/2014/main" id="{70A4EB30-4C30-49D8-8E2F-5F29A8CE917B}"/>
+              </a:ext>
+            </a:extLst>
+          </p:cNvPr>
+          <p:cNvSpPr txBox="1"/>
+          <p:nvPr/>
+        </p:nvSpPr>
+        <p:spPr>
+          <a:xfrm>
+            <a:off x="8889043" y="1714257"/>
+            <a:ext cx="526106" cy="246221"/>
+          </a:xfrm>
+          <a:prstGeom prst="rect">
+            <a:avLst/>
+          </a:prstGeom>
+          <a:noFill/>
+        </p:spPr>
+        <p:txBody>
+          <a:bodyPr wrap="none" rtlCol="0">
+            <a:spAutoFit/>
+          </a:bodyPr>
+          <a:lstStyle/>
+          <a:p>
+            <a:r>
+              <a:rPr lang="en-US" altLang="zh-CN" sz="1000" dirty="0">
+                <a:latin typeface="Times New Roman" panose="02020603050405020304" pitchFamily="18" charset="0"/>
+                <a:cs typeface="Times New Roman" panose="02020603050405020304" pitchFamily="18" charset="0"/>
+              </a:rPr>
+              <a:t>512×1</a:t>
+            </a:r>
+            <a:endParaRPr lang="zh-CN" altLang="en-US" sz="1000" dirty="0">
+              <a:latin typeface="Times New Roman" panose="02020603050405020304" pitchFamily="18" charset="0"/>
+              <a:cs typeface="Times New Roman" panose="02020603050405020304" pitchFamily="18" charset="0"/>
+            </a:endParaRPr>
+          </a:p>
+        </p:txBody>
+      </p:sp>
+      <p:sp>
+        <p:nvSpPr>
+          <p:cNvPr id="53" name="文本框 52">
+            <a:extLst>
+              <a:ext uri="{FF2B5EF4-FFF2-40B4-BE49-F238E27FC236}">
+                <a16:creationId xmlns:a16="http://schemas.microsoft.com/office/drawing/2014/main" id="{F3AB1EA2-19E4-4FD6-A71B-3CD7432F8AF8}"/>
+              </a:ext>
+            </a:extLst>
+          </p:cNvPr>
+          <p:cNvSpPr txBox="1"/>
+          <p:nvPr/>
+        </p:nvSpPr>
+        <p:spPr>
+          <a:xfrm>
+            <a:off x="10075809" y="2068344"/>
+            <a:ext cx="596638" cy="246221"/>
+          </a:xfrm>
+          <a:prstGeom prst="rect">
+            <a:avLst/>
+          </a:prstGeom>
+          <a:noFill/>
+        </p:spPr>
+        <p:txBody>
+          <a:bodyPr wrap="none" rtlCol="0">
+            <a:spAutoFit/>
+          </a:bodyPr>
+          <a:lstStyle/>
+          <a:p>
+            <a:r>
+              <a:rPr lang="en-US" altLang="zh-CN" sz="1000" dirty="0">
+                <a:latin typeface="Times New Roman" panose="02020603050405020304" pitchFamily="18" charset="0"/>
+                <a:cs typeface="Times New Roman" panose="02020603050405020304" pitchFamily="18" charset="0"/>
+              </a:rPr>
+              <a:t>P, 65×1</a:t>
+            </a:r>
+            <a:endParaRPr lang="zh-CN" altLang="en-US" sz="1000" dirty="0">
+              <a:latin typeface="Times New Roman" panose="02020603050405020304" pitchFamily="18" charset="0"/>
+              <a:cs typeface="Times New Roman" panose="02020603050405020304" pitchFamily="18" charset="0"/>
+            </a:endParaRPr>
+          </a:p>
+        </p:txBody>
+      </p:sp>
+      <p:sp>
+        <p:nvSpPr>
+          <p:cNvPr id="54" name="文本框 53">
+            <a:extLst>
+              <a:ext uri="{FF2B5EF4-FFF2-40B4-BE49-F238E27FC236}">
+                <a16:creationId xmlns:a16="http://schemas.microsoft.com/office/drawing/2014/main" id="{01D258EC-4AA9-41EE-A3C5-4F07C5EEDFC0}"/>
+              </a:ext>
+            </a:extLst>
+          </p:cNvPr>
+          <p:cNvSpPr txBox="1"/>
+          <p:nvPr/>
+        </p:nvSpPr>
+        <p:spPr>
+          <a:xfrm>
+            <a:off x="9050098" y="662440"/>
+            <a:ext cx="554960" cy="246221"/>
+          </a:xfrm>
+          <a:prstGeom prst="rect">
+            <a:avLst/>
+          </a:prstGeom>
+          <a:noFill/>
+        </p:spPr>
+        <p:txBody>
+          <a:bodyPr wrap="none" rtlCol="0">
+            <a:spAutoFit/>
+          </a:bodyPr>
+          <a:lstStyle/>
+          <a:p>
+            <a:r>
+              <a:rPr lang="en-US" altLang="zh-CN" sz="1000" dirty="0">
+                <a:latin typeface="Times New Roman" panose="02020603050405020304" pitchFamily="18" charset="0"/>
+                <a:cs typeface="Times New Roman" panose="02020603050405020304" pitchFamily="18" charset="0"/>
+              </a:rPr>
+              <a:t>V, 1×1</a:t>
+            </a:r>
+            <a:endParaRPr lang="zh-CN" altLang="en-US" sz="1000" dirty="0">
+              <a:latin typeface="Times New Roman" panose="02020603050405020304" pitchFamily="18" charset="0"/>
+              <a:cs typeface="Times New Roman" panose="02020603050405020304" pitchFamily="18" charset="0"/>
+            </a:endParaRPr>
+          </a:p>
+        </p:txBody>
+      </p:sp>
+      <p:pic>
+        <p:nvPicPr>
+          <p:cNvPr id="1026" name="Picture 2">
+            <a:extLst>
+              <a:ext uri="{FF2B5EF4-FFF2-40B4-BE49-F238E27FC236}">
+                <a16:creationId xmlns:a16="http://schemas.microsoft.com/office/drawing/2014/main" id="{4D1B26C2-7356-4254-A9B1-31F94CE8C45A}"/>
+              </a:ext>
+            </a:extLst>
+          </p:cNvPr>
+          <p:cNvPicPr>
+            <a:picLocks noChangeAspect="1" noChangeArrowheads="1"/>
+          </p:cNvPicPr>
+          <p:nvPr/>
+        </p:nvPicPr>
+        <p:blipFill>
+          <a:blip r:embed="rId4">
+            <a:extLst>
+              <a:ext uri="{28A0092B-C50C-407E-A947-70E740481C1C}">
+                <a14:useLocalDpi xmlns:a14="http://schemas.microsoft.com/office/drawing/2010/main" val="0"/>
+              </a:ext>
+            </a:extLst>
+          </a:blip>
+          <a:srcRect/>
+          <a:stretch>
+            <a:fillRect/>
+          </a:stretch>
+        </p:blipFill>
+        <p:spPr bwMode="auto">
+          <a:xfrm>
+            <a:off x="4089400" y="1854200"/>
+            <a:ext cx="431800" cy="76200"/>
+          </a:xfrm>
+          <a:prstGeom prst="rect">
+            <a:avLst/>
+          </a:prstGeom>
+          <a:noFill/>
+          <a:ln>
+            <a:noFill/>
+          </a:ln>
+          <a:extLst>
+            <a:ext uri="{909E8E84-426E-40DD-AFC4-6F175D3DCCD1}">
+              <a14:hiddenFill xmlns:a14="http://schemas.microsoft.com/office/drawing/2010/main">
+                <a:solidFill>
+                  <a:srgbClr val="FFFFFF"/>
+                </a:solidFill>
+              </a14:hiddenFill>
+            </a:ext>
+            <a:ext uri="{91240B29-F687-4F45-9708-019B960494DF}">
+              <a14:hiddenLine xmlns:a14="http://schemas.microsoft.com/office/drawing/2010/main" w="9525">
+                <a:solidFill>
+                  <a:srgbClr val="000000"/>
+                </a:solidFill>
+                <a:miter lim="800000"/>
+                <a:headEnd/>
+                <a:tailEnd/>
+              </a14:hiddenLine>
+            </a:ext>
+          </a:extLst>
+        </p:spPr>
+      </p:pic>
+    </p:spTree>
+    <p:extLst>
+      <p:ext uri="{BB962C8B-B14F-4D97-AF65-F5344CB8AC3E}">
+        <p14:creationId xmlns:p14="http://schemas.microsoft.com/office/powerpoint/2010/main" val="3717096891"/>
+      </p:ext>
+    </p:extLst>
+  </p:cSld>
+  <p:clrMapOvr>
+    <a:masterClrMapping/>
+  </p:clrMapOvr>
+</p:sld>
+</file>
+
+<file path=ppt/slides/slide4.xml><?xml version="1.0" encoding="utf-8"?>
+<p:sld xmlns:a="http://schemas.openxmlformats.org/drawingml/2006/main" xmlns:r="http://schemas.openxmlformats.org/officeDocument/2006/relationships" xmlns:p="http://schemas.openxmlformats.org/presentationml/2006/main">
+  <p:cSld>
+    <p:bg>
+      <p:bgPr>
+        <a:solidFill>
+          <a:schemeClr val="bg1">
+            <a:alpha val="0"/>
+          </a:schemeClr>
+        </a:solidFill>
+        <a:effectLst/>
+      </p:bgPr>
+    </p:bg>
+    <p:spTree>
+      <p:nvGrpSpPr>
+        <p:cNvPr id="1" name=""/>
+        <p:cNvGrpSpPr/>
+        <p:nvPr/>
+      </p:nvGrpSpPr>
+      <p:grpSpPr>
+        <a:xfrm>
+          <a:off x="0" y="0"/>
+          <a:ext cx="0" cy="0"/>
+          <a:chOff x="0" y="0"/>
+          <a:chExt cx="0" cy="0"/>
+        </a:xfrm>
+      </p:grpSpPr>
+      <p:grpSp>
+        <p:nvGrpSpPr>
+          <p:cNvPr id="17" name="组合 16">
+            <a:extLst>
+              <a:ext uri="{FF2B5EF4-FFF2-40B4-BE49-F238E27FC236}">
+                <a16:creationId xmlns:a16="http://schemas.microsoft.com/office/drawing/2014/main" id="{3D5D8E0B-B241-4932-B102-D80F3CA18596}"/>
+              </a:ext>
+            </a:extLst>
+          </p:cNvPr>
+          <p:cNvGrpSpPr/>
+          <p:nvPr/>
+        </p:nvGrpSpPr>
+        <p:grpSpPr>
+          <a:xfrm>
+            <a:off x="0" y="7846594"/>
+            <a:ext cx="11439957" cy="5905500"/>
+            <a:chOff x="317362" y="404804"/>
+            <a:chExt cx="11439957" cy="5905500"/>
+          </a:xfrm>
+        </p:grpSpPr>
+        <p:sp>
+          <p:nvSpPr>
+            <p:cNvPr id="13" name="矩形 12">
+              <a:extLst>
+                <a:ext uri="{FF2B5EF4-FFF2-40B4-BE49-F238E27FC236}">
+                  <a16:creationId xmlns:a16="http://schemas.microsoft.com/office/drawing/2014/main" id="{7B710FE3-8AF2-4592-A3C9-C6C54F631396}"/>
+                </a:ext>
+              </a:extLst>
+            </p:cNvPr>
+            <p:cNvSpPr/>
+            <p:nvPr/>
+          </p:nvSpPr>
+          <p:spPr>
+            <a:xfrm>
+              <a:off x="317362" y="404804"/>
+              <a:ext cx="2772000" cy="5905500"/>
+            </a:xfrm>
+            <a:prstGeom prst="rect">
+              <a:avLst/>
+            </a:prstGeom>
+            <a:solidFill>
+              <a:srgbClr val="F2F2F2"/>
+            </a:solidFill>
+            <a:ln>
+              <a:noFill/>
+            </a:ln>
+          </p:spPr>
+          <p:style>
+            <a:lnRef idx="0">
+              <a:scrgbClr r="0" g="0" b="0"/>
+            </a:lnRef>
+            <a:fillRef idx="0">
+              <a:scrgbClr r="0" g="0" b="0"/>
+            </a:fillRef>
+            <a:effectRef idx="0">
+              <a:scrgbClr r="0" g="0" b="0"/>
+            </a:effectRef>
+            <a:fontRef idx="minor">
+              <a:schemeClr val="lt1"/>
+            </a:fontRef>
+          </p:style>
+          <p:txBody>
+            <a:bodyPr rtlCol="0" anchor="ctr"/>
+            <a:lstStyle/>
+            <a:p>
+              <a:pPr algn="ctr"/>
+              <a:endParaRPr lang="zh-CN" altLang="en-US"/>
+            </a:p>
+          </p:txBody>
+        </p:sp>
+        <p:sp>
+          <p:nvSpPr>
+            <p:cNvPr id="14" name="矩形 13">
+              <a:extLst>
+                <a:ext uri="{FF2B5EF4-FFF2-40B4-BE49-F238E27FC236}">
+                  <a16:creationId xmlns:a16="http://schemas.microsoft.com/office/drawing/2014/main" id="{DC239B84-5567-4537-BFF9-5FE56168F3D4}"/>
+                </a:ext>
+              </a:extLst>
+            </p:cNvPr>
+            <p:cNvSpPr/>
+            <p:nvPr/>
+          </p:nvSpPr>
+          <p:spPr>
+            <a:xfrm>
+              <a:off x="3206681" y="404804"/>
+              <a:ext cx="2772000" cy="5905500"/>
+            </a:xfrm>
+            <a:prstGeom prst="rect">
+              <a:avLst/>
+            </a:prstGeom>
+            <a:solidFill>
+              <a:srgbClr val="F2F2F2"/>
+            </a:solidFill>
+            <a:ln>
+              <a:noFill/>
+            </a:ln>
+          </p:spPr>
+          <p:style>
+            <a:lnRef idx="0">
+              <a:scrgbClr r="0" g="0" b="0"/>
+            </a:lnRef>
+            <a:fillRef idx="0">
+              <a:scrgbClr r="0" g="0" b="0"/>
+            </a:fillRef>
+            <a:effectRef idx="0">
+              <a:scrgbClr r="0" g="0" b="0"/>
+            </a:effectRef>
+            <a:fontRef idx="minor">
+              <a:schemeClr val="lt1"/>
+            </a:fontRef>
+          </p:style>
+          <p:txBody>
+            <a:bodyPr rtlCol="0" anchor="ctr"/>
+            <a:lstStyle/>
+            <a:p>
+              <a:pPr algn="ctr"/>
+              <a:endParaRPr lang="zh-CN" altLang="en-US"/>
+            </a:p>
+          </p:txBody>
+        </p:sp>
+        <p:sp>
+          <p:nvSpPr>
+            <p:cNvPr id="15" name="矩形 14">
+              <a:extLst>
+                <a:ext uri="{FF2B5EF4-FFF2-40B4-BE49-F238E27FC236}">
+                  <a16:creationId xmlns:a16="http://schemas.microsoft.com/office/drawing/2014/main" id="{554FD5A7-176E-487A-9021-F28491DC4182}"/>
+                </a:ext>
+              </a:extLst>
+            </p:cNvPr>
+            <p:cNvSpPr/>
+            <p:nvPr/>
+          </p:nvSpPr>
+          <p:spPr>
+            <a:xfrm>
+              <a:off x="6096000" y="404804"/>
+              <a:ext cx="2772000" cy="5905500"/>
+            </a:xfrm>
+            <a:prstGeom prst="rect">
+              <a:avLst/>
+            </a:prstGeom>
+            <a:solidFill>
+              <a:srgbClr val="F2F2F2"/>
+            </a:solidFill>
+            <a:ln>
+              <a:noFill/>
+            </a:ln>
+          </p:spPr>
+          <p:style>
+            <a:lnRef idx="0">
+              <a:scrgbClr r="0" g="0" b="0"/>
+            </a:lnRef>
+            <a:fillRef idx="0">
+              <a:scrgbClr r="0" g="0" b="0"/>
+            </a:fillRef>
+            <a:effectRef idx="0">
+              <a:scrgbClr r="0" g="0" b="0"/>
+            </a:effectRef>
+            <a:fontRef idx="minor">
+              <a:schemeClr val="lt1"/>
+            </a:fontRef>
+          </p:style>
+          <p:txBody>
+            <a:bodyPr rtlCol="0" anchor="ctr"/>
+            <a:lstStyle/>
+            <a:p>
+              <a:pPr algn="ctr"/>
+              <a:endParaRPr lang="zh-CN" altLang="en-US"/>
+            </a:p>
+          </p:txBody>
+        </p:sp>
+        <p:sp>
+          <p:nvSpPr>
+            <p:cNvPr id="16" name="矩形 15">
+              <a:extLst>
+                <a:ext uri="{FF2B5EF4-FFF2-40B4-BE49-F238E27FC236}">
+                  <a16:creationId xmlns:a16="http://schemas.microsoft.com/office/drawing/2014/main" id="{2A622B16-4991-4085-A377-E86F985B0749}"/>
+                </a:ext>
+              </a:extLst>
+            </p:cNvPr>
+            <p:cNvSpPr/>
+            <p:nvPr/>
+          </p:nvSpPr>
+          <p:spPr>
+            <a:xfrm>
+              <a:off x="8985319" y="404804"/>
+              <a:ext cx="2772000" cy="5905500"/>
+            </a:xfrm>
+            <a:prstGeom prst="rect">
+              <a:avLst/>
+            </a:prstGeom>
+            <a:solidFill>
+              <a:srgbClr val="F2F2F2"/>
+            </a:solidFill>
+            <a:ln>
+              <a:noFill/>
+            </a:ln>
+          </p:spPr>
+          <p:style>
+            <a:lnRef idx="0">
+              <a:scrgbClr r="0" g="0" b="0"/>
+            </a:lnRef>
+            <a:fillRef idx="0">
+              <a:scrgbClr r="0" g="0" b="0"/>
+            </a:fillRef>
+            <a:effectRef idx="0">
+              <a:scrgbClr r="0" g="0" b="0"/>
+            </a:effectRef>
+            <a:fontRef idx="minor">
+              <a:schemeClr val="lt1"/>
+            </a:fontRef>
+          </p:style>
+          <p:txBody>
+            <a:bodyPr rtlCol="0" anchor="ctr"/>
+            <a:lstStyle/>
+            <a:p>
+              <a:pPr algn="ctr"/>
+              <a:endParaRPr lang="zh-CN" altLang="en-US"/>
+            </a:p>
+          </p:txBody>
+        </p:sp>
+      </p:grpSp>
+      <p:graphicFrame>
+        <p:nvGraphicFramePr>
+          <p:cNvPr id="31" name="表格 30">
+            <a:extLst>
+              <a:ext uri="{FF2B5EF4-FFF2-40B4-BE49-F238E27FC236}">
+                <a16:creationId xmlns:a16="http://schemas.microsoft.com/office/drawing/2014/main" id="{2181DE50-B925-4894-AB33-E19D376A7178}"/>
+              </a:ext>
+            </a:extLst>
+          </p:cNvPr>
+          <p:cNvGraphicFramePr>
+            <a:graphicFrameLocks noGrp="1"/>
+          </p:cNvGraphicFramePr>
+          <p:nvPr>
+            <p:custDataLst>
+              <p:custData r:id="rId1"/>
+            </p:custDataLst>
+            <p:extLst>
+              <p:ext uri="{D42A27DB-BD31-4B8C-83A1-F6EECF244321}">
+                <p14:modId xmlns:p14="http://schemas.microsoft.com/office/powerpoint/2010/main" val="4291786794"/>
+              </p:ext>
+            </p:extLst>
+          </p:nvPr>
+        </p:nvGraphicFramePr>
+        <p:xfrm>
+          <a:off x="4531512" y="434597"/>
+          <a:ext cx="1759512" cy="1759512"/>
+        </p:xfrm>
+        <a:graphic>
+          <a:graphicData uri="http://schemas.openxmlformats.org/drawingml/2006/table">
+            <a:tbl>
+              <a:tblPr>
+                <a:tableStyleId>{2D5ABB26-0587-4C30-8999-92F81FD0307C}</a:tableStyleId>
+              </a:tblPr>
+              <a:tblGrid>
+                <a:gridCol w="586504">
+                  <a:extLst>
+                    <a:ext uri="{9D8B030D-6E8A-4147-A177-3AD203B41FA5}">
+                      <a16:colId xmlns:a16="http://schemas.microsoft.com/office/drawing/2014/main" val="535822222"/>
+                    </a:ext>
+                  </a:extLst>
+                </a:gridCol>
+                <a:gridCol w="586504">
+                  <a:extLst>
+                    <a:ext uri="{9D8B030D-6E8A-4147-A177-3AD203B41FA5}">
+                      <a16:colId xmlns:a16="http://schemas.microsoft.com/office/drawing/2014/main" val="2187667212"/>
+                    </a:ext>
+                  </a:extLst>
+                </a:gridCol>
+                <a:gridCol w="586504">
+                  <a:extLst>
+                    <a:ext uri="{9D8B030D-6E8A-4147-A177-3AD203B41FA5}">
+                      <a16:colId xmlns:a16="http://schemas.microsoft.com/office/drawing/2014/main" val="3908830090"/>
+                    </a:ext>
+                  </a:extLst>
+                </a:gridCol>
+              </a:tblGrid>
+              <a:tr h="586504">
+                <a:tc>
+                  <a:txBody>
+                    <a:bodyPr/>
+                    <a:lstStyle/>
+                    <a:p>
+                      <a:endParaRPr lang="zh-CN" altLang="en-US" sz="2600"/>
+                    </a:p>
+                  </a:txBody>
+                  <a:tcPr marL="119178" marR="119178" marT="59590" marB="59590">
+                    <a:lnL w="3175" cap="flat" cmpd="sng" algn="ctr">
+                      <a:solidFill>
+                        <a:schemeClr val="tx1"/>
+                      </a:solidFill>
+                      <a:prstDash val="solid"/>
+                      <a:round/>
+                      <a:headEnd type="none" w="med" len="med"/>
+                      <a:tailEnd type="none" w="med" len="med"/>
+                    </a:lnL>
+                    <a:lnR w="3175" cap="flat" cmpd="sng" algn="ctr">
+                      <a:solidFill>
+                        <a:schemeClr val="tx1"/>
+                      </a:solidFill>
+                      <a:prstDash val="solid"/>
+                      <a:round/>
+                      <a:headEnd type="none" w="med" len="med"/>
+                      <a:tailEnd type="none" w="med" len="med"/>
+                    </a:lnR>
+                    <a:lnT w="3175" cap="flat" cmpd="sng" algn="ctr">
+                      <a:solidFill>
+                        <a:schemeClr val="tx1"/>
+                      </a:solidFill>
+                      <a:prstDash val="solid"/>
+                      <a:round/>
+                      <a:headEnd type="none" w="med" len="med"/>
+                      <a:tailEnd type="none" w="med" len="med"/>
+                    </a:lnT>
+                    <a:lnB w="3175" cap="flat" cmpd="sng" algn="ctr">
+                      <a:solidFill>
+                        <a:schemeClr val="tx1"/>
+                      </a:solidFill>
+                      <a:prstDash val="solid"/>
+                      <a:round/>
+                      <a:headEnd type="none" w="med" len="med"/>
+                      <a:tailEnd type="none" w="med" len="med"/>
+                    </a:lnB>
+                  </a:tcPr>
+                </a:tc>
+                <a:tc>
+                  <a:txBody>
+                    <a:bodyPr/>
+                    <a:lstStyle/>
+                    <a:p>
+                      <a:endParaRPr lang="zh-CN" altLang="en-US" sz="2600" dirty="0"/>
+                    </a:p>
+                  </a:txBody>
+                  <a:tcPr marL="119178" marR="119178" marT="59590" marB="59590">
+                    <a:lnL w="3175" cap="flat" cmpd="sng" algn="ctr">
+                      <a:solidFill>
+                        <a:schemeClr val="tx1"/>
+                      </a:solidFill>
+                      <a:prstDash val="solid"/>
+                      <a:round/>
+                      <a:headEnd type="none" w="med" len="med"/>
+                      <a:tailEnd type="none" w="med" len="med"/>
+                    </a:lnL>
+                    <a:lnR w="3175" cap="flat" cmpd="sng" algn="ctr">
+                      <a:solidFill>
+                        <a:schemeClr val="tx1"/>
+                      </a:solidFill>
+                      <a:prstDash val="solid"/>
+                      <a:round/>
+                      <a:headEnd type="none" w="med" len="med"/>
+                      <a:tailEnd type="none" w="med" len="med"/>
+                    </a:lnR>
+                    <a:lnT w="3175" cap="flat" cmpd="sng" algn="ctr">
+                      <a:solidFill>
+                        <a:schemeClr val="tx1"/>
+                      </a:solidFill>
+                      <a:prstDash val="solid"/>
+                      <a:round/>
+                      <a:headEnd type="none" w="med" len="med"/>
+                      <a:tailEnd type="none" w="med" len="med"/>
+                    </a:lnT>
+                    <a:lnB w="3175" cap="flat" cmpd="sng" algn="ctr">
+                      <a:solidFill>
+                        <a:schemeClr val="tx1"/>
+                      </a:solidFill>
+                      <a:prstDash val="solid"/>
+                      <a:round/>
+                      <a:headEnd type="none" w="med" len="med"/>
+                      <a:tailEnd type="none" w="med" len="med"/>
+                    </a:lnB>
+                  </a:tcPr>
+                </a:tc>
+                <a:tc>
+                  <a:txBody>
+                    <a:bodyPr/>
+                    <a:lstStyle/>
+                    <a:p>
+                      <a:endParaRPr lang="zh-CN" altLang="en-US" sz="2600" dirty="0"/>
+                    </a:p>
+                  </a:txBody>
+                  <a:tcPr marL="119178" marR="119178" marT="59590" marB="59590">
+                    <a:lnL w="3175" cap="flat" cmpd="sng" algn="ctr">
+                      <a:solidFill>
+                        <a:schemeClr val="tx1"/>
+                      </a:solidFill>
+                      <a:prstDash val="solid"/>
+                      <a:round/>
+                      <a:headEnd type="none" w="med" len="med"/>
+                      <a:tailEnd type="none" w="med" len="med"/>
+                    </a:lnL>
+                    <a:lnR w="3175" cap="flat" cmpd="sng" algn="ctr">
+                      <a:solidFill>
+                        <a:schemeClr val="tx1"/>
+                      </a:solidFill>
+                      <a:prstDash val="solid"/>
+                      <a:round/>
+                      <a:headEnd type="none" w="med" len="med"/>
+                      <a:tailEnd type="none" w="med" len="med"/>
+                    </a:lnR>
+                    <a:lnT w="3175" cap="flat" cmpd="sng" algn="ctr">
+                      <a:solidFill>
+                        <a:schemeClr val="tx1"/>
+                      </a:solidFill>
+                      <a:prstDash val="solid"/>
+                      <a:round/>
+                      <a:headEnd type="none" w="med" len="med"/>
+                      <a:tailEnd type="none" w="med" len="med"/>
+                    </a:lnT>
+                    <a:lnB w="3175" cap="flat" cmpd="sng" algn="ctr">
+                      <a:solidFill>
+                        <a:schemeClr val="tx1"/>
+                      </a:solidFill>
+                      <a:prstDash val="solid"/>
+                      <a:round/>
+                      <a:headEnd type="none" w="med" len="med"/>
+                      <a:tailEnd type="none" w="med" len="med"/>
+                    </a:lnB>
+                  </a:tcPr>
+                </a:tc>
+                <a:extLst>
+                  <a:ext uri="{0D108BD9-81ED-4DB2-BD59-A6C34878D82A}">
+                    <a16:rowId xmlns:a16="http://schemas.microsoft.com/office/drawing/2014/main" val="2234437739"/>
+                  </a:ext>
+                </a:extLst>
+              </a:tr>
+              <a:tr h="586504">
+                <a:tc>
+                  <a:txBody>
+                    <a:bodyPr/>
+                    <a:lstStyle/>
+                    <a:p>
+                      <a:endParaRPr lang="zh-CN" altLang="en-US" sz="2600"/>
+                    </a:p>
+                  </a:txBody>
+                  <a:tcPr marL="119178" marR="119178" marT="59590" marB="59590">
+                    <a:lnL w="3175" cap="flat" cmpd="sng" algn="ctr">
+                      <a:solidFill>
+                        <a:schemeClr val="tx1"/>
+                      </a:solidFill>
+                      <a:prstDash val="solid"/>
+                      <a:round/>
+                      <a:headEnd type="none" w="med" len="med"/>
+                      <a:tailEnd type="none" w="med" len="med"/>
+                    </a:lnL>
+                    <a:lnR w="3175" cap="flat" cmpd="sng" algn="ctr">
+                      <a:solidFill>
+                        <a:schemeClr val="tx1"/>
+                      </a:solidFill>
+                      <a:prstDash val="solid"/>
+                      <a:round/>
+                      <a:headEnd type="none" w="med" len="med"/>
+                      <a:tailEnd type="none" w="med" len="med"/>
+                    </a:lnR>
+                    <a:lnT w="3175" cap="flat" cmpd="sng" algn="ctr">
+                      <a:solidFill>
+                        <a:schemeClr val="tx1"/>
+                      </a:solidFill>
+                      <a:prstDash val="solid"/>
+                      <a:round/>
+                      <a:headEnd type="none" w="med" len="med"/>
+                      <a:tailEnd type="none" w="med" len="med"/>
+                    </a:lnT>
+                    <a:lnB w="3175" cap="flat" cmpd="sng" algn="ctr">
+                      <a:solidFill>
+                        <a:schemeClr val="tx1"/>
+                      </a:solidFill>
+                      <a:prstDash val="solid"/>
+                      <a:round/>
+                      <a:headEnd type="none" w="med" len="med"/>
+                      <a:tailEnd type="none" w="med" len="med"/>
+                    </a:lnB>
+                  </a:tcPr>
+                </a:tc>
+                <a:tc>
+                  <a:txBody>
+                    <a:bodyPr/>
+                    <a:lstStyle/>
+                    <a:p>
+                      <a:endParaRPr lang="zh-CN" altLang="en-US" sz="2600" dirty="0"/>
+                    </a:p>
+                  </a:txBody>
+                  <a:tcPr marL="119178" marR="119178" marT="59590" marB="59590">
+                    <a:lnL w="3175" cap="flat" cmpd="sng" algn="ctr">
+                      <a:solidFill>
+                        <a:schemeClr val="tx1"/>
+                      </a:solidFill>
+                      <a:prstDash val="solid"/>
+                      <a:round/>
+                      <a:headEnd type="none" w="med" len="med"/>
+                      <a:tailEnd type="none" w="med" len="med"/>
+                    </a:lnL>
+                    <a:lnR w="3175" cap="flat" cmpd="sng" algn="ctr">
+                      <a:solidFill>
+                        <a:schemeClr val="tx1"/>
+                      </a:solidFill>
+                      <a:prstDash val="solid"/>
+                      <a:round/>
+                      <a:headEnd type="none" w="med" len="med"/>
+                      <a:tailEnd type="none" w="med" len="med"/>
+                    </a:lnR>
+                    <a:lnT w="3175" cap="flat" cmpd="sng" algn="ctr">
+                      <a:solidFill>
+                        <a:schemeClr val="tx1"/>
+                      </a:solidFill>
+                      <a:prstDash val="solid"/>
+                      <a:round/>
+                      <a:headEnd type="none" w="med" len="med"/>
+                      <a:tailEnd type="none" w="med" len="med"/>
+                    </a:lnT>
+                    <a:lnB w="3175" cap="flat" cmpd="sng" algn="ctr">
+                      <a:solidFill>
+                        <a:schemeClr val="tx1"/>
+                      </a:solidFill>
+                      <a:prstDash val="solid"/>
+                      <a:round/>
+                      <a:headEnd type="none" w="med" len="med"/>
+                      <a:tailEnd type="none" w="med" len="med"/>
+                    </a:lnB>
+                  </a:tcPr>
+                </a:tc>
+                <a:tc>
+                  <a:txBody>
+                    <a:bodyPr/>
+                    <a:lstStyle/>
+                    <a:p>
+                      <a:endParaRPr lang="zh-CN" altLang="en-US" sz="2600" dirty="0"/>
+                    </a:p>
+                  </a:txBody>
+                  <a:tcPr marL="119178" marR="119178" marT="59590" marB="59590">
+                    <a:lnL w="3175" cap="flat" cmpd="sng" algn="ctr">
+                      <a:solidFill>
+                        <a:schemeClr val="tx1"/>
+                      </a:solidFill>
+                      <a:prstDash val="solid"/>
+                      <a:round/>
+                      <a:headEnd type="none" w="med" len="med"/>
+                      <a:tailEnd type="none" w="med" len="med"/>
+                    </a:lnL>
+                    <a:lnR w="3175" cap="flat" cmpd="sng" algn="ctr">
+                      <a:solidFill>
+                        <a:schemeClr val="tx1"/>
+                      </a:solidFill>
+                      <a:prstDash val="solid"/>
+                      <a:round/>
+                      <a:headEnd type="none" w="med" len="med"/>
+                      <a:tailEnd type="none" w="med" len="med"/>
+                    </a:lnR>
+                    <a:lnT w="3175" cap="flat" cmpd="sng" algn="ctr">
+                      <a:solidFill>
+                        <a:schemeClr val="tx1"/>
+                      </a:solidFill>
+                      <a:prstDash val="solid"/>
+                      <a:round/>
+                      <a:headEnd type="none" w="med" len="med"/>
+                      <a:tailEnd type="none" w="med" len="med"/>
+                    </a:lnT>
+                    <a:lnB w="3175" cap="flat" cmpd="sng" algn="ctr">
+                      <a:solidFill>
+                        <a:schemeClr val="tx1"/>
+                      </a:solidFill>
+                      <a:prstDash val="solid"/>
+                      <a:round/>
+                      <a:headEnd type="none" w="med" len="med"/>
+                      <a:tailEnd type="none" w="med" len="med"/>
+                    </a:lnB>
+                  </a:tcPr>
+                </a:tc>
+                <a:extLst>
+                  <a:ext uri="{0D108BD9-81ED-4DB2-BD59-A6C34878D82A}">
+                    <a16:rowId xmlns:a16="http://schemas.microsoft.com/office/drawing/2014/main" val="1839834479"/>
+                  </a:ext>
+                </a:extLst>
+              </a:tr>
+              <a:tr h="586504">
+                <a:tc>
+                  <a:txBody>
+                    <a:bodyPr/>
+                    <a:lstStyle/>
+                    <a:p>
+                      <a:endParaRPr lang="zh-CN" altLang="en-US" sz="2600" dirty="0"/>
+                    </a:p>
+                  </a:txBody>
+                  <a:tcPr marL="119178" marR="119178" marT="59590" marB="59590">
+                    <a:lnL w="3175" cap="flat" cmpd="sng" algn="ctr">
+                      <a:solidFill>
+                        <a:schemeClr val="tx1"/>
+                      </a:solidFill>
+                      <a:prstDash val="solid"/>
+                      <a:round/>
+                      <a:headEnd type="none" w="med" len="med"/>
+                      <a:tailEnd type="none" w="med" len="med"/>
+                    </a:lnL>
+                    <a:lnR w="3175" cap="flat" cmpd="sng" algn="ctr">
+                      <a:solidFill>
+                        <a:schemeClr val="tx1"/>
+                      </a:solidFill>
+                      <a:prstDash val="solid"/>
+                      <a:round/>
+                      <a:headEnd type="none" w="med" len="med"/>
+                      <a:tailEnd type="none" w="med" len="med"/>
+                    </a:lnR>
+                    <a:lnT w="3175" cap="flat" cmpd="sng" algn="ctr">
+                      <a:solidFill>
+                        <a:schemeClr val="tx1"/>
+                      </a:solidFill>
+                      <a:prstDash val="solid"/>
+                      <a:round/>
+                      <a:headEnd type="none" w="med" len="med"/>
+                      <a:tailEnd type="none" w="med" len="med"/>
+                    </a:lnT>
+                    <a:lnB w="3175" cap="flat" cmpd="sng" algn="ctr">
+                      <a:solidFill>
+                        <a:schemeClr val="tx1"/>
+                      </a:solidFill>
+                      <a:prstDash val="solid"/>
+                      <a:round/>
+                      <a:headEnd type="none" w="med" len="med"/>
+                      <a:tailEnd type="none" w="med" len="med"/>
+                    </a:lnB>
+                  </a:tcPr>
+                </a:tc>
+                <a:tc>
+                  <a:txBody>
+                    <a:bodyPr/>
+                    <a:lstStyle/>
+                    <a:p>
+                      <a:endParaRPr lang="zh-CN" altLang="en-US" sz="2600" dirty="0"/>
+                    </a:p>
+                  </a:txBody>
+                  <a:tcPr marL="119178" marR="119178" marT="59590" marB="59590">
+                    <a:lnL w="3175" cap="flat" cmpd="sng" algn="ctr">
+                      <a:solidFill>
+                        <a:schemeClr val="tx1"/>
+                      </a:solidFill>
+                      <a:prstDash val="solid"/>
+                      <a:round/>
+                      <a:headEnd type="none" w="med" len="med"/>
+                      <a:tailEnd type="none" w="med" len="med"/>
+                    </a:lnL>
+                    <a:lnR w="3175" cap="flat" cmpd="sng" algn="ctr">
+                      <a:solidFill>
+                        <a:schemeClr val="tx1"/>
+                      </a:solidFill>
+                      <a:prstDash val="solid"/>
+                      <a:round/>
+                      <a:headEnd type="none" w="med" len="med"/>
+                      <a:tailEnd type="none" w="med" len="med"/>
+                    </a:lnR>
+                    <a:lnT w="3175" cap="flat" cmpd="sng" algn="ctr">
+                      <a:solidFill>
+                        <a:schemeClr val="tx1"/>
+                      </a:solidFill>
+                      <a:prstDash val="solid"/>
+                      <a:round/>
+                      <a:headEnd type="none" w="med" len="med"/>
+                      <a:tailEnd type="none" w="med" len="med"/>
+                    </a:lnT>
+                    <a:lnB w="3175" cap="flat" cmpd="sng" algn="ctr">
+                      <a:solidFill>
+                        <a:schemeClr val="tx1"/>
+                      </a:solidFill>
+                      <a:prstDash val="solid"/>
+                      <a:round/>
+                      <a:headEnd type="none" w="med" len="med"/>
+                      <a:tailEnd type="none" w="med" len="med"/>
+                    </a:lnB>
+                  </a:tcPr>
+                </a:tc>
+                <a:tc>
+                  <a:txBody>
+                    <a:bodyPr/>
+                    <a:lstStyle/>
+                    <a:p>
+                      <a:endParaRPr lang="zh-CN" altLang="en-US" sz="2600" dirty="0"/>
+                    </a:p>
+                  </a:txBody>
+                  <a:tcPr marL="119178" marR="119178" marT="59590" marB="59590">
+                    <a:lnL w="3175" cap="flat" cmpd="sng" algn="ctr">
+                      <a:solidFill>
+                        <a:schemeClr val="tx1"/>
+                      </a:solidFill>
+                      <a:prstDash val="solid"/>
+                      <a:round/>
+                      <a:headEnd type="none" w="med" len="med"/>
+                      <a:tailEnd type="none" w="med" len="med"/>
+                    </a:lnL>
+                    <a:lnR w="3175" cap="flat" cmpd="sng" algn="ctr">
+                      <a:solidFill>
+                        <a:schemeClr val="tx1"/>
+                      </a:solidFill>
+                      <a:prstDash val="solid"/>
+                      <a:round/>
+                      <a:headEnd type="none" w="med" len="med"/>
+                      <a:tailEnd type="none" w="med" len="med"/>
+                    </a:lnR>
+                    <a:lnT w="3175" cap="flat" cmpd="sng" algn="ctr">
+                      <a:solidFill>
+                        <a:schemeClr val="tx1"/>
+                      </a:solidFill>
+                      <a:prstDash val="solid"/>
+                      <a:round/>
+                      <a:headEnd type="none" w="med" len="med"/>
+                      <a:tailEnd type="none" w="med" len="med"/>
+                    </a:lnT>
+                    <a:lnB w="3175" cap="flat" cmpd="sng" algn="ctr">
+                      <a:solidFill>
+                        <a:schemeClr val="tx1"/>
+                      </a:solidFill>
+                      <a:prstDash val="solid"/>
+                      <a:round/>
+                      <a:headEnd type="none" w="med" len="med"/>
+                      <a:tailEnd type="none" w="med" len="med"/>
+                    </a:lnB>
+                  </a:tcPr>
+                </a:tc>
+                <a:extLst>
+                  <a:ext uri="{0D108BD9-81ED-4DB2-BD59-A6C34878D82A}">
+                    <a16:rowId xmlns:a16="http://schemas.microsoft.com/office/drawing/2014/main" val="4214388906"/>
+                  </a:ext>
+                </a:extLst>
+              </a:tr>
+            </a:tbl>
+          </a:graphicData>
+        </a:graphic>
+      </p:graphicFrame>
+      <p:grpSp>
+        <p:nvGrpSpPr>
+          <p:cNvPr id="32" name="组合 31">
+            <a:extLst>
+              <a:ext uri="{FF2B5EF4-FFF2-40B4-BE49-F238E27FC236}">
+                <a16:creationId xmlns:a16="http://schemas.microsoft.com/office/drawing/2014/main" id="{2FFB5AD9-FEAD-419E-846F-71861D46E84F}"/>
+              </a:ext>
+            </a:extLst>
+          </p:cNvPr>
+          <p:cNvGrpSpPr/>
+          <p:nvPr/>
+        </p:nvGrpSpPr>
+        <p:grpSpPr>
+          <a:xfrm>
+            <a:off x="4646985" y="682624"/>
+            <a:ext cx="1528566" cy="1412082"/>
+            <a:chOff x="1620932" y="2490646"/>
+            <a:chExt cx="1189672" cy="1099013"/>
+          </a:xfrm>
+        </p:grpSpPr>
+        <p:sp>
+          <p:nvSpPr>
+            <p:cNvPr id="33" name="椭圆 32">
+              <a:extLst>
+                <a:ext uri="{FF2B5EF4-FFF2-40B4-BE49-F238E27FC236}">
+                  <a16:creationId xmlns:a16="http://schemas.microsoft.com/office/drawing/2014/main" id="{D117673B-0294-43FC-BDC3-47285EEC450D}"/>
+                </a:ext>
+              </a:extLst>
+            </p:cNvPr>
+            <p:cNvSpPr/>
+            <p:nvPr/>
+          </p:nvSpPr>
+          <p:spPr>
+            <a:xfrm>
+              <a:off x="2070512" y="2845375"/>
+              <a:ext cx="290512" cy="280987"/>
+            </a:xfrm>
+            <a:prstGeom prst="ellipse">
+              <a:avLst/>
+            </a:prstGeom>
+          </p:spPr>
+          <p:style>
+            <a:lnRef idx="2">
+              <a:schemeClr val="dk1">
+                <a:shade val="50000"/>
+              </a:schemeClr>
+            </a:lnRef>
+            <a:fillRef idx="1">
+              <a:schemeClr val="dk1"/>
+            </a:fillRef>
+            <a:effectRef idx="0">
+              <a:schemeClr val="dk1"/>
+            </a:effectRef>
+            <a:fontRef idx="minor">
+              <a:schemeClr val="lt1"/>
+            </a:fontRef>
+          </p:style>
+          <p:txBody>
+            <a:bodyPr rot="0" spcFirstLastPara="0" vertOverflow="overflow" horzOverflow="overflow" vert="horz" wrap="square" lIns="91440" tIns="45720" rIns="91440" bIns="45720" numCol="1" spcCol="0" rtlCol="0" fromWordArt="0" anchor="ctr" anchorCtr="0" forceAA="0" compatLnSpc="1">
+              <a:prstTxWarp prst="textNoShape">
+                <a:avLst/>
+              </a:prstTxWarp>
+              <a:noAutofit/>
+            </a:bodyPr>
+            <a:lstStyle/>
+            <a:p>
+              <a:pPr algn="ctr"/>
+              <a:endParaRPr lang="zh-CN" altLang="en-US"/>
+            </a:p>
+          </p:txBody>
+        </p:sp>
+        <p:sp>
+          <p:nvSpPr>
+            <p:cNvPr id="34" name="椭圆 33">
+              <a:extLst>
+                <a:ext uri="{FF2B5EF4-FFF2-40B4-BE49-F238E27FC236}">
+                  <a16:creationId xmlns:a16="http://schemas.microsoft.com/office/drawing/2014/main" id="{73C4755A-ACC7-4D05-84E7-A2470B3CD831}"/>
+                </a:ext>
+              </a:extLst>
+            </p:cNvPr>
+            <p:cNvSpPr/>
+            <p:nvPr/>
+          </p:nvSpPr>
+          <p:spPr>
+            <a:xfrm>
+              <a:off x="1620932" y="2845375"/>
+              <a:ext cx="290512" cy="280987"/>
+            </a:xfrm>
+            <a:prstGeom prst="ellipse">
+              <a:avLst/>
+            </a:prstGeom>
+          </p:spPr>
+          <p:style>
+            <a:lnRef idx="2">
+              <a:schemeClr val="dk1">
+                <a:shade val="50000"/>
+              </a:schemeClr>
+            </a:lnRef>
+            <a:fillRef idx="1">
+              <a:schemeClr val="dk1"/>
+            </a:fillRef>
+            <a:effectRef idx="0">
+              <a:schemeClr val="dk1"/>
+            </a:effectRef>
+            <a:fontRef idx="minor">
+              <a:schemeClr val="lt1"/>
+            </a:fontRef>
+          </p:style>
+          <p:txBody>
+            <a:bodyPr rot="0" spcFirstLastPara="0" vertOverflow="overflow" horzOverflow="overflow" vert="horz" wrap="square" lIns="91440" tIns="45720" rIns="91440" bIns="45720" numCol="1" spcCol="0" rtlCol="0" fromWordArt="0" anchor="ctr" anchorCtr="0" forceAA="0" compatLnSpc="1">
+              <a:prstTxWarp prst="textNoShape">
+                <a:avLst/>
+              </a:prstTxWarp>
+              <a:noAutofit/>
+            </a:bodyPr>
+            <a:lstStyle/>
+            <a:p>
+              <a:pPr algn="ctr"/>
+              <a:endParaRPr lang="zh-CN" altLang="en-US"/>
+            </a:p>
+          </p:txBody>
+        </p:sp>
+        <p:sp>
+          <p:nvSpPr>
+            <p:cNvPr id="35" name="椭圆 34">
+              <a:extLst>
+                <a:ext uri="{FF2B5EF4-FFF2-40B4-BE49-F238E27FC236}">
+                  <a16:creationId xmlns:a16="http://schemas.microsoft.com/office/drawing/2014/main" id="{10A47E8E-8C41-4E54-B9D1-74512B1D39D3}"/>
+                </a:ext>
+              </a:extLst>
+            </p:cNvPr>
+            <p:cNvSpPr/>
+            <p:nvPr/>
+          </p:nvSpPr>
+          <p:spPr>
+            <a:xfrm>
+              <a:off x="2520092" y="2845375"/>
+              <a:ext cx="290512" cy="280987"/>
+            </a:xfrm>
+            <a:prstGeom prst="ellipse">
+              <a:avLst/>
+            </a:prstGeom>
+          </p:spPr>
+          <p:style>
+            <a:lnRef idx="2">
+              <a:schemeClr val="dk1">
+                <a:shade val="50000"/>
+              </a:schemeClr>
+            </a:lnRef>
+            <a:fillRef idx="1">
+              <a:schemeClr val="dk1"/>
+            </a:fillRef>
+            <a:effectRef idx="0">
+              <a:schemeClr val="dk1"/>
+            </a:effectRef>
+            <a:fontRef idx="minor">
+              <a:schemeClr val="lt1"/>
+            </a:fontRef>
+          </p:style>
+          <p:txBody>
+            <a:bodyPr rot="0" spcFirstLastPara="0" vertOverflow="overflow" horzOverflow="overflow" vert="horz" wrap="square" lIns="91440" tIns="45720" rIns="91440" bIns="45720" numCol="1" spcCol="0" rtlCol="0" fromWordArt="0" anchor="ctr" anchorCtr="0" forceAA="0" compatLnSpc="1">
+              <a:prstTxWarp prst="textNoShape">
+                <a:avLst/>
+              </a:prstTxWarp>
+              <a:noAutofit/>
+            </a:bodyPr>
+            <a:lstStyle/>
+            <a:p>
+              <a:pPr algn="ctr"/>
+              <a:endParaRPr lang="zh-CN" altLang="en-US"/>
+            </a:p>
+          </p:txBody>
+        </p:sp>
+        <p:sp>
+          <p:nvSpPr>
+            <p:cNvPr id="36" name="椭圆 35">
+              <a:extLst>
+                <a:ext uri="{FF2B5EF4-FFF2-40B4-BE49-F238E27FC236}">
+                  <a16:creationId xmlns:a16="http://schemas.microsoft.com/office/drawing/2014/main" id="{4B090A13-A09A-4066-A08C-81FCF210674B}"/>
+                </a:ext>
+              </a:extLst>
+            </p:cNvPr>
+            <p:cNvSpPr/>
+            <p:nvPr/>
+          </p:nvSpPr>
+          <p:spPr>
+            <a:xfrm>
+              <a:off x="2070512" y="3308672"/>
+              <a:ext cx="290512" cy="280987"/>
+            </a:xfrm>
+            <a:prstGeom prst="ellipse">
+              <a:avLst/>
+            </a:prstGeom>
+          </p:spPr>
+          <p:style>
+            <a:lnRef idx="2">
+              <a:schemeClr val="dk1">
+                <a:shade val="50000"/>
+              </a:schemeClr>
+            </a:lnRef>
+            <a:fillRef idx="1">
+              <a:schemeClr val="dk1"/>
+            </a:fillRef>
+            <a:effectRef idx="0">
+              <a:schemeClr val="dk1"/>
+            </a:effectRef>
+            <a:fontRef idx="minor">
+              <a:schemeClr val="lt1"/>
+            </a:fontRef>
+          </p:style>
+          <p:txBody>
+            <a:bodyPr rot="0" spcFirstLastPara="0" vertOverflow="overflow" horzOverflow="overflow" vert="horz" wrap="square" lIns="91440" tIns="45720" rIns="91440" bIns="45720" numCol="1" spcCol="0" rtlCol="0" fromWordArt="0" anchor="ctr" anchorCtr="0" forceAA="0" compatLnSpc="1">
+              <a:prstTxWarp prst="textNoShape">
+                <a:avLst/>
+              </a:prstTxWarp>
+              <a:noAutofit/>
+            </a:bodyPr>
+            <a:lstStyle/>
+            <a:p>
+              <a:pPr algn="ctr"/>
+              <a:endParaRPr lang="zh-CN" altLang="en-US"/>
+            </a:p>
+          </p:txBody>
+        </p:sp>
+        <p:sp>
+          <p:nvSpPr>
+            <p:cNvPr id="37" name="椭圆 36">
+              <a:extLst>
+                <a:ext uri="{FF2B5EF4-FFF2-40B4-BE49-F238E27FC236}">
+                  <a16:creationId xmlns:a16="http://schemas.microsoft.com/office/drawing/2014/main" id="{3BAB595E-788D-489F-AE4C-B7F3163D28CD}"/>
+                </a:ext>
+              </a:extLst>
+            </p:cNvPr>
+            <p:cNvSpPr/>
+            <p:nvPr/>
+          </p:nvSpPr>
+          <p:spPr>
+            <a:xfrm>
+              <a:off x="2520092" y="3308672"/>
+              <a:ext cx="290512" cy="280987"/>
+            </a:xfrm>
+            <a:prstGeom prst="ellipse">
+              <a:avLst/>
+            </a:prstGeom>
+            <a:ln w="6350"/>
+          </p:spPr>
+          <p:style>
+            <a:lnRef idx="2">
+              <a:schemeClr val="dk1"/>
+            </a:lnRef>
+            <a:fillRef idx="1">
+              <a:schemeClr val="lt1"/>
+            </a:fillRef>
+            <a:effectRef idx="0">
+              <a:schemeClr val="dk1"/>
+            </a:effectRef>
+            <a:fontRef idx="minor">
+              <a:schemeClr val="dk1"/>
+            </a:fontRef>
+          </p:style>
+          <p:txBody>
+            <a:bodyPr rot="0" spcFirstLastPara="0" vertOverflow="overflow" horzOverflow="overflow" vert="horz" wrap="square" lIns="91440" tIns="45720" rIns="91440" bIns="45720" numCol="1" spcCol="0" rtlCol="0" fromWordArt="0" anchor="ctr" anchorCtr="0" forceAA="0" compatLnSpc="1">
+              <a:prstTxWarp prst="textNoShape">
+                <a:avLst/>
+              </a:prstTxWarp>
+              <a:noAutofit/>
+            </a:bodyPr>
+            <a:lstStyle/>
+            <a:p>
+              <a:pPr algn="ctr"/>
+              <a:endParaRPr lang="zh-CN" altLang="en-US"/>
+            </a:p>
+          </p:txBody>
+        </p:sp>
+        <p:sp>
+          <p:nvSpPr>
+            <p:cNvPr id="38" name="椭圆 37">
+              <a:extLst>
+                <a:ext uri="{FF2B5EF4-FFF2-40B4-BE49-F238E27FC236}">
+                  <a16:creationId xmlns:a16="http://schemas.microsoft.com/office/drawing/2014/main" id="{84352906-40D6-45F4-B46E-78CD58E21EC9}"/>
+                </a:ext>
+              </a:extLst>
+            </p:cNvPr>
+            <p:cNvSpPr/>
+            <p:nvPr/>
+          </p:nvSpPr>
+          <p:spPr>
+            <a:xfrm>
+              <a:off x="1726659" y="2491402"/>
+              <a:ext cx="79058" cy="79058"/>
+            </a:xfrm>
+            <a:prstGeom prst="ellipse">
+              <a:avLst/>
+            </a:prstGeom>
+            <a:ln w="6350">
+              <a:solidFill>
+                <a:srgbClr val="FF0000"/>
+              </a:solidFill>
+            </a:ln>
+          </p:spPr>
+          <p:style>
+            <a:lnRef idx="2">
+              <a:schemeClr val="accent2"/>
+            </a:lnRef>
+            <a:fillRef idx="1">
+              <a:schemeClr val="lt1"/>
+            </a:fillRef>
+            <a:effectRef idx="0">
+              <a:schemeClr val="accent2"/>
+            </a:effectRef>
+            <a:fontRef idx="minor">
+              <a:schemeClr val="dk1"/>
+            </a:fontRef>
+          </p:style>
+          <p:txBody>
+            <a:bodyPr rot="0" spcFirstLastPara="0" vertOverflow="overflow" horzOverflow="overflow" vert="horz" wrap="square" lIns="91440" tIns="45720" rIns="91440" bIns="45720" numCol="1" spcCol="0" rtlCol="0" fromWordArt="0" anchor="ctr" anchorCtr="0" forceAA="0" compatLnSpc="1">
+              <a:prstTxWarp prst="textNoShape">
+                <a:avLst/>
+              </a:prstTxWarp>
+              <a:noAutofit/>
+            </a:bodyPr>
+            <a:lstStyle/>
+            <a:p>
+              <a:pPr algn="ctr"/>
+              <a:endParaRPr lang="zh-CN" altLang="en-US"/>
+            </a:p>
+          </p:txBody>
+        </p:sp>
+        <p:sp>
+          <p:nvSpPr>
+            <p:cNvPr id="39" name="椭圆 38">
+              <a:extLst>
+                <a:ext uri="{FF2B5EF4-FFF2-40B4-BE49-F238E27FC236}">
+                  <a16:creationId xmlns:a16="http://schemas.microsoft.com/office/drawing/2014/main" id="{2C6411AA-DEE3-4D2A-B585-1C15D3EAB0AA}"/>
+                </a:ext>
+              </a:extLst>
+            </p:cNvPr>
+            <p:cNvSpPr/>
+            <p:nvPr/>
+          </p:nvSpPr>
+          <p:spPr>
+            <a:xfrm>
+              <a:off x="2625819" y="2490646"/>
+              <a:ext cx="79058" cy="79058"/>
+            </a:xfrm>
+            <a:prstGeom prst="ellipse">
+              <a:avLst/>
+            </a:prstGeom>
+            <a:ln w="6350">
+              <a:solidFill>
+                <a:srgbClr val="FF0000"/>
+              </a:solidFill>
+            </a:ln>
+          </p:spPr>
+          <p:style>
+            <a:lnRef idx="2">
+              <a:schemeClr val="accent2"/>
+            </a:lnRef>
+            <a:fillRef idx="1">
+              <a:schemeClr val="lt1"/>
+            </a:fillRef>
+            <a:effectRef idx="0">
+              <a:schemeClr val="accent2"/>
+            </a:effectRef>
+            <a:fontRef idx="minor">
+              <a:schemeClr val="dk1"/>
+            </a:fontRef>
+          </p:style>
+          <p:txBody>
+            <a:bodyPr rot="0" spcFirstLastPara="0" vertOverflow="overflow" horzOverflow="overflow" vert="horz" wrap="square" lIns="91440" tIns="45720" rIns="91440" bIns="45720" numCol="1" spcCol="0" rtlCol="0" fromWordArt="0" anchor="ctr" anchorCtr="0" forceAA="0" compatLnSpc="1">
+              <a:prstTxWarp prst="textNoShape">
+                <a:avLst/>
+              </a:prstTxWarp>
+              <a:noAutofit/>
+            </a:bodyPr>
+            <a:lstStyle/>
+            <a:p>
+              <a:pPr algn="ctr"/>
+              <a:endParaRPr lang="zh-CN" altLang="en-US" dirty="0"/>
+            </a:p>
+          </p:txBody>
+        </p:sp>
+        <p:sp>
+          <p:nvSpPr>
+            <p:cNvPr id="40" name="椭圆 39">
+              <a:extLst>
+                <a:ext uri="{FF2B5EF4-FFF2-40B4-BE49-F238E27FC236}">
+                  <a16:creationId xmlns:a16="http://schemas.microsoft.com/office/drawing/2014/main" id="{B2E0645F-997C-445F-839B-B124F70AAD7A}"/>
+                </a:ext>
+              </a:extLst>
+            </p:cNvPr>
+            <p:cNvSpPr/>
+            <p:nvPr/>
+          </p:nvSpPr>
+          <p:spPr>
+            <a:xfrm>
+              <a:off x="1729085" y="3409636"/>
+              <a:ext cx="79059" cy="79059"/>
+            </a:xfrm>
+            <a:prstGeom prst="ellipse">
+              <a:avLst/>
+            </a:prstGeom>
+            <a:ln w="6350">
+              <a:solidFill>
+                <a:srgbClr val="FF0000"/>
+              </a:solidFill>
+            </a:ln>
+          </p:spPr>
+          <p:style>
+            <a:lnRef idx="2">
+              <a:schemeClr val="accent2"/>
+            </a:lnRef>
+            <a:fillRef idx="1">
+              <a:schemeClr val="lt1"/>
+            </a:fillRef>
+            <a:effectRef idx="0">
+              <a:schemeClr val="accent2"/>
+            </a:effectRef>
+            <a:fontRef idx="minor">
+              <a:schemeClr val="dk1"/>
+            </a:fontRef>
+          </p:style>
+          <p:txBody>
+            <a:bodyPr rot="0" spcFirstLastPara="0" vertOverflow="overflow" horzOverflow="overflow" vert="horz" wrap="square" lIns="91440" tIns="45720" rIns="91440" bIns="45720" numCol="1" spcCol="0" rtlCol="0" fromWordArt="0" anchor="ctr" anchorCtr="0" forceAA="0" compatLnSpc="1">
+              <a:prstTxWarp prst="textNoShape">
+                <a:avLst/>
+              </a:prstTxWarp>
+              <a:noAutofit/>
+            </a:bodyPr>
+            <a:lstStyle/>
+            <a:p>
+              <a:pPr algn="ctr"/>
+              <a:endParaRPr lang="zh-CN" altLang="en-US" dirty="0"/>
+            </a:p>
+          </p:txBody>
+        </p:sp>
+      </p:grpSp>
+      <p:graphicFrame>
+        <p:nvGraphicFramePr>
+          <p:cNvPr id="41" name="表格 40">
+            <a:extLst>
+              <a:ext uri="{FF2B5EF4-FFF2-40B4-BE49-F238E27FC236}">
+                <a16:creationId xmlns:a16="http://schemas.microsoft.com/office/drawing/2014/main" id="{BC5C4207-8586-42FC-B8C9-00F2CA459ED6}"/>
+              </a:ext>
+            </a:extLst>
+          </p:cNvPr>
+          <p:cNvGraphicFramePr>
+            <a:graphicFrameLocks noGrp="1"/>
+          </p:cNvGraphicFramePr>
+          <p:nvPr>
+            <p:custDataLst>
+              <p:custData r:id="rId2"/>
+            </p:custDataLst>
+            <p:extLst>
+              <p:ext uri="{D42A27DB-BD31-4B8C-83A1-F6EECF244321}">
+                <p14:modId xmlns:p14="http://schemas.microsoft.com/office/powerpoint/2010/main" val="3591227126"/>
+              </p:ext>
+            </p:extLst>
+          </p:nvPr>
+        </p:nvGraphicFramePr>
+        <p:xfrm>
+          <a:off x="2184165" y="3063497"/>
+          <a:ext cx="1759512" cy="1759512"/>
+        </p:xfrm>
+        <a:graphic>
+          <a:graphicData uri="http://schemas.openxmlformats.org/drawingml/2006/table">
+            <a:tbl>
+              <a:tblPr>
+                <a:tableStyleId>{2D5ABB26-0587-4C30-8999-92F81FD0307C}</a:tableStyleId>
+              </a:tblPr>
+              <a:tblGrid>
+                <a:gridCol w="586504">
+                  <a:extLst>
+                    <a:ext uri="{9D8B030D-6E8A-4147-A177-3AD203B41FA5}">
+                      <a16:colId xmlns:a16="http://schemas.microsoft.com/office/drawing/2014/main" val="535822222"/>
+                    </a:ext>
+                  </a:extLst>
+                </a:gridCol>
+                <a:gridCol w="586504">
+                  <a:extLst>
+                    <a:ext uri="{9D8B030D-6E8A-4147-A177-3AD203B41FA5}">
+                      <a16:colId xmlns:a16="http://schemas.microsoft.com/office/drawing/2014/main" val="2187667212"/>
+                    </a:ext>
+                  </a:extLst>
+                </a:gridCol>
+                <a:gridCol w="586504">
+                  <a:extLst>
+                    <a:ext uri="{9D8B030D-6E8A-4147-A177-3AD203B41FA5}">
+                      <a16:colId xmlns:a16="http://schemas.microsoft.com/office/drawing/2014/main" val="3908830090"/>
+                    </a:ext>
+                  </a:extLst>
+                </a:gridCol>
+              </a:tblGrid>
+              <a:tr h="586504">
+                <a:tc>
+                  <a:txBody>
+                    <a:bodyPr/>
+                    <a:lstStyle/>
+                    <a:p>
+                      <a:endParaRPr lang="zh-CN" altLang="en-US" sz="2600"/>
+                    </a:p>
+                  </a:txBody>
+                  <a:tcPr marL="119178" marR="119178" marT="59590" marB="59590">
+                    <a:lnL w="3175" cap="flat" cmpd="sng" algn="ctr">
+                      <a:solidFill>
+                        <a:schemeClr val="tx1"/>
+                      </a:solidFill>
+                      <a:prstDash val="solid"/>
+                      <a:round/>
+                      <a:headEnd type="none" w="med" len="med"/>
+                      <a:tailEnd type="none" w="med" len="med"/>
+                    </a:lnL>
+                    <a:lnR w="3175" cap="flat" cmpd="sng" algn="ctr">
+                      <a:solidFill>
+                        <a:schemeClr val="tx1"/>
+                      </a:solidFill>
+                      <a:prstDash val="solid"/>
+                      <a:round/>
+                      <a:headEnd type="none" w="med" len="med"/>
+                      <a:tailEnd type="none" w="med" len="med"/>
+                    </a:lnR>
+                    <a:lnT w="3175" cap="flat" cmpd="sng" algn="ctr">
+                      <a:solidFill>
+                        <a:schemeClr val="tx1"/>
+                      </a:solidFill>
+                      <a:prstDash val="solid"/>
+                      <a:round/>
+                      <a:headEnd type="none" w="med" len="med"/>
+                      <a:tailEnd type="none" w="med" len="med"/>
+                    </a:lnT>
+                    <a:lnB w="3175" cap="flat" cmpd="sng" algn="ctr">
+                      <a:solidFill>
+                        <a:schemeClr val="tx1"/>
+                      </a:solidFill>
+                      <a:prstDash val="solid"/>
+                      <a:round/>
+                      <a:headEnd type="none" w="med" len="med"/>
+                      <a:tailEnd type="none" w="med" len="med"/>
+                    </a:lnB>
+                  </a:tcPr>
+                </a:tc>
+                <a:tc>
+                  <a:txBody>
+                    <a:bodyPr/>
+                    <a:lstStyle/>
+                    <a:p>
+                      <a:endParaRPr lang="zh-CN" altLang="en-US" sz="2600" dirty="0"/>
+                    </a:p>
+                  </a:txBody>
+                  <a:tcPr marL="119178" marR="119178" marT="59590" marB="59590">
+                    <a:lnL w="3175" cap="flat" cmpd="sng" algn="ctr">
+                      <a:solidFill>
+                        <a:schemeClr val="tx1"/>
+                      </a:solidFill>
+                      <a:prstDash val="solid"/>
+                      <a:round/>
+                      <a:headEnd type="none" w="med" len="med"/>
+                      <a:tailEnd type="none" w="med" len="med"/>
+                    </a:lnL>
+                    <a:lnR w="3175" cap="flat" cmpd="sng" algn="ctr">
+                      <a:solidFill>
+                        <a:schemeClr val="tx1"/>
+                      </a:solidFill>
+                      <a:prstDash val="solid"/>
+                      <a:round/>
+                      <a:headEnd type="none" w="med" len="med"/>
+                      <a:tailEnd type="none" w="med" len="med"/>
+                    </a:lnR>
+                    <a:lnT w="3175" cap="flat" cmpd="sng" algn="ctr">
+                      <a:solidFill>
+                        <a:schemeClr val="tx1"/>
+                      </a:solidFill>
+                      <a:prstDash val="solid"/>
+                      <a:round/>
+                      <a:headEnd type="none" w="med" len="med"/>
+                      <a:tailEnd type="none" w="med" len="med"/>
+                    </a:lnT>
+                    <a:lnB w="3175" cap="flat" cmpd="sng" algn="ctr">
+                      <a:solidFill>
+                        <a:schemeClr val="tx1"/>
+                      </a:solidFill>
+                      <a:prstDash val="solid"/>
+                      <a:round/>
+                      <a:headEnd type="none" w="med" len="med"/>
+                      <a:tailEnd type="none" w="med" len="med"/>
+                    </a:lnB>
+                  </a:tcPr>
+                </a:tc>
+                <a:tc>
+                  <a:txBody>
+                    <a:bodyPr/>
+                    <a:lstStyle/>
+                    <a:p>
+                      <a:endParaRPr lang="zh-CN" altLang="en-US" sz="2600" dirty="0"/>
+                    </a:p>
+                  </a:txBody>
+                  <a:tcPr marL="119178" marR="119178" marT="59590" marB="59590">
+                    <a:lnL w="3175" cap="flat" cmpd="sng" algn="ctr">
+                      <a:solidFill>
+                        <a:schemeClr val="tx1"/>
+                      </a:solidFill>
+                      <a:prstDash val="solid"/>
+                      <a:round/>
+                      <a:headEnd type="none" w="med" len="med"/>
+                      <a:tailEnd type="none" w="med" len="med"/>
+                    </a:lnL>
+                    <a:lnR w="3175" cap="flat" cmpd="sng" algn="ctr">
+                      <a:solidFill>
+                        <a:schemeClr val="tx1"/>
+                      </a:solidFill>
+                      <a:prstDash val="solid"/>
+                      <a:round/>
+                      <a:headEnd type="none" w="med" len="med"/>
+                      <a:tailEnd type="none" w="med" len="med"/>
+                    </a:lnR>
+                    <a:lnT w="3175" cap="flat" cmpd="sng" algn="ctr">
+                      <a:solidFill>
+                        <a:schemeClr val="tx1"/>
+                      </a:solidFill>
+                      <a:prstDash val="solid"/>
+                      <a:round/>
+                      <a:headEnd type="none" w="med" len="med"/>
+                      <a:tailEnd type="none" w="med" len="med"/>
+                    </a:lnT>
+                    <a:lnB w="3175" cap="flat" cmpd="sng" algn="ctr">
+                      <a:solidFill>
+                        <a:schemeClr val="tx1"/>
+                      </a:solidFill>
+                      <a:prstDash val="solid"/>
+                      <a:round/>
+                      <a:headEnd type="none" w="med" len="med"/>
+                      <a:tailEnd type="none" w="med" len="med"/>
+                    </a:lnB>
+                  </a:tcPr>
+                </a:tc>
+                <a:extLst>
+                  <a:ext uri="{0D108BD9-81ED-4DB2-BD59-A6C34878D82A}">
+                    <a16:rowId xmlns:a16="http://schemas.microsoft.com/office/drawing/2014/main" val="2234437739"/>
+                  </a:ext>
+                </a:extLst>
+              </a:tr>
+              <a:tr h="586504">
+                <a:tc>
+                  <a:txBody>
+                    <a:bodyPr/>
+                    <a:lstStyle/>
+                    <a:p>
+                      <a:endParaRPr lang="zh-CN" altLang="en-US" sz="2600"/>
+                    </a:p>
+                  </a:txBody>
+                  <a:tcPr marL="119178" marR="119178" marT="59590" marB="59590">
+                    <a:lnL w="3175" cap="flat" cmpd="sng" algn="ctr">
+                      <a:solidFill>
+                        <a:schemeClr val="tx1"/>
+                      </a:solidFill>
+                      <a:prstDash val="solid"/>
+                      <a:round/>
+                      <a:headEnd type="none" w="med" len="med"/>
+                      <a:tailEnd type="none" w="med" len="med"/>
+                    </a:lnL>
+                    <a:lnR w="3175" cap="flat" cmpd="sng" algn="ctr">
+                      <a:solidFill>
+                        <a:schemeClr val="tx1"/>
+                      </a:solidFill>
+                      <a:prstDash val="solid"/>
+                      <a:round/>
+                      <a:headEnd type="none" w="med" len="med"/>
+                      <a:tailEnd type="none" w="med" len="med"/>
+                    </a:lnR>
+                    <a:lnT w="3175" cap="flat" cmpd="sng" algn="ctr">
+                      <a:solidFill>
+                        <a:schemeClr val="tx1"/>
+                      </a:solidFill>
+                      <a:prstDash val="solid"/>
+                      <a:round/>
+                      <a:headEnd type="none" w="med" len="med"/>
+                      <a:tailEnd type="none" w="med" len="med"/>
+                    </a:lnT>
+                    <a:lnB w="3175" cap="flat" cmpd="sng" algn="ctr">
+                      <a:solidFill>
+                        <a:schemeClr val="tx1"/>
+                      </a:solidFill>
+                      <a:prstDash val="solid"/>
+                      <a:round/>
+                      <a:headEnd type="none" w="med" len="med"/>
+                      <a:tailEnd type="none" w="med" len="med"/>
+                    </a:lnB>
+                  </a:tcPr>
+                </a:tc>
+                <a:tc>
+                  <a:txBody>
+                    <a:bodyPr/>
+                    <a:lstStyle/>
+                    <a:p>
+                      <a:endParaRPr lang="zh-CN" altLang="en-US" sz="2600" dirty="0"/>
+                    </a:p>
+                  </a:txBody>
+                  <a:tcPr marL="119178" marR="119178" marT="59590" marB="59590">
+                    <a:lnL w="3175" cap="flat" cmpd="sng" algn="ctr">
+                      <a:solidFill>
+                        <a:schemeClr val="tx1"/>
+                      </a:solidFill>
+                      <a:prstDash val="solid"/>
+                      <a:round/>
+                      <a:headEnd type="none" w="med" len="med"/>
+                      <a:tailEnd type="none" w="med" len="med"/>
+                    </a:lnL>
+                    <a:lnR w="3175" cap="flat" cmpd="sng" algn="ctr">
+                      <a:solidFill>
+                        <a:schemeClr val="tx1"/>
+                      </a:solidFill>
+                      <a:prstDash val="solid"/>
+                      <a:round/>
+                      <a:headEnd type="none" w="med" len="med"/>
+                      <a:tailEnd type="none" w="med" len="med"/>
+                    </a:lnR>
+                    <a:lnT w="3175" cap="flat" cmpd="sng" algn="ctr">
+                      <a:solidFill>
+                        <a:schemeClr val="tx1"/>
+                      </a:solidFill>
+                      <a:prstDash val="solid"/>
+                      <a:round/>
+                      <a:headEnd type="none" w="med" len="med"/>
+                      <a:tailEnd type="none" w="med" len="med"/>
+                    </a:lnT>
+                    <a:lnB w="3175" cap="flat" cmpd="sng" algn="ctr">
+                      <a:solidFill>
+                        <a:schemeClr val="tx1"/>
+                      </a:solidFill>
+                      <a:prstDash val="solid"/>
+                      <a:round/>
+                      <a:headEnd type="none" w="med" len="med"/>
+                      <a:tailEnd type="none" w="med" len="med"/>
+                    </a:lnB>
+                  </a:tcPr>
+                </a:tc>
+                <a:tc>
+                  <a:txBody>
+                    <a:bodyPr/>
+                    <a:lstStyle/>
+                    <a:p>
+                      <a:endParaRPr lang="zh-CN" altLang="en-US" sz="2600" dirty="0"/>
+                    </a:p>
+                  </a:txBody>
+                  <a:tcPr marL="119178" marR="119178" marT="59590" marB="59590">
+                    <a:lnL w="3175" cap="flat" cmpd="sng" algn="ctr">
+                      <a:solidFill>
+                        <a:schemeClr val="tx1"/>
+                      </a:solidFill>
+                      <a:prstDash val="solid"/>
+                      <a:round/>
+                      <a:headEnd type="none" w="med" len="med"/>
+                      <a:tailEnd type="none" w="med" len="med"/>
+                    </a:lnL>
+                    <a:lnR w="3175" cap="flat" cmpd="sng" algn="ctr">
+                      <a:solidFill>
+                        <a:schemeClr val="tx1"/>
+                      </a:solidFill>
+                      <a:prstDash val="solid"/>
+                      <a:round/>
+                      <a:headEnd type="none" w="med" len="med"/>
+                      <a:tailEnd type="none" w="med" len="med"/>
+                    </a:lnR>
+                    <a:lnT w="3175" cap="flat" cmpd="sng" algn="ctr">
+                      <a:solidFill>
+                        <a:schemeClr val="tx1"/>
+                      </a:solidFill>
+                      <a:prstDash val="solid"/>
+                      <a:round/>
+                      <a:headEnd type="none" w="med" len="med"/>
+                      <a:tailEnd type="none" w="med" len="med"/>
+                    </a:lnT>
+                    <a:lnB w="3175" cap="flat" cmpd="sng" algn="ctr">
+                      <a:solidFill>
+                        <a:schemeClr val="tx1"/>
+                      </a:solidFill>
+                      <a:prstDash val="solid"/>
+                      <a:round/>
+                      <a:headEnd type="none" w="med" len="med"/>
+                      <a:tailEnd type="none" w="med" len="med"/>
+                    </a:lnB>
+                  </a:tcPr>
+                </a:tc>
+                <a:extLst>
+                  <a:ext uri="{0D108BD9-81ED-4DB2-BD59-A6C34878D82A}">
+                    <a16:rowId xmlns:a16="http://schemas.microsoft.com/office/drawing/2014/main" val="1839834479"/>
+                  </a:ext>
+                </a:extLst>
+              </a:tr>
+              <a:tr h="586504">
+                <a:tc>
+                  <a:txBody>
+                    <a:bodyPr/>
+                    <a:lstStyle/>
+                    <a:p>
+                      <a:endParaRPr lang="zh-CN" altLang="en-US" sz="2600" dirty="0"/>
+                    </a:p>
+                  </a:txBody>
+                  <a:tcPr marL="119178" marR="119178" marT="59590" marB="59590">
+                    <a:lnL w="3175" cap="flat" cmpd="sng" algn="ctr">
+                      <a:solidFill>
+                        <a:schemeClr val="tx1"/>
+                      </a:solidFill>
+                      <a:prstDash val="solid"/>
+                      <a:round/>
+                      <a:headEnd type="none" w="med" len="med"/>
+                      <a:tailEnd type="none" w="med" len="med"/>
+                    </a:lnL>
+                    <a:lnR w="3175" cap="flat" cmpd="sng" algn="ctr">
+                      <a:solidFill>
+                        <a:schemeClr val="tx1"/>
+                      </a:solidFill>
+                      <a:prstDash val="solid"/>
+                      <a:round/>
+                      <a:headEnd type="none" w="med" len="med"/>
+                      <a:tailEnd type="none" w="med" len="med"/>
+                    </a:lnR>
+                    <a:lnT w="3175" cap="flat" cmpd="sng" algn="ctr">
+                      <a:solidFill>
+                        <a:schemeClr val="tx1"/>
+                      </a:solidFill>
+                      <a:prstDash val="solid"/>
+                      <a:round/>
+                      <a:headEnd type="none" w="med" len="med"/>
+                      <a:tailEnd type="none" w="med" len="med"/>
+                    </a:lnT>
+                    <a:lnB w="3175" cap="flat" cmpd="sng" algn="ctr">
+                      <a:solidFill>
+                        <a:schemeClr val="tx1"/>
+                      </a:solidFill>
+                      <a:prstDash val="solid"/>
+                      <a:round/>
+                      <a:headEnd type="none" w="med" len="med"/>
+                      <a:tailEnd type="none" w="med" len="med"/>
+                    </a:lnB>
+                  </a:tcPr>
+                </a:tc>
+                <a:tc>
+                  <a:txBody>
+                    <a:bodyPr/>
+                    <a:lstStyle/>
+                    <a:p>
+                      <a:endParaRPr lang="zh-CN" altLang="en-US" sz="2600" dirty="0"/>
+                    </a:p>
+                  </a:txBody>
+                  <a:tcPr marL="119178" marR="119178" marT="59590" marB="59590">
+                    <a:lnL w="3175" cap="flat" cmpd="sng" algn="ctr">
+                      <a:solidFill>
+                        <a:schemeClr val="tx1"/>
+                      </a:solidFill>
+                      <a:prstDash val="solid"/>
+                      <a:round/>
+                      <a:headEnd type="none" w="med" len="med"/>
+                      <a:tailEnd type="none" w="med" len="med"/>
+                    </a:lnL>
+                    <a:lnR w="3175" cap="flat" cmpd="sng" algn="ctr">
+                      <a:solidFill>
+                        <a:schemeClr val="tx1"/>
+                      </a:solidFill>
+                      <a:prstDash val="solid"/>
+                      <a:round/>
+                      <a:headEnd type="none" w="med" len="med"/>
+                      <a:tailEnd type="none" w="med" len="med"/>
+                    </a:lnR>
+                    <a:lnT w="3175" cap="flat" cmpd="sng" algn="ctr">
+                      <a:solidFill>
+                        <a:schemeClr val="tx1"/>
+                      </a:solidFill>
+                      <a:prstDash val="solid"/>
+                      <a:round/>
+                      <a:headEnd type="none" w="med" len="med"/>
+                      <a:tailEnd type="none" w="med" len="med"/>
+                    </a:lnT>
+                    <a:lnB w="3175" cap="flat" cmpd="sng" algn="ctr">
+                      <a:solidFill>
+                        <a:schemeClr val="tx1"/>
+                      </a:solidFill>
+                      <a:prstDash val="solid"/>
+                      <a:round/>
+                      <a:headEnd type="none" w="med" len="med"/>
+                      <a:tailEnd type="none" w="med" len="med"/>
+                    </a:lnB>
+                  </a:tcPr>
+                </a:tc>
+                <a:tc>
+                  <a:txBody>
+                    <a:bodyPr/>
+                    <a:lstStyle/>
+                    <a:p>
+                      <a:endParaRPr lang="zh-CN" altLang="en-US" sz="2600" dirty="0"/>
+                    </a:p>
+                  </a:txBody>
+                  <a:tcPr marL="119178" marR="119178" marT="59590" marB="59590">
+                    <a:lnL w="3175" cap="flat" cmpd="sng" algn="ctr">
+                      <a:solidFill>
+                        <a:schemeClr val="tx1"/>
+                      </a:solidFill>
+                      <a:prstDash val="solid"/>
+                      <a:round/>
+                      <a:headEnd type="none" w="med" len="med"/>
+                      <a:tailEnd type="none" w="med" len="med"/>
+                    </a:lnL>
+                    <a:lnR w="3175" cap="flat" cmpd="sng" algn="ctr">
+                      <a:solidFill>
+                        <a:schemeClr val="tx1"/>
+                      </a:solidFill>
+                      <a:prstDash val="solid"/>
+                      <a:round/>
+                      <a:headEnd type="none" w="med" len="med"/>
+                      <a:tailEnd type="none" w="med" len="med"/>
+                    </a:lnR>
+                    <a:lnT w="3175" cap="flat" cmpd="sng" algn="ctr">
+                      <a:solidFill>
+                        <a:schemeClr val="tx1"/>
+                      </a:solidFill>
+                      <a:prstDash val="solid"/>
+                      <a:round/>
+                      <a:headEnd type="none" w="med" len="med"/>
+                      <a:tailEnd type="none" w="med" len="med"/>
+                    </a:lnT>
+                    <a:lnB w="3175" cap="flat" cmpd="sng" algn="ctr">
+                      <a:solidFill>
+                        <a:schemeClr val="tx1"/>
+                      </a:solidFill>
+                      <a:prstDash val="solid"/>
+                      <a:round/>
+                      <a:headEnd type="none" w="med" len="med"/>
+                      <a:tailEnd type="none" w="med" len="med"/>
+                    </a:lnB>
+                  </a:tcPr>
+                </a:tc>
+                <a:extLst>
+                  <a:ext uri="{0D108BD9-81ED-4DB2-BD59-A6C34878D82A}">
+                    <a16:rowId xmlns:a16="http://schemas.microsoft.com/office/drawing/2014/main" val="4214388906"/>
+                  </a:ext>
+                </a:extLst>
+              </a:tr>
+            </a:tbl>
+          </a:graphicData>
+        </a:graphic>
+      </p:graphicFrame>
+      <p:grpSp>
+        <p:nvGrpSpPr>
+          <p:cNvPr id="42" name="组合 41">
+            <a:extLst>
+              <a:ext uri="{FF2B5EF4-FFF2-40B4-BE49-F238E27FC236}">
+                <a16:creationId xmlns:a16="http://schemas.microsoft.com/office/drawing/2014/main" id="{8E5B6FEE-83F5-4A81-B0BC-3C34BF7BD18C}"/>
+              </a:ext>
+            </a:extLst>
+          </p:cNvPr>
+          <p:cNvGrpSpPr/>
+          <p:nvPr/>
+        </p:nvGrpSpPr>
+        <p:grpSpPr>
+          <a:xfrm>
+            <a:off x="2299638" y="3767304"/>
+            <a:ext cx="1528566" cy="956304"/>
+            <a:chOff x="1620932" y="2845375"/>
+            <a:chExt cx="1189672" cy="744284"/>
+          </a:xfrm>
+        </p:grpSpPr>
+        <p:sp>
+          <p:nvSpPr>
+            <p:cNvPr id="43" name="椭圆 42">
+              <a:extLst>
+                <a:ext uri="{FF2B5EF4-FFF2-40B4-BE49-F238E27FC236}">
+                  <a16:creationId xmlns:a16="http://schemas.microsoft.com/office/drawing/2014/main" id="{232F99A1-0419-438A-9971-77BAE7D83DF6}"/>
+                </a:ext>
+              </a:extLst>
+            </p:cNvPr>
+            <p:cNvSpPr/>
+            <p:nvPr/>
+          </p:nvSpPr>
+          <p:spPr>
+            <a:xfrm>
+              <a:off x="2070512" y="2845375"/>
+              <a:ext cx="290512" cy="280987"/>
+            </a:xfrm>
+            <a:prstGeom prst="ellipse">
+              <a:avLst/>
+            </a:prstGeom>
+          </p:spPr>
+          <p:style>
+            <a:lnRef idx="2">
+              <a:schemeClr val="dk1">
+                <a:shade val="50000"/>
+              </a:schemeClr>
+            </a:lnRef>
+            <a:fillRef idx="1">
+              <a:schemeClr val="dk1"/>
+            </a:fillRef>
+            <a:effectRef idx="0">
+              <a:schemeClr val="dk1"/>
+            </a:effectRef>
+            <a:fontRef idx="minor">
+              <a:schemeClr val="lt1"/>
+            </a:fontRef>
+          </p:style>
+          <p:txBody>
+            <a:bodyPr rot="0" spcFirstLastPara="0" vertOverflow="overflow" horzOverflow="overflow" vert="horz" wrap="square" lIns="91440" tIns="45720" rIns="91440" bIns="45720" numCol="1" spcCol="0" rtlCol="0" fromWordArt="0" anchor="ctr" anchorCtr="0" forceAA="0" compatLnSpc="1">
+              <a:prstTxWarp prst="textNoShape">
+                <a:avLst/>
+              </a:prstTxWarp>
+              <a:noAutofit/>
+            </a:bodyPr>
+            <a:lstStyle/>
+            <a:p>
+              <a:pPr algn="ctr"/>
+              <a:endParaRPr lang="zh-CN" altLang="en-US"/>
+            </a:p>
+          </p:txBody>
+        </p:sp>
+        <p:sp>
+          <p:nvSpPr>
+            <p:cNvPr id="44" name="椭圆 43">
+              <a:extLst>
+                <a:ext uri="{FF2B5EF4-FFF2-40B4-BE49-F238E27FC236}">
+                  <a16:creationId xmlns:a16="http://schemas.microsoft.com/office/drawing/2014/main" id="{B0561395-BD09-4651-B1FA-F3E979525C70}"/>
+                </a:ext>
+              </a:extLst>
+            </p:cNvPr>
+            <p:cNvSpPr/>
+            <p:nvPr/>
+          </p:nvSpPr>
+          <p:spPr>
+            <a:xfrm>
+              <a:off x="1620932" y="2845375"/>
+              <a:ext cx="290512" cy="280987"/>
+            </a:xfrm>
+            <a:prstGeom prst="ellipse">
+              <a:avLst/>
+            </a:prstGeom>
+          </p:spPr>
+          <p:style>
+            <a:lnRef idx="2">
+              <a:schemeClr val="dk1">
+                <a:shade val="50000"/>
+              </a:schemeClr>
+            </a:lnRef>
+            <a:fillRef idx="1">
+              <a:schemeClr val="dk1"/>
+            </a:fillRef>
+            <a:effectRef idx="0">
+              <a:schemeClr val="dk1"/>
+            </a:effectRef>
+            <a:fontRef idx="minor">
+              <a:schemeClr val="lt1"/>
+            </a:fontRef>
+          </p:style>
+          <p:txBody>
+            <a:bodyPr rot="0" spcFirstLastPara="0" vertOverflow="overflow" horzOverflow="overflow" vert="horz" wrap="square" lIns="91440" tIns="45720" rIns="91440" bIns="45720" numCol="1" spcCol="0" rtlCol="0" fromWordArt="0" anchor="ctr" anchorCtr="0" forceAA="0" compatLnSpc="1">
+              <a:prstTxWarp prst="textNoShape">
+                <a:avLst/>
+              </a:prstTxWarp>
+              <a:noAutofit/>
+            </a:bodyPr>
+            <a:lstStyle/>
+            <a:p>
+              <a:pPr algn="ctr"/>
+              <a:endParaRPr lang="zh-CN" altLang="en-US"/>
+            </a:p>
+          </p:txBody>
+        </p:sp>
+        <p:sp>
+          <p:nvSpPr>
+            <p:cNvPr id="45" name="椭圆 44">
+              <a:extLst>
+                <a:ext uri="{FF2B5EF4-FFF2-40B4-BE49-F238E27FC236}">
+                  <a16:creationId xmlns:a16="http://schemas.microsoft.com/office/drawing/2014/main" id="{A8AC1E2B-2B27-4E36-86BD-DC085E508B05}"/>
+                </a:ext>
+              </a:extLst>
+            </p:cNvPr>
+            <p:cNvSpPr/>
+            <p:nvPr/>
+          </p:nvSpPr>
+          <p:spPr>
+            <a:xfrm>
+              <a:off x="2520092" y="2845375"/>
+              <a:ext cx="290512" cy="280987"/>
+            </a:xfrm>
+            <a:prstGeom prst="ellipse">
+              <a:avLst/>
+            </a:prstGeom>
+          </p:spPr>
+          <p:style>
+            <a:lnRef idx="2">
+              <a:schemeClr val="dk1">
+                <a:shade val="50000"/>
+              </a:schemeClr>
+            </a:lnRef>
+            <a:fillRef idx="1">
+              <a:schemeClr val="dk1"/>
+            </a:fillRef>
+            <a:effectRef idx="0">
+              <a:schemeClr val="dk1"/>
+            </a:effectRef>
+            <a:fontRef idx="minor">
+              <a:schemeClr val="lt1"/>
+            </a:fontRef>
+          </p:style>
+          <p:txBody>
+            <a:bodyPr rot="0" spcFirstLastPara="0" vertOverflow="overflow" horzOverflow="overflow" vert="horz" wrap="square" lIns="91440" tIns="45720" rIns="91440" bIns="45720" numCol="1" spcCol="0" rtlCol="0" fromWordArt="0" anchor="ctr" anchorCtr="0" forceAA="0" compatLnSpc="1">
+              <a:prstTxWarp prst="textNoShape">
+                <a:avLst/>
+              </a:prstTxWarp>
+              <a:noAutofit/>
+            </a:bodyPr>
+            <a:lstStyle/>
+            <a:p>
+              <a:pPr algn="ctr"/>
+              <a:endParaRPr lang="zh-CN" altLang="en-US"/>
+            </a:p>
+          </p:txBody>
+        </p:sp>
+        <p:sp>
+          <p:nvSpPr>
+            <p:cNvPr id="46" name="椭圆 45">
+              <a:extLst>
+                <a:ext uri="{FF2B5EF4-FFF2-40B4-BE49-F238E27FC236}">
+                  <a16:creationId xmlns:a16="http://schemas.microsoft.com/office/drawing/2014/main" id="{4AA40C55-4379-4202-8A0E-26E38AFECF73}"/>
+                </a:ext>
+              </a:extLst>
+            </p:cNvPr>
+            <p:cNvSpPr/>
+            <p:nvPr/>
+          </p:nvSpPr>
+          <p:spPr>
+            <a:xfrm>
+              <a:off x="2070512" y="3308672"/>
+              <a:ext cx="290512" cy="280987"/>
+            </a:xfrm>
+            <a:prstGeom prst="ellipse">
+              <a:avLst/>
+            </a:prstGeom>
+          </p:spPr>
+          <p:style>
+            <a:lnRef idx="2">
+              <a:schemeClr val="dk1"/>
+            </a:lnRef>
+            <a:fillRef idx="1">
+              <a:schemeClr val="lt1"/>
+            </a:fillRef>
+            <a:effectRef idx="0">
+              <a:schemeClr val="dk1"/>
+            </a:effectRef>
+            <a:fontRef idx="minor">
+              <a:schemeClr val="dk1"/>
+            </a:fontRef>
+          </p:style>
+          <p:txBody>
+            <a:bodyPr rot="0" spcFirstLastPara="0" vertOverflow="overflow" horzOverflow="overflow" vert="horz" wrap="square" lIns="91440" tIns="45720" rIns="91440" bIns="45720" numCol="1" spcCol="0" rtlCol="0" fromWordArt="0" anchor="ctr" anchorCtr="0" forceAA="0" compatLnSpc="1">
+              <a:prstTxWarp prst="textNoShape">
+                <a:avLst/>
+              </a:prstTxWarp>
+              <a:noAutofit/>
+            </a:bodyPr>
+            <a:lstStyle/>
+            <a:p>
+              <a:pPr algn="ctr"/>
+              <a:endParaRPr lang="zh-CN" altLang="en-US"/>
+            </a:p>
+          </p:txBody>
+        </p:sp>
+        <p:sp>
+          <p:nvSpPr>
+            <p:cNvPr id="47" name="椭圆 46">
+              <a:extLst>
+                <a:ext uri="{FF2B5EF4-FFF2-40B4-BE49-F238E27FC236}">
+                  <a16:creationId xmlns:a16="http://schemas.microsoft.com/office/drawing/2014/main" id="{732BE4BE-E70E-4EE3-959A-5D1DE5AE887E}"/>
+                </a:ext>
+              </a:extLst>
+            </p:cNvPr>
+            <p:cNvSpPr/>
+            <p:nvPr/>
+          </p:nvSpPr>
+          <p:spPr>
+            <a:xfrm>
+              <a:off x="2520092" y="3308672"/>
+              <a:ext cx="290512" cy="280987"/>
+            </a:xfrm>
+            <a:prstGeom prst="ellipse">
+              <a:avLst/>
+            </a:prstGeom>
+            <a:ln w="6350"/>
+          </p:spPr>
+          <p:style>
+            <a:lnRef idx="2">
+              <a:schemeClr val="dk1"/>
+            </a:lnRef>
+            <a:fillRef idx="1">
+              <a:schemeClr val="lt1"/>
+            </a:fillRef>
+            <a:effectRef idx="0">
+              <a:schemeClr val="dk1"/>
+            </a:effectRef>
+            <a:fontRef idx="minor">
+              <a:schemeClr val="dk1"/>
+            </a:fontRef>
+          </p:style>
+          <p:txBody>
+            <a:bodyPr rot="0" spcFirstLastPara="0" vertOverflow="overflow" horzOverflow="overflow" vert="horz" wrap="square" lIns="91440" tIns="45720" rIns="91440" bIns="45720" numCol="1" spcCol="0" rtlCol="0" fromWordArt="0" anchor="ctr" anchorCtr="0" forceAA="0" compatLnSpc="1">
+              <a:prstTxWarp prst="textNoShape">
+                <a:avLst/>
+              </a:prstTxWarp>
+              <a:noAutofit/>
+            </a:bodyPr>
+            <a:lstStyle/>
+            <a:p>
+              <a:pPr algn="ctr"/>
+              <a:endParaRPr lang="zh-CN" altLang="en-US"/>
+            </a:p>
+          </p:txBody>
+        </p:sp>
+        <p:sp>
+          <p:nvSpPr>
+            <p:cNvPr id="50" name="椭圆 49">
+              <a:extLst>
+                <a:ext uri="{FF2B5EF4-FFF2-40B4-BE49-F238E27FC236}">
+                  <a16:creationId xmlns:a16="http://schemas.microsoft.com/office/drawing/2014/main" id="{9C26802B-A165-46B5-9492-6069727B1F09}"/>
+                </a:ext>
+              </a:extLst>
+            </p:cNvPr>
+            <p:cNvSpPr/>
+            <p:nvPr/>
+          </p:nvSpPr>
+          <p:spPr>
+            <a:xfrm>
+              <a:off x="1729085" y="3409636"/>
+              <a:ext cx="79059" cy="79059"/>
+            </a:xfrm>
+            <a:prstGeom prst="ellipse">
+              <a:avLst/>
+            </a:prstGeom>
+            <a:ln w="6350">
+              <a:solidFill>
+                <a:srgbClr val="FF0000"/>
+              </a:solidFill>
+            </a:ln>
+          </p:spPr>
+          <p:style>
+            <a:lnRef idx="2">
+              <a:schemeClr val="accent2"/>
+            </a:lnRef>
+            <a:fillRef idx="1">
+              <a:schemeClr val="lt1"/>
+            </a:fillRef>
+            <a:effectRef idx="0">
+              <a:schemeClr val="accent2"/>
+            </a:effectRef>
+            <a:fontRef idx="minor">
+              <a:schemeClr val="dk1"/>
+            </a:fontRef>
+          </p:style>
+          <p:txBody>
+            <a:bodyPr rot="0" spcFirstLastPara="0" vertOverflow="overflow" horzOverflow="overflow" vert="horz" wrap="square" lIns="91440" tIns="45720" rIns="91440" bIns="45720" numCol="1" spcCol="0" rtlCol="0" fromWordArt="0" anchor="ctr" anchorCtr="0" forceAA="0" compatLnSpc="1">
+              <a:prstTxWarp prst="textNoShape">
+                <a:avLst/>
+              </a:prstTxWarp>
+              <a:noAutofit/>
+            </a:bodyPr>
+            <a:lstStyle/>
+            <a:p>
+              <a:pPr algn="ctr"/>
+              <a:endParaRPr lang="zh-CN" altLang="en-US" dirty="0"/>
+            </a:p>
+          </p:txBody>
+        </p:sp>
+      </p:grpSp>
+      <p:graphicFrame>
+        <p:nvGraphicFramePr>
+          <p:cNvPr id="51" name="表格 50">
+            <a:extLst>
+              <a:ext uri="{FF2B5EF4-FFF2-40B4-BE49-F238E27FC236}">
+                <a16:creationId xmlns:a16="http://schemas.microsoft.com/office/drawing/2014/main" id="{2A2F9F62-1CE9-41C2-9AD8-7070760BD1B3}"/>
+              </a:ext>
+            </a:extLst>
+          </p:cNvPr>
+          <p:cNvGraphicFramePr>
+            <a:graphicFrameLocks noGrp="1"/>
+          </p:cNvGraphicFramePr>
+          <p:nvPr>
+            <p:custDataLst>
+              <p:custData r:id="rId3"/>
+            </p:custDataLst>
+            <p:extLst>
+              <p:ext uri="{D42A27DB-BD31-4B8C-83A1-F6EECF244321}">
+                <p14:modId xmlns:p14="http://schemas.microsoft.com/office/powerpoint/2010/main" val="2797327768"/>
+              </p:ext>
+            </p:extLst>
+          </p:nvPr>
+        </p:nvGraphicFramePr>
+        <p:xfrm>
+          <a:off x="4531512" y="3063497"/>
+          <a:ext cx="1759512" cy="1759512"/>
+        </p:xfrm>
+        <a:graphic>
+          <a:graphicData uri="http://schemas.openxmlformats.org/drawingml/2006/table">
+            <a:tbl>
+              <a:tblPr>
+                <a:tableStyleId>{2D5ABB26-0587-4C30-8999-92F81FD0307C}</a:tableStyleId>
+              </a:tblPr>
+              <a:tblGrid>
+                <a:gridCol w="586504">
+                  <a:extLst>
+                    <a:ext uri="{9D8B030D-6E8A-4147-A177-3AD203B41FA5}">
+                      <a16:colId xmlns:a16="http://schemas.microsoft.com/office/drawing/2014/main" val="535822222"/>
+                    </a:ext>
+                  </a:extLst>
+                </a:gridCol>
+                <a:gridCol w="586504">
+                  <a:extLst>
+                    <a:ext uri="{9D8B030D-6E8A-4147-A177-3AD203B41FA5}">
+                      <a16:colId xmlns:a16="http://schemas.microsoft.com/office/drawing/2014/main" val="2187667212"/>
+                    </a:ext>
+                  </a:extLst>
+                </a:gridCol>
+                <a:gridCol w="586504">
+                  <a:extLst>
+                    <a:ext uri="{9D8B030D-6E8A-4147-A177-3AD203B41FA5}">
+                      <a16:colId xmlns:a16="http://schemas.microsoft.com/office/drawing/2014/main" val="3908830090"/>
+                    </a:ext>
+                  </a:extLst>
+                </a:gridCol>
+              </a:tblGrid>
+              <a:tr h="586504">
+                <a:tc>
+                  <a:txBody>
+                    <a:bodyPr/>
+                    <a:lstStyle/>
+                    <a:p>
+                      <a:endParaRPr lang="zh-CN" altLang="en-US" sz="2600"/>
+                    </a:p>
+                  </a:txBody>
+                  <a:tcPr marL="119178" marR="119178" marT="59590" marB="59590">
+                    <a:lnL w="3175" cap="flat" cmpd="sng" algn="ctr">
+                      <a:solidFill>
+                        <a:schemeClr val="tx1"/>
+                      </a:solidFill>
+                      <a:prstDash val="solid"/>
+                      <a:round/>
+                      <a:headEnd type="none" w="med" len="med"/>
+                      <a:tailEnd type="none" w="med" len="med"/>
+                    </a:lnL>
+                    <a:lnR w="3175" cap="flat" cmpd="sng" algn="ctr">
+                      <a:solidFill>
+                        <a:schemeClr val="tx1"/>
+                      </a:solidFill>
+                      <a:prstDash val="solid"/>
+                      <a:round/>
+                      <a:headEnd type="none" w="med" len="med"/>
+                      <a:tailEnd type="none" w="med" len="med"/>
+                    </a:lnR>
+                    <a:lnT w="3175" cap="flat" cmpd="sng" algn="ctr">
+                      <a:solidFill>
+                        <a:schemeClr val="tx1"/>
+                      </a:solidFill>
+                      <a:prstDash val="solid"/>
+                      <a:round/>
+                      <a:headEnd type="none" w="med" len="med"/>
+                      <a:tailEnd type="none" w="med" len="med"/>
+                    </a:lnT>
+                    <a:lnB w="3175" cap="flat" cmpd="sng" algn="ctr">
+                      <a:solidFill>
+                        <a:schemeClr val="tx1"/>
+                      </a:solidFill>
+                      <a:prstDash val="solid"/>
+                      <a:round/>
+                      <a:headEnd type="none" w="med" len="med"/>
+                      <a:tailEnd type="none" w="med" len="med"/>
+                    </a:lnB>
+                  </a:tcPr>
+                </a:tc>
+                <a:tc>
+                  <a:txBody>
+                    <a:bodyPr/>
+                    <a:lstStyle/>
+                    <a:p>
+                      <a:endParaRPr lang="zh-CN" altLang="en-US" sz="2600" dirty="0"/>
+                    </a:p>
+                  </a:txBody>
+                  <a:tcPr marL="119178" marR="119178" marT="59590" marB="59590">
+                    <a:lnL w="3175" cap="flat" cmpd="sng" algn="ctr">
+                      <a:solidFill>
+                        <a:schemeClr val="tx1"/>
+                      </a:solidFill>
+                      <a:prstDash val="solid"/>
+                      <a:round/>
+                      <a:headEnd type="none" w="med" len="med"/>
+                      <a:tailEnd type="none" w="med" len="med"/>
+                    </a:lnL>
+                    <a:lnR w="3175" cap="flat" cmpd="sng" algn="ctr">
+                      <a:solidFill>
+                        <a:schemeClr val="tx1"/>
+                      </a:solidFill>
+                      <a:prstDash val="solid"/>
+                      <a:round/>
+                      <a:headEnd type="none" w="med" len="med"/>
+                      <a:tailEnd type="none" w="med" len="med"/>
+                    </a:lnR>
+                    <a:lnT w="3175" cap="flat" cmpd="sng" algn="ctr">
+                      <a:solidFill>
+                        <a:schemeClr val="tx1"/>
+                      </a:solidFill>
+                      <a:prstDash val="solid"/>
+                      <a:round/>
+                      <a:headEnd type="none" w="med" len="med"/>
+                      <a:tailEnd type="none" w="med" len="med"/>
+                    </a:lnT>
+                    <a:lnB w="3175" cap="flat" cmpd="sng" algn="ctr">
+                      <a:solidFill>
+                        <a:schemeClr val="tx1"/>
+                      </a:solidFill>
+                      <a:prstDash val="solid"/>
+                      <a:round/>
+                      <a:headEnd type="none" w="med" len="med"/>
+                      <a:tailEnd type="none" w="med" len="med"/>
+                    </a:lnB>
+                  </a:tcPr>
+                </a:tc>
+                <a:tc>
+                  <a:txBody>
+                    <a:bodyPr/>
+                    <a:lstStyle/>
+                    <a:p>
+                      <a:endParaRPr lang="zh-CN" altLang="en-US" sz="2600" dirty="0"/>
+                    </a:p>
+                  </a:txBody>
+                  <a:tcPr marL="119178" marR="119178" marT="59590" marB="59590">
+                    <a:lnL w="3175" cap="flat" cmpd="sng" algn="ctr">
+                      <a:solidFill>
+                        <a:schemeClr val="tx1"/>
+                      </a:solidFill>
+                      <a:prstDash val="solid"/>
+                      <a:round/>
+                      <a:headEnd type="none" w="med" len="med"/>
+                      <a:tailEnd type="none" w="med" len="med"/>
+                    </a:lnL>
+                    <a:lnR w="3175" cap="flat" cmpd="sng" algn="ctr">
+                      <a:solidFill>
+                        <a:schemeClr val="tx1"/>
+                      </a:solidFill>
+                      <a:prstDash val="solid"/>
+                      <a:round/>
+                      <a:headEnd type="none" w="med" len="med"/>
+                      <a:tailEnd type="none" w="med" len="med"/>
+                    </a:lnR>
+                    <a:lnT w="3175" cap="flat" cmpd="sng" algn="ctr">
+                      <a:solidFill>
+                        <a:schemeClr val="tx1"/>
+                      </a:solidFill>
+                      <a:prstDash val="solid"/>
+                      <a:round/>
+                      <a:headEnd type="none" w="med" len="med"/>
+                      <a:tailEnd type="none" w="med" len="med"/>
+                    </a:lnT>
+                    <a:lnB w="3175" cap="flat" cmpd="sng" algn="ctr">
+                      <a:solidFill>
+                        <a:schemeClr val="tx1"/>
+                      </a:solidFill>
+                      <a:prstDash val="solid"/>
+                      <a:round/>
+                      <a:headEnd type="none" w="med" len="med"/>
+                      <a:tailEnd type="none" w="med" len="med"/>
+                    </a:lnB>
+                  </a:tcPr>
+                </a:tc>
+                <a:extLst>
+                  <a:ext uri="{0D108BD9-81ED-4DB2-BD59-A6C34878D82A}">
+                    <a16:rowId xmlns:a16="http://schemas.microsoft.com/office/drawing/2014/main" val="2234437739"/>
+                  </a:ext>
+                </a:extLst>
+              </a:tr>
+              <a:tr h="586504">
+                <a:tc>
+                  <a:txBody>
+                    <a:bodyPr/>
+                    <a:lstStyle/>
+                    <a:p>
+                      <a:endParaRPr lang="zh-CN" altLang="en-US" sz="2600"/>
+                    </a:p>
+                  </a:txBody>
+                  <a:tcPr marL="119178" marR="119178" marT="59590" marB="59590">
+                    <a:lnL w="3175" cap="flat" cmpd="sng" algn="ctr">
+                      <a:solidFill>
+                        <a:schemeClr val="tx1"/>
+                      </a:solidFill>
+                      <a:prstDash val="solid"/>
+                      <a:round/>
+                      <a:headEnd type="none" w="med" len="med"/>
+                      <a:tailEnd type="none" w="med" len="med"/>
+                    </a:lnL>
+                    <a:lnR w="3175" cap="flat" cmpd="sng" algn="ctr">
+                      <a:solidFill>
+                        <a:schemeClr val="tx1"/>
+                      </a:solidFill>
+                      <a:prstDash val="solid"/>
+                      <a:round/>
+                      <a:headEnd type="none" w="med" len="med"/>
+                      <a:tailEnd type="none" w="med" len="med"/>
+                    </a:lnR>
+                    <a:lnT w="3175" cap="flat" cmpd="sng" algn="ctr">
+                      <a:solidFill>
+                        <a:schemeClr val="tx1"/>
+                      </a:solidFill>
+                      <a:prstDash val="solid"/>
+                      <a:round/>
+                      <a:headEnd type="none" w="med" len="med"/>
+                      <a:tailEnd type="none" w="med" len="med"/>
+                    </a:lnT>
+                    <a:lnB w="3175" cap="flat" cmpd="sng" algn="ctr">
+                      <a:solidFill>
+                        <a:schemeClr val="tx1"/>
+                      </a:solidFill>
+                      <a:prstDash val="solid"/>
+                      <a:round/>
+                      <a:headEnd type="none" w="med" len="med"/>
+                      <a:tailEnd type="none" w="med" len="med"/>
+                    </a:lnB>
+                  </a:tcPr>
+                </a:tc>
+                <a:tc>
+                  <a:txBody>
+                    <a:bodyPr/>
+                    <a:lstStyle/>
+                    <a:p>
+                      <a:endParaRPr lang="zh-CN" altLang="en-US" sz="2600" dirty="0"/>
+                    </a:p>
+                  </a:txBody>
+                  <a:tcPr marL="119178" marR="119178" marT="59590" marB="59590">
+                    <a:lnL w="3175" cap="flat" cmpd="sng" algn="ctr">
+                      <a:solidFill>
+                        <a:schemeClr val="tx1"/>
+                      </a:solidFill>
+                      <a:prstDash val="solid"/>
+                      <a:round/>
+                      <a:headEnd type="none" w="med" len="med"/>
+                      <a:tailEnd type="none" w="med" len="med"/>
+                    </a:lnL>
+                    <a:lnR w="3175" cap="flat" cmpd="sng" algn="ctr">
+                      <a:solidFill>
+                        <a:schemeClr val="tx1"/>
+                      </a:solidFill>
+                      <a:prstDash val="solid"/>
+                      <a:round/>
+                      <a:headEnd type="none" w="med" len="med"/>
+                      <a:tailEnd type="none" w="med" len="med"/>
+                    </a:lnR>
+                    <a:lnT w="3175" cap="flat" cmpd="sng" algn="ctr">
+                      <a:solidFill>
+                        <a:schemeClr val="tx1"/>
+                      </a:solidFill>
+                      <a:prstDash val="solid"/>
+                      <a:round/>
+                      <a:headEnd type="none" w="med" len="med"/>
+                      <a:tailEnd type="none" w="med" len="med"/>
+                    </a:lnT>
+                    <a:lnB w="3175" cap="flat" cmpd="sng" algn="ctr">
+                      <a:solidFill>
+                        <a:schemeClr val="tx1"/>
+                      </a:solidFill>
+                      <a:prstDash val="solid"/>
+                      <a:round/>
+                      <a:headEnd type="none" w="med" len="med"/>
+                      <a:tailEnd type="none" w="med" len="med"/>
+                    </a:lnB>
+                  </a:tcPr>
+                </a:tc>
+                <a:tc>
+                  <a:txBody>
+                    <a:bodyPr/>
+                    <a:lstStyle/>
+                    <a:p>
+                      <a:endParaRPr lang="zh-CN" altLang="en-US" sz="2600" dirty="0"/>
+                    </a:p>
+                  </a:txBody>
+                  <a:tcPr marL="119178" marR="119178" marT="59590" marB="59590">
+                    <a:lnL w="3175" cap="flat" cmpd="sng" algn="ctr">
+                      <a:solidFill>
+                        <a:schemeClr val="tx1"/>
+                      </a:solidFill>
+                      <a:prstDash val="solid"/>
+                      <a:round/>
+                      <a:headEnd type="none" w="med" len="med"/>
+                      <a:tailEnd type="none" w="med" len="med"/>
+                    </a:lnL>
+                    <a:lnR w="3175" cap="flat" cmpd="sng" algn="ctr">
+                      <a:solidFill>
+                        <a:schemeClr val="tx1"/>
+                      </a:solidFill>
+                      <a:prstDash val="solid"/>
+                      <a:round/>
+                      <a:headEnd type="none" w="med" len="med"/>
+                      <a:tailEnd type="none" w="med" len="med"/>
+                    </a:lnR>
+                    <a:lnT w="3175" cap="flat" cmpd="sng" algn="ctr">
+                      <a:solidFill>
+                        <a:schemeClr val="tx1"/>
+                      </a:solidFill>
+                      <a:prstDash val="solid"/>
+                      <a:round/>
+                      <a:headEnd type="none" w="med" len="med"/>
+                      <a:tailEnd type="none" w="med" len="med"/>
+                    </a:lnT>
+                    <a:lnB w="3175" cap="flat" cmpd="sng" algn="ctr">
+                      <a:solidFill>
+                        <a:schemeClr val="tx1"/>
+                      </a:solidFill>
+                      <a:prstDash val="solid"/>
+                      <a:round/>
+                      <a:headEnd type="none" w="med" len="med"/>
+                      <a:tailEnd type="none" w="med" len="med"/>
+                    </a:lnB>
+                  </a:tcPr>
+                </a:tc>
+                <a:extLst>
+                  <a:ext uri="{0D108BD9-81ED-4DB2-BD59-A6C34878D82A}">
+                    <a16:rowId xmlns:a16="http://schemas.microsoft.com/office/drawing/2014/main" val="1839834479"/>
+                  </a:ext>
+                </a:extLst>
+              </a:tr>
+              <a:tr h="586504">
+                <a:tc>
+                  <a:txBody>
+                    <a:bodyPr/>
+                    <a:lstStyle/>
+                    <a:p>
+                      <a:endParaRPr lang="zh-CN" altLang="en-US" sz="2600" dirty="0"/>
+                    </a:p>
+                  </a:txBody>
+                  <a:tcPr marL="119178" marR="119178" marT="59590" marB="59590">
+                    <a:lnL w="3175" cap="flat" cmpd="sng" algn="ctr">
+                      <a:solidFill>
+                        <a:schemeClr val="tx1"/>
+                      </a:solidFill>
+                      <a:prstDash val="solid"/>
+                      <a:round/>
+                      <a:headEnd type="none" w="med" len="med"/>
+                      <a:tailEnd type="none" w="med" len="med"/>
+                    </a:lnL>
+                    <a:lnR w="3175" cap="flat" cmpd="sng" algn="ctr">
+                      <a:solidFill>
+                        <a:schemeClr val="tx1"/>
+                      </a:solidFill>
+                      <a:prstDash val="solid"/>
+                      <a:round/>
+                      <a:headEnd type="none" w="med" len="med"/>
+                      <a:tailEnd type="none" w="med" len="med"/>
+                    </a:lnR>
+                    <a:lnT w="3175" cap="flat" cmpd="sng" algn="ctr">
+                      <a:solidFill>
+                        <a:schemeClr val="tx1"/>
+                      </a:solidFill>
+                      <a:prstDash val="solid"/>
+                      <a:round/>
+                      <a:headEnd type="none" w="med" len="med"/>
+                      <a:tailEnd type="none" w="med" len="med"/>
+                    </a:lnT>
+                    <a:lnB w="3175" cap="flat" cmpd="sng" algn="ctr">
+                      <a:solidFill>
+                        <a:schemeClr val="tx1"/>
+                      </a:solidFill>
+                      <a:prstDash val="solid"/>
+                      <a:round/>
+                      <a:headEnd type="none" w="med" len="med"/>
+                      <a:tailEnd type="none" w="med" len="med"/>
+                    </a:lnB>
+                  </a:tcPr>
+                </a:tc>
+                <a:tc>
+                  <a:txBody>
+                    <a:bodyPr/>
+                    <a:lstStyle/>
+                    <a:p>
+                      <a:endParaRPr lang="zh-CN" altLang="en-US" sz="2600" dirty="0"/>
+                    </a:p>
+                  </a:txBody>
+                  <a:tcPr marL="119178" marR="119178" marT="59590" marB="59590">
+                    <a:lnL w="3175" cap="flat" cmpd="sng" algn="ctr">
+                      <a:solidFill>
+                        <a:schemeClr val="tx1"/>
+                      </a:solidFill>
+                      <a:prstDash val="solid"/>
+                      <a:round/>
+                      <a:headEnd type="none" w="med" len="med"/>
+                      <a:tailEnd type="none" w="med" len="med"/>
+                    </a:lnL>
+                    <a:lnR w="3175" cap="flat" cmpd="sng" algn="ctr">
+                      <a:solidFill>
+                        <a:schemeClr val="tx1"/>
+                      </a:solidFill>
+                      <a:prstDash val="solid"/>
+                      <a:round/>
+                      <a:headEnd type="none" w="med" len="med"/>
+                      <a:tailEnd type="none" w="med" len="med"/>
+                    </a:lnR>
+                    <a:lnT w="3175" cap="flat" cmpd="sng" algn="ctr">
+                      <a:solidFill>
+                        <a:schemeClr val="tx1"/>
+                      </a:solidFill>
+                      <a:prstDash val="solid"/>
+                      <a:round/>
+                      <a:headEnd type="none" w="med" len="med"/>
+                      <a:tailEnd type="none" w="med" len="med"/>
+                    </a:lnT>
+                    <a:lnB w="3175" cap="flat" cmpd="sng" algn="ctr">
+                      <a:solidFill>
+                        <a:schemeClr val="tx1"/>
+                      </a:solidFill>
+                      <a:prstDash val="solid"/>
+                      <a:round/>
+                      <a:headEnd type="none" w="med" len="med"/>
+                      <a:tailEnd type="none" w="med" len="med"/>
+                    </a:lnB>
+                  </a:tcPr>
+                </a:tc>
+                <a:tc>
+                  <a:txBody>
+                    <a:bodyPr/>
+                    <a:lstStyle/>
+                    <a:p>
+                      <a:endParaRPr lang="zh-CN" altLang="en-US" sz="2600" dirty="0"/>
+                    </a:p>
+                  </a:txBody>
+                  <a:tcPr marL="119178" marR="119178" marT="59590" marB="59590">
+                    <a:lnL w="3175" cap="flat" cmpd="sng" algn="ctr">
+                      <a:solidFill>
+                        <a:schemeClr val="tx1"/>
+                      </a:solidFill>
+                      <a:prstDash val="solid"/>
+                      <a:round/>
+                      <a:headEnd type="none" w="med" len="med"/>
+                      <a:tailEnd type="none" w="med" len="med"/>
+                    </a:lnL>
+                    <a:lnR w="3175" cap="flat" cmpd="sng" algn="ctr">
+                      <a:solidFill>
+                        <a:schemeClr val="tx1"/>
+                      </a:solidFill>
+                      <a:prstDash val="solid"/>
+                      <a:round/>
+                      <a:headEnd type="none" w="med" len="med"/>
+                      <a:tailEnd type="none" w="med" len="med"/>
+                    </a:lnR>
+                    <a:lnT w="3175" cap="flat" cmpd="sng" algn="ctr">
+                      <a:solidFill>
+                        <a:schemeClr val="tx1"/>
+                      </a:solidFill>
+                      <a:prstDash val="solid"/>
+                      <a:round/>
+                      <a:headEnd type="none" w="med" len="med"/>
+                      <a:tailEnd type="none" w="med" len="med"/>
+                    </a:lnT>
+                    <a:lnB w="3175" cap="flat" cmpd="sng" algn="ctr">
+                      <a:solidFill>
+                        <a:schemeClr val="tx1"/>
+                      </a:solidFill>
+                      <a:prstDash val="solid"/>
+                      <a:round/>
+                      <a:headEnd type="none" w="med" len="med"/>
+                      <a:tailEnd type="none" w="med" len="med"/>
+                    </a:lnB>
+                  </a:tcPr>
+                </a:tc>
+                <a:extLst>
+                  <a:ext uri="{0D108BD9-81ED-4DB2-BD59-A6C34878D82A}">
+                    <a16:rowId xmlns:a16="http://schemas.microsoft.com/office/drawing/2014/main" val="4214388906"/>
+                  </a:ext>
+                </a:extLst>
+              </a:tr>
+            </a:tbl>
+          </a:graphicData>
+        </a:graphic>
+      </p:graphicFrame>
+      <p:grpSp>
+        <p:nvGrpSpPr>
+          <p:cNvPr id="52" name="组合 51">
+            <a:extLst>
+              <a:ext uri="{FF2B5EF4-FFF2-40B4-BE49-F238E27FC236}">
+                <a16:creationId xmlns:a16="http://schemas.microsoft.com/office/drawing/2014/main" id="{147411AB-F57B-498D-81F5-64A0F759ADCC}"/>
+              </a:ext>
+            </a:extLst>
+          </p:cNvPr>
+          <p:cNvGrpSpPr/>
+          <p:nvPr/>
+        </p:nvGrpSpPr>
+        <p:grpSpPr>
+          <a:xfrm>
+            <a:off x="4646985" y="3311524"/>
+            <a:ext cx="1528566" cy="1412082"/>
+            <a:chOff x="1620932" y="2490646"/>
+            <a:chExt cx="1189672" cy="1099013"/>
+          </a:xfrm>
+        </p:grpSpPr>
+        <p:sp>
+          <p:nvSpPr>
+            <p:cNvPr id="53" name="椭圆 52">
+              <a:extLst>
+                <a:ext uri="{FF2B5EF4-FFF2-40B4-BE49-F238E27FC236}">
+                  <a16:creationId xmlns:a16="http://schemas.microsoft.com/office/drawing/2014/main" id="{F6BE7BD5-AB7A-4F65-A395-F4746E808738}"/>
+                </a:ext>
+              </a:extLst>
+            </p:cNvPr>
+            <p:cNvSpPr/>
+            <p:nvPr/>
+          </p:nvSpPr>
+          <p:spPr>
+            <a:xfrm>
+              <a:off x="2070512" y="2845375"/>
+              <a:ext cx="290512" cy="280987"/>
+            </a:xfrm>
+            <a:prstGeom prst="ellipse">
+              <a:avLst/>
+            </a:prstGeom>
+          </p:spPr>
+          <p:style>
+            <a:lnRef idx="2">
+              <a:schemeClr val="dk1">
+                <a:shade val="50000"/>
+              </a:schemeClr>
+            </a:lnRef>
+            <a:fillRef idx="1">
+              <a:schemeClr val="dk1"/>
+            </a:fillRef>
+            <a:effectRef idx="0">
+              <a:schemeClr val="dk1"/>
+            </a:effectRef>
+            <a:fontRef idx="minor">
+              <a:schemeClr val="lt1"/>
+            </a:fontRef>
+          </p:style>
+          <p:txBody>
+            <a:bodyPr rot="0" spcFirstLastPara="0" vertOverflow="overflow" horzOverflow="overflow" vert="horz" wrap="square" lIns="91440" tIns="45720" rIns="91440" bIns="45720" numCol="1" spcCol="0" rtlCol="0" fromWordArt="0" anchor="ctr" anchorCtr="0" forceAA="0" compatLnSpc="1">
+              <a:prstTxWarp prst="textNoShape">
+                <a:avLst/>
+              </a:prstTxWarp>
+              <a:noAutofit/>
+            </a:bodyPr>
+            <a:lstStyle/>
+            <a:p>
+              <a:pPr algn="ctr"/>
+              <a:endParaRPr lang="zh-CN" altLang="en-US"/>
+            </a:p>
+          </p:txBody>
+        </p:sp>
+        <p:sp>
+          <p:nvSpPr>
+            <p:cNvPr id="54" name="椭圆 53">
+              <a:extLst>
+                <a:ext uri="{FF2B5EF4-FFF2-40B4-BE49-F238E27FC236}">
+                  <a16:creationId xmlns:a16="http://schemas.microsoft.com/office/drawing/2014/main" id="{20D58507-02C8-40F2-9876-67717ABAC9C3}"/>
+                </a:ext>
+              </a:extLst>
+            </p:cNvPr>
+            <p:cNvSpPr/>
+            <p:nvPr/>
+          </p:nvSpPr>
+          <p:spPr>
+            <a:xfrm>
+              <a:off x="1620932" y="2845375"/>
+              <a:ext cx="290512" cy="280987"/>
+            </a:xfrm>
+            <a:prstGeom prst="ellipse">
+              <a:avLst/>
+            </a:prstGeom>
+          </p:spPr>
+          <p:style>
+            <a:lnRef idx="2">
+              <a:schemeClr val="dk1">
+                <a:shade val="50000"/>
+              </a:schemeClr>
+            </a:lnRef>
+            <a:fillRef idx="1">
+              <a:schemeClr val="dk1"/>
+            </a:fillRef>
+            <a:effectRef idx="0">
+              <a:schemeClr val="dk1"/>
+            </a:effectRef>
+            <a:fontRef idx="minor">
+              <a:schemeClr val="lt1"/>
+            </a:fontRef>
+          </p:style>
+          <p:txBody>
+            <a:bodyPr rot="0" spcFirstLastPara="0" vertOverflow="overflow" horzOverflow="overflow" vert="horz" wrap="square" lIns="91440" tIns="45720" rIns="91440" bIns="45720" numCol="1" spcCol="0" rtlCol="0" fromWordArt="0" anchor="ctr" anchorCtr="0" forceAA="0" compatLnSpc="1">
+              <a:prstTxWarp prst="textNoShape">
+                <a:avLst/>
+              </a:prstTxWarp>
+              <a:noAutofit/>
+            </a:bodyPr>
+            <a:lstStyle/>
+            <a:p>
+              <a:pPr algn="ctr"/>
+              <a:endParaRPr lang="zh-CN" altLang="en-US"/>
+            </a:p>
+          </p:txBody>
+        </p:sp>
+        <p:sp>
+          <p:nvSpPr>
+            <p:cNvPr id="55" name="椭圆 54">
+              <a:extLst>
+                <a:ext uri="{FF2B5EF4-FFF2-40B4-BE49-F238E27FC236}">
+                  <a16:creationId xmlns:a16="http://schemas.microsoft.com/office/drawing/2014/main" id="{259593AA-C1BC-40E7-B5D6-FA3D0BC5E407}"/>
+                </a:ext>
+              </a:extLst>
+            </p:cNvPr>
+            <p:cNvSpPr/>
+            <p:nvPr/>
+          </p:nvSpPr>
+          <p:spPr>
+            <a:xfrm>
+              <a:off x="2520092" y="2845375"/>
+              <a:ext cx="290512" cy="280987"/>
+            </a:xfrm>
+            <a:prstGeom prst="ellipse">
+              <a:avLst/>
+            </a:prstGeom>
+          </p:spPr>
+          <p:style>
+            <a:lnRef idx="2">
+              <a:schemeClr val="dk1"/>
+            </a:lnRef>
+            <a:fillRef idx="1">
+              <a:schemeClr val="lt1"/>
+            </a:fillRef>
+            <a:effectRef idx="0">
+              <a:schemeClr val="dk1"/>
+            </a:effectRef>
+            <a:fontRef idx="minor">
+              <a:schemeClr val="dk1"/>
+            </a:fontRef>
+          </p:style>
+          <p:txBody>
+            <a:bodyPr rot="0" spcFirstLastPara="0" vertOverflow="overflow" horzOverflow="overflow" vert="horz" wrap="square" lIns="91440" tIns="45720" rIns="91440" bIns="45720" numCol="1" spcCol="0" rtlCol="0" fromWordArt="0" anchor="ctr" anchorCtr="0" forceAA="0" compatLnSpc="1">
+              <a:prstTxWarp prst="textNoShape">
+                <a:avLst/>
+              </a:prstTxWarp>
+              <a:noAutofit/>
+            </a:bodyPr>
+            <a:lstStyle/>
+            <a:p>
+              <a:pPr algn="ctr"/>
+              <a:endParaRPr lang="zh-CN" altLang="en-US"/>
+            </a:p>
+          </p:txBody>
+        </p:sp>
+        <p:sp>
+          <p:nvSpPr>
+            <p:cNvPr id="56" name="椭圆 55">
+              <a:extLst>
+                <a:ext uri="{FF2B5EF4-FFF2-40B4-BE49-F238E27FC236}">
+                  <a16:creationId xmlns:a16="http://schemas.microsoft.com/office/drawing/2014/main" id="{040139FD-987B-499C-8C1E-E1162CD2B840}"/>
+                </a:ext>
+              </a:extLst>
+            </p:cNvPr>
+            <p:cNvSpPr/>
+            <p:nvPr/>
+          </p:nvSpPr>
+          <p:spPr>
+            <a:xfrm>
+              <a:off x="2070512" y="3308672"/>
+              <a:ext cx="290512" cy="280987"/>
+            </a:xfrm>
+            <a:prstGeom prst="ellipse">
+              <a:avLst/>
+            </a:prstGeom>
+          </p:spPr>
+          <p:style>
+            <a:lnRef idx="2">
+              <a:schemeClr val="dk1">
+                <a:shade val="50000"/>
+              </a:schemeClr>
+            </a:lnRef>
+            <a:fillRef idx="1">
+              <a:schemeClr val="dk1"/>
+            </a:fillRef>
+            <a:effectRef idx="0">
+              <a:schemeClr val="dk1"/>
+            </a:effectRef>
+            <a:fontRef idx="minor">
+              <a:schemeClr val="lt1"/>
+            </a:fontRef>
+          </p:style>
+          <p:txBody>
+            <a:bodyPr rot="0" spcFirstLastPara="0" vertOverflow="overflow" horzOverflow="overflow" vert="horz" wrap="square" lIns="91440" tIns="45720" rIns="91440" bIns="45720" numCol="1" spcCol="0" rtlCol="0" fromWordArt="0" anchor="ctr" anchorCtr="0" forceAA="0" compatLnSpc="1">
+              <a:prstTxWarp prst="textNoShape">
+                <a:avLst/>
+              </a:prstTxWarp>
+              <a:noAutofit/>
+            </a:bodyPr>
+            <a:lstStyle/>
+            <a:p>
+              <a:pPr algn="ctr"/>
+              <a:endParaRPr lang="zh-CN" altLang="en-US"/>
+            </a:p>
+          </p:txBody>
+        </p:sp>
+        <p:sp>
+          <p:nvSpPr>
+            <p:cNvPr id="57" name="椭圆 56">
+              <a:extLst>
+                <a:ext uri="{FF2B5EF4-FFF2-40B4-BE49-F238E27FC236}">
+                  <a16:creationId xmlns:a16="http://schemas.microsoft.com/office/drawing/2014/main" id="{88FE40A4-60F9-4179-97E4-3F7AB8ADED72}"/>
+                </a:ext>
+              </a:extLst>
+            </p:cNvPr>
+            <p:cNvSpPr/>
+            <p:nvPr/>
+          </p:nvSpPr>
+          <p:spPr>
+            <a:xfrm>
+              <a:off x="2520092" y="3308672"/>
+              <a:ext cx="290512" cy="280987"/>
+            </a:xfrm>
+            <a:prstGeom prst="ellipse">
+              <a:avLst/>
+            </a:prstGeom>
+            <a:ln w="6350"/>
+          </p:spPr>
+          <p:style>
+            <a:lnRef idx="2">
+              <a:schemeClr val="dk1"/>
+            </a:lnRef>
+            <a:fillRef idx="1">
+              <a:schemeClr val="lt1"/>
+            </a:fillRef>
+            <a:effectRef idx="0">
+              <a:schemeClr val="dk1"/>
+            </a:effectRef>
+            <a:fontRef idx="minor">
+              <a:schemeClr val="dk1"/>
+            </a:fontRef>
+          </p:style>
+          <p:txBody>
+            <a:bodyPr rot="0" spcFirstLastPara="0" vertOverflow="overflow" horzOverflow="overflow" vert="horz" wrap="square" lIns="91440" tIns="45720" rIns="91440" bIns="45720" numCol="1" spcCol="0" rtlCol="0" fromWordArt="0" anchor="ctr" anchorCtr="0" forceAA="0" compatLnSpc="1">
+              <a:prstTxWarp prst="textNoShape">
+                <a:avLst/>
+              </a:prstTxWarp>
+              <a:noAutofit/>
+            </a:bodyPr>
+            <a:lstStyle/>
+            <a:p>
+              <a:pPr algn="ctr"/>
+              <a:endParaRPr lang="zh-CN" altLang="en-US"/>
+            </a:p>
+          </p:txBody>
+        </p:sp>
+        <p:sp>
+          <p:nvSpPr>
+            <p:cNvPr id="59" name="椭圆 58">
+              <a:extLst>
+                <a:ext uri="{FF2B5EF4-FFF2-40B4-BE49-F238E27FC236}">
+                  <a16:creationId xmlns:a16="http://schemas.microsoft.com/office/drawing/2014/main" id="{0E986E1B-C9C7-4CD9-9C60-B6B84D03D4D4}"/>
+                </a:ext>
+              </a:extLst>
+            </p:cNvPr>
+            <p:cNvSpPr/>
+            <p:nvPr/>
+          </p:nvSpPr>
+          <p:spPr>
+            <a:xfrm>
+              <a:off x="2625819" y="2490646"/>
+              <a:ext cx="79058" cy="79058"/>
+            </a:xfrm>
+            <a:prstGeom prst="ellipse">
+              <a:avLst/>
+            </a:prstGeom>
+            <a:ln w="6350">
+              <a:solidFill>
+                <a:srgbClr val="FF0000"/>
+              </a:solidFill>
+            </a:ln>
+          </p:spPr>
+          <p:style>
+            <a:lnRef idx="2">
+              <a:schemeClr val="accent2"/>
+            </a:lnRef>
+            <a:fillRef idx="1">
+              <a:schemeClr val="lt1"/>
+            </a:fillRef>
+            <a:effectRef idx="0">
+              <a:schemeClr val="accent2"/>
+            </a:effectRef>
+            <a:fontRef idx="minor">
+              <a:schemeClr val="dk1"/>
+            </a:fontRef>
+          </p:style>
+          <p:txBody>
+            <a:bodyPr rot="0" spcFirstLastPara="0" vertOverflow="overflow" horzOverflow="overflow" vert="horz" wrap="square" lIns="91440" tIns="45720" rIns="91440" bIns="45720" numCol="1" spcCol="0" rtlCol="0" fromWordArt="0" anchor="ctr" anchorCtr="0" forceAA="0" compatLnSpc="1">
+              <a:prstTxWarp prst="textNoShape">
+                <a:avLst/>
+              </a:prstTxWarp>
+              <a:noAutofit/>
+            </a:bodyPr>
+            <a:lstStyle/>
+            <a:p>
+              <a:pPr algn="ctr"/>
+              <a:endParaRPr lang="zh-CN" altLang="en-US" dirty="0"/>
+            </a:p>
+          </p:txBody>
+        </p:sp>
+      </p:grpSp>
+      <p:graphicFrame>
+        <p:nvGraphicFramePr>
+          <p:cNvPr id="61" name="表格 60">
+            <a:extLst>
+              <a:ext uri="{FF2B5EF4-FFF2-40B4-BE49-F238E27FC236}">
+                <a16:creationId xmlns:a16="http://schemas.microsoft.com/office/drawing/2014/main" id="{D78E3B1A-1F20-49EE-A02D-0D37A241237B}"/>
+              </a:ext>
+            </a:extLst>
+          </p:cNvPr>
+          <p:cNvGraphicFramePr>
+            <a:graphicFrameLocks noGrp="1"/>
+          </p:cNvGraphicFramePr>
+          <p:nvPr>
+            <p:custDataLst>
+              <p:custData r:id="rId4"/>
+            </p:custDataLst>
+            <p:extLst>
+              <p:ext uri="{D42A27DB-BD31-4B8C-83A1-F6EECF244321}">
+                <p14:modId xmlns:p14="http://schemas.microsoft.com/office/powerpoint/2010/main" val="1985788744"/>
+              </p:ext>
+            </p:extLst>
+          </p:nvPr>
+        </p:nvGraphicFramePr>
+        <p:xfrm>
+          <a:off x="6878034" y="3063497"/>
+          <a:ext cx="1759512" cy="1759512"/>
+        </p:xfrm>
+        <a:graphic>
+          <a:graphicData uri="http://schemas.openxmlformats.org/drawingml/2006/table">
+            <a:tbl>
+              <a:tblPr>
+                <a:tableStyleId>{2D5ABB26-0587-4C30-8999-92F81FD0307C}</a:tableStyleId>
+              </a:tblPr>
+              <a:tblGrid>
+                <a:gridCol w="586504">
+                  <a:extLst>
+                    <a:ext uri="{9D8B030D-6E8A-4147-A177-3AD203B41FA5}">
+                      <a16:colId xmlns:a16="http://schemas.microsoft.com/office/drawing/2014/main" val="535822222"/>
+                    </a:ext>
+                  </a:extLst>
+                </a:gridCol>
+                <a:gridCol w="586504">
+                  <a:extLst>
+                    <a:ext uri="{9D8B030D-6E8A-4147-A177-3AD203B41FA5}">
+                      <a16:colId xmlns:a16="http://schemas.microsoft.com/office/drawing/2014/main" val="2187667212"/>
+                    </a:ext>
+                  </a:extLst>
+                </a:gridCol>
+                <a:gridCol w="586504">
+                  <a:extLst>
+                    <a:ext uri="{9D8B030D-6E8A-4147-A177-3AD203B41FA5}">
+                      <a16:colId xmlns:a16="http://schemas.microsoft.com/office/drawing/2014/main" val="3908830090"/>
+                    </a:ext>
+                  </a:extLst>
+                </a:gridCol>
+              </a:tblGrid>
+              <a:tr h="586504">
+                <a:tc>
+                  <a:txBody>
+                    <a:bodyPr/>
+                    <a:lstStyle/>
+                    <a:p>
+                      <a:endParaRPr lang="zh-CN" altLang="en-US" sz="2600"/>
+                    </a:p>
+                  </a:txBody>
+                  <a:tcPr marL="119178" marR="119178" marT="59590" marB="59590">
+                    <a:lnL w="3175" cap="flat" cmpd="sng" algn="ctr">
+                      <a:solidFill>
+                        <a:schemeClr val="tx1"/>
+                      </a:solidFill>
+                      <a:prstDash val="solid"/>
+                      <a:round/>
+                      <a:headEnd type="none" w="med" len="med"/>
+                      <a:tailEnd type="none" w="med" len="med"/>
+                    </a:lnL>
+                    <a:lnR w="3175" cap="flat" cmpd="sng" algn="ctr">
+                      <a:solidFill>
+                        <a:schemeClr val="tx1"/>
+                      </a:solidFill>
+                      <a:prstDash val="solid"/>
+                      <a:round/>
+                      <a:headEnd type="none" w="med" len="med"/>
+                      <a:tailEnd type="none" w="med" len="med"/>
+                    </a:lnR>
+                    <a:lnT w="3175" cap="flat" cmpd="sng" algn="ctr">
+                      <a:solidFill>
+                        <a:schemeClr val="tx1"/>
+                      </a:solidFill>
+                      <a:prstDash val="solid"/>
+                      <a:round/>
+                      <a:headEnd type="none" w="med" len="med"/>
+                      <a:tailEnd type="none" w="med" len="med"/>
+                    </a:lnT>
+                    <a:lnB w="3175" cap="flat" cmpd="sng" algn="ctr">
+                      <a:solidFill>
+                        <a:schemeClr val="tx1"/>
+                      </a:solidFill>
+                      <a:prstDash val="solid"/>
+                      <a:round/>
+                      <a:headEnd type="none" w="med" len="med"/>
+                      <a:tailEnd type="none" w="med" len="med"/>
+                    </a:lnB>
+                  </a:tcPr>
+                </a:tc>
+                <a:tc>
+                  <a:txBody>
+                    <a:bodyPr/>
+                    <a:lstStyle/>
+                    <a:p>
+                      <a:endParaRPr lang="zh-CN" altLang="en-US" sz="2600" dirty="0"/>
+                    </a:p>
+                  </a:txBody>
+                  <a:tcPr marL="119178" marR="119178" marT="59590" marB="59590">
+                    <a:lnL w="3175" cap="flat" cmpd="sng" algn="ctr">
+                      <a:solidFill>
+                        <a:schemeClr val="tx1"/>
+                      </a:solidFill>
+                      <a:prstDash val="solid"/>
+                      <a:round/>
+                      <a:headEnd type="none" w="med" len="med"/>
+                      <a:tailEnd type="none" w="med" len="med"/>
+                    </a:lnL>
+                    <a:lnR w="3175" cap="flat" cmpd="sng" algn="ctr">
+                      <a:solidFill>
+                        <a:schemeClr val="tx1"/>
+                      </a:solidFill>
+                      <a:prstDash val="solid"/>
+                      <a:round/>
+                      <a:headEnd type="none" w="med" len="med"/>
+                      <a:tailEnd type="none" w="med" len="med"/>
+                    </a:lnR>
+                    <a:lnT w="3175" cap="flat" cmpd="sng" algn="ctr">
+                      <a:solidFill>
+                        <a:schemeClr val="tx1"/>
+                      </a:solidFill>
+                      <a:prstDash val="solid"/>
+                      <a:round/>
+                      <a:headEnd type="none" w="med" len="med"/>
+                      <a:tailEnd type="none" w="med" len="med"/>
+                    </a:lnT>
+                    <a:lnB w="3175" cap="flat" cmpd="sng" algn="ctr">
+                      <a:solidFill>
+                        <a:schemeClr val="tx1"/>
+                      </a:solidFill>
+                      <a:prstDash val="solid"/>
+                      <a:round/>
+                      <a:headEnd type="none" w="med" len="med"/>
+                      <a:tailEnd type="none" w="med" len="med"/>
+                    </a:lnB>
+                  </a:tcPr>
+                </a:tc>
+                <a:tc>
+                  <a:txBody>
+                    <a:bodyPr/>
+                    <a:lstStyle/>
+                    <a:p>
+                      <a:endParaRPr lang="zh-CN" altLang="en-US" sz="2600" dirty="0"/>
+                    </a:p>
+                  </a:txBody>
+                  <a:tcPr marL="119178" marR="119178" marT="59590" marB="59590">
+                    <a:lnL w="3175" cap="flat" cmpd="sng" algn="ctr">
+                      <a:solidFill>
+                        <a:schemeClr val="tx1"/>
+                      </a:solidFill>
+                      <a:prstDash val="solid"/>
+                      <a:round/>
+                      <a:headEnd type="none" w="med" len="med"/>
+                      <a:tailEnd type="none" w="med" len="med"/>
+                    </a:lnL>
+                    <a:lnR w="3175" cap="flat" cmpd="sng" algn="ctr">
+                      <a:solidFill>
+                        <a:schemeClr val="tx1"/>
+                      </a:solidFill>
+                      <a:prstDash val="solid"/>
+                      <a:round/>
+                      <a:headEnd type="none" w="med" len="med"/>
+                      <a:tailEnd type="none" w="med" len="med"/>
+                    </a:lnR>
+                    <a:lnT w="3175" cap="flat" cmpd="sng" algn="ctr">
+                      <a:solidFill>
+                        <a:schemeClr val="tx1"/>
+                      </a:solidFill>
+                      <a:prstDash val="solid"/>
+                      <a:round/>
+                      <a:headEnd type="none" w="med" len="med"/>
+                      <a:tailEnd type="none" w="med" len="med"/>
+                    </a:lnT>
+                    <a:lnB w="3175" cap="flat" cmpd="sng" algn="ctr">
+                      <a:solidFill>
+                        <a:schemeClr val="tx1"/>
+                      </a:solidFill>
+                      <a:prstDash val="solid"/>
+                      <a:round/>
+                      <a:headEnd type="none" w="med" len="med"/>
+                      <a:tailEnd type="none" w="med" len="med"/>
+                    </a:lnB>
+                  </a:tcPr>
+                </a:tc>
+                <a:extLst>
+                  <a:ext uri="{0D108BD9-81ED-4DB2-BD59-A6C34878D82A}">
+                    <a16:rowId xmlns:a16="http://schemas.microsoft.com/office/drawing/2014/main" val="2234437739"/>
+                  </a:ext>
+                </a:extLst>
+              </a:tr>
+              <a:tr h="586504">
+                <a:tc>
+                  <a:txBody>
+                    <a:bodyPr/>
+                    <a:lstStyle/>
+                    <a:p>
+                      <a:endParaRPr lang="zh-CN" altLang="en-US" sz="2600"/>
+                    </a:p>
+                  </a:txBody>
+                  <a:tcPr marL="119178" marR="119178" marT="59590" marB="59590">
+                    <a:lnL w="3175" cap="flat" cmpd="sng" algn="ctr">
+                      <a:solidFill>
+                        <a:schemeClr val="tx1"/>
+                      </a:solidFill>
+                      <a:prstDash val="solid"/>
+                      <a:round/>
+                      <a:headEnd type="none" w="med" len="med"/>
+                      <a:tailEnd type="none" w="med" len="med"/>
+                    </a:lnL>
+                    <a:lnR w="3175" cap="flat" cmpd="sng" algn="ctr">
+                      <a:solidFill>
+                        <a:schemeClr val="tx1"/>
+                      </a:solidFill>
+                      <a:prstDash val="solid"/>
+                      <a:round/>
+                      <a:headEnd type="none" w="med" len="med"/>
+                      <a:tailEnd type="none" w="med" len="med"/>
+                    </a:lnR>
+                    <a:lnT w="3175" cap="flat" cmpd="sng" algn="ctr">
+                      <a:solidFill>
+                        <a:schemeClr val="tx1"/>
+                      </a:solidFill>
+                      <a:prstDash val="solid"/>
+                      <a:round/>
+                      <a:headEnd type="none" w="med" len="med"/>
+                      <a:tailEnd type="none" w="med" len="med"/>
+                    </a:lnT>
+                    <a:lnB w="3175" cap="flat" cmpd="sng" algn="ctr">
+                      <a:solidFill>
+                        <a:schemeClr val="tx1"/>
+                      </a:solidFill>
+                      <a:prstDash val="solid"/>
+                      <a:round/>
+                      <a:headEnd type="none" w="med" len="med"/>
+                      <a:tailEnd type="none" w="med" len="med"/>
+                    </a:lnB>
+                  </a:tcPr>
+                </a:tc>
+                <a:tc>
+                  <a:txBody>
+                    <a:bodyPr/>
+                    <a:lstStyle/>
+                    <a:p>
+                      <a:endParaRPr lang="zh-CN" altLang="en-US" sz="2600" dirty="0"/>
+                    </a:p>
+                  </a:txBody>
+                  <a:tcPr marL="119178" marR="119178" marT="59590" marB="59590">
+                    <a:lnL w="3175" cap="flat" cmpd="sng" algn="ctr">
+                      <a:solidFill>
+                        <a:schemeClr val="tx1"/>
+                      </a:solidFill>
+                      <a:prstDash val="solid"/>
+                      <a:round/>
+                      <a:headEnd type="none" w="med" len="med"/>
+                      <a:tailEnd type="none" w="med" len="med"/>
+                    </a:lnL>
+                    <a:lnR w="3175" cap="flat" cmpd="sng" algn="ctr">
+                      <a:solidFill>
+                        <a:schemeClr val="tx1"/>
+                      </a:solidFill>
+                      <a:prstDash val="solid"/>
+                      <a:round/>
+                      <a:headEnd type="none" w="med" len="med"/>
+                      <a:tailEnd type="none" w="med" len="med"/>
+                    </a:lnR>
+                    <a:lnT w="3175" cap="flat" cmpd="sng" algn="ctr">
+                      <a:solidFill>
+                        <a:schemeClr val="tx1"/>
+                      </a:solidFill>
+                      <a:prstDash val="solid"/>
+                      <a:round/>
+                      <a:headEnd type="none" w="med" len="med"/>
+                      <a:tailEnd type="none" w="med" len="med"/>
+                    </a:lnT>
+                    <a:lnB w="3175" cap="flat" cmpd="sng" algn="ctr">
+                      <a:solidFill>
+                        <a:schemeClr val="tx1"/>
+                      </a:solidFill>
+                      <a:prstDash val="solid"/>
+                      <a:round/>
+                      <a:headEnd type="none" w="med" len="med"/>
+                      <a:tailEnd type="none" w="med" len="med"/>
+                    </a:lnB>
+                  </a:tcPr>
+                </a:tc>
+                <a:tc>
+                  <a:txBody>
+                    <a:bodyPr/>
+                    <a:lstStyle/>
+                    <a:p>
+                      <a:endParaRPr lang="zh-CN" altLang="en-US" sz="2600" dirty="0"/>
+                    </a:p>
+                  </a:txBody>
+                  <a:tcPr marL="119178" marR="119178" marT="59590" marB="59590">
+                    <a:lnL w="3175" cap="flat" cmpd="sng" algn="ctr">
+                      <a:solidFill>
+                        <a:schemeClr val="tx1"/>
+                      </a:solidFill>
+                      <a:prstDash val="solid"/>
+                      <a:round/>
+                      <a:headEnd type="none" w="med" len="med"/>
+                      <a:tailEnd type="none" w="med" len="med"/>
+                    </a:lnL>
+                    <a:lnR w="3175" cap="flat" cmpd="sng" algn="ctr">
+                      <a:solidFill>
+                        <a:schemeClr val="tx1"/>
+                      </a:solidFill>
+                      <a:prstDash val="solid"/>
+                      <a:round/>
+                      <a:headEnd type="none" w="med" len="med"/>
+                      <a:tailEnd type="none" w="med" len="med"/>
+                    </a:lnR>
+                    <a:lnT w="3175" cap="flat" cmpd="sng" algn="ctr">
+                      <a:solidFill>
+                        <a:schemeClr val="tx1"/>
+                      </a:solidFill>
+                      <a:prstDash val="solid"/>
+                      <a:round/>
+                      <a:headEnd type="none" w="med" len="med"/>
+                      <a:tailEnd type="none" w="med" len="med"/>
+                    </a:lnT>
+                    <a:lnB w="3175" cap="flat" cmpd="sng" algn="ctr">
+                      <a:solidFill>
+                        <a:schemeClr val="tx1"/>
+                      </a:solidFill>
+                      <a:prstDash val="solid"/>
+                      <a:round/>
+                      <a:headEnd type="none" w="med" len="med"/>
+                      <a:tailEnd type="none" w="med" len="med"/>
+                    </a:lnB>
+                  </a:tcPr>
+                </a:tc>
+                <a:extLst>
+                  <a:ext uri="{0D108BD9-81ED-4DB2-BD59-A6C34878D82A}">
+                    <a16:rowId xmlns:a16="http://schemas.microsoft.com/office/drawing/2014/main" val="1839834479"/>
+                  </a:ext>
+                </a:extLst>
+              </a:tr>
+              <a:tr h="586504">
+                <a:tc>
+                  <a:txBody>
+                    <a:bodyPr/>
+                    <a:lstStyle/>
+                    <a:p>
+                      <a:endParaRPr lang="zh-CN" altLang="en-US" sz="2600" dirty="0"/>
+                    </a:p>
+                  </a:txBody>
+                  <a:tcPr marL="119178" marR="119178" marT="59590" marB="59590">
+                    <a:lnL w="3175" cap="flat" cmpd="sng" algn="ctr">
+                      <a:solidFill>
+                        <a:schemeClr val="tx1"/>
+                      </a:solidFill>
+                      <a:prstDash val="solid"/>
+                      <a:round/>
+                      <a:headEnd type="none" w="med" len="med"/>
+                      <a:tailEnd type="none" w="med" len="med"/>
+                    </a:lnL>
+                    <a:lnR w="3175" cap="flat" cmpd="sng" algn="ctr">
+                      <a:solidFill>
+                        <a:schemeClr val="tx1"/>
+                      </a:solidFill>
+                      <a:prstDash val="solid"/>
+                      <a:round/>
+                      <a:headEnd type="none" w="med" len="med"/>
+                      <a:tailEnd type="none" w="med" len="med"/>
+                    </a:lnR>
+                    <a:lnT w="3175" cap="flat" cmpd="sng" algn="ctr">
+                      <a:solidFill>
+                        <a:schemeClr val="tx1"/>
+                      </a:solidFill>
+                      <a:prstDash val="solid"/>
+                      <a:round/>
+                      <a:headEnd type="none" w="med" len="med"/>
+                      <a:tailEnd type="none" w="med" len="med"/>
+                    </a:lnT>
+                    <a:lnB w="3175" cap="flat" cmpd="sng" algn="ctr">
+                      <a:solidFill>
+                        <a:schemeClr val="tx1"/>
+                      </a:solidFill>
+                      <a:prstDash val="solid"/>
+                      <a:round/>
+                      <a:headEnd type="none" w="med" len="med"/>
+                      <a:tailEnd type="none" w="med" len="med"/>
+                    </a:lnB>
+                  </a:tcPr>
+                </a:tc>
+                <a:tc>
+                  <a:txBody>
+                    <a:bodyPr/>
+                    <a:lstStyle/>
+                    <a:p>
+                      <a:endParaRPr lang="zh-CN" altLang="en-US" sz="2600" dirty="0"/>
+                    </a:p>
+                  </a:txBody>
+                  <a:tcPr marL="119178" marR="119178" marT="59590" marB="59590">
+                    <a:lnL w="3175" cap="flat" cmpd="sng" algn="ctr">
+                      <a:solidFill>
+                        <a:schemeClr val="tx1"/>
+                      </a:solidFill>
+                      <a:prstDash val="solid"/>
+                      <a:round/>
+                      <a:headEnd type="none" w="med" len="med"/>
+                      <a:tailEnd type="none" w="med" len="med"/>
+                    </a:lnL>
+                    <a:lnR w="3175" cap="flat" cmpd="sng" algn="ctr">
+                      <a:solidFill>
+                        <a:schemeClr val="tx1"/>
+                      </a:solidFill>
+                      <a:prstDash val="solid"/>
+                      <a:round/>
+                      <a:headEnd type="none" w="med" len="med"/>
+                      <a:tailEnd type="none" w="med" len="med"/>
+                    </a:lnR>
+                    <a:lnT w="3175" cap="flat" cmpd="sng" algn="ctr">
+                      <a:solidFill>
+                        <a:schemeClr val="tx1"/>
+                      </a:solidFill>
+                      <a:prstDash val="solid"/>
+                      <a:round/>
+                      <a:headEnd type="none" w="med" len="med"/>
+                      <a:tailEnd type="none" w="med" len="med"/>
+                    </a:lnT>
+                    <a:lnB w="3175" cap="flat" cmpd="sng" algn="ctr">
+                      <a:solidFill>
+                        <a:schemeClr val="tx1"/>
+                      </a:solidFill>
+                      <a:prstDash val="solid"/>
+                      <a:round/>
+                      <a:headEnd type="none" w="med" len="med"/>
+                      <a:tailEnd type="none" w="med" len="med"/>
+                    </a:lnB>
+                  </a:tcPr>
+                </a:tc>
+                <a:tc>
+                  <a:txBody>
+                    <a:bodyPr/>
+                    <a:lstStyle/>
+                    <a:p>
+                      <a:endParaRPr lang="zh-CN" altLang="en-US" sz="2600" dirty="0"/>
+                    </a:p>
+                  </a:txBody>
+                  <a:tcPr marL="119178" marR="119178" marT="59590" marB="59590">
+                    <a:lnL w="3175" cap="flat" cmpd="sng" algn="ctr">
+                      <a:solidFill>
+                        <a:schemeClr val="tx1"/>
+                      </a:solidFill>
+                      <a:prstDash val="solid"/>
+                      <a:round/>
+                      <a:headEnd type="none" w="med" len="med"/>
+                      <a:tailEnd type="none" w="med" len="med"/>
+                    </a:lnL>
+                    <a:lnR w="3175" cap="flat" cmpd="sng" algn="ctr">
+                      <a:solidFill>
+                        <a:schemeClr val="tx1"/>
+                      </a:solidFill>
+                      <a:prstDash val="solid"/>
+                      <a:round/>
+                      <a:headEnd type="none" w="med" len="med"/>
+                      <a:tailEnd type="none" w="med" len="med"/>
+                    </a:lnR>
+                    <a:lnT w="3175" cap="flat" cmpd="sng" algn="ctr">
+                      <a:solidFill>
+                        <a:schemeClr val="tx1"/>
+                      </a:solidFill>
+                      <a:prstDash val="solid"/>
+                      <a:round/>
+                      <a:headEnd type="none" w="med" len="med"/>
+                      <a:tailEnd type="none" w="med" len="med"/>
+                    </a:lnT>
+                    <a:lnB w="3175" cap="flat" cmpd="sng" algn="ctr">
+                      <a:solidFill>
+                        <a:schemeClr val="tx1"/>
+                      </a:solidFill>
+                      <a:prstDash val="solid"/>
+                      <a:round/>
+                      <a:headEnd type="none" w="med" len="med"/>
+                      <a:tailEnd type="none" w="med" len="med"/>
+                    </a:lnB>
+                  </a:tcPr>
+                </a:tc>
+                <a:extLst>
+                  <a:ext uri="{0D108BD9-81ED-4DB2-BD59-A6C34878D82A}">
+                    <a16:rowId xmlns:a16="http://schemas.microsoft.com/office/drawing/2014/main" val="4214388906"/>
+                  </a:ext>
+                </a:extLst>
+              </a:tr>
+            </a:tbl>
+          </a:graphicData>
+        </a:graphic>
+      </p:graphicFrame>
+      <p:grpSp>
+        <p:nvGrpSpPr>
+          <p:cNvPr id="62" name="组合 61">
+            <a:extLst>
+              <a:ext uri="{FF2B5EF4-FFF2-40B4-BE49-F238E27FC236}">
+                <a16:creationId xmlns:a16="http://schemas.microsoft.com/office/drawing/2014/main" id="{9E6EBBBC-2935-427C-9EFC-10EE40003114}"/>
+              </a:ext>
+            </a:extLst>
+          </p:cNvPr>
+          <p:cNvGrpSpPr/>
+          <p:nvPr/>
+        </p:nvGrpSpPr>
+        <p:grpSpPr>
+          <a:xfrm>
+            <a:off x="6993507" y="3312496"/>
+            <a:ext cx="1528566" cy="1411111"/>
+            <a:chOff x="1620932" y="2491402"/>
+            <a:chExt cx="1189672" cy="1098257"/>
+          </a:xfrm>
+        </p:grpSpPr>
+        <p:sp>
+          <p:nvSpPr>
+            <p:cNvPr id="63" name="椭圆 62">
+              <a:extLst>
+                <a:ext uri="{FF2B5EF4-FFF2-40B4-BE49-F238E27FC236}">
+                  <a16:creationId xmlns:a16="http://schemas.microsoft.com/office/drawing/2014/main" id="{9D52D231-79EC-4F84-A5B7-CD1DBB254833}"/>
+                </a:ext>
+              </a:extLst>
+            </p:cNvPr>
+            <p:cNvSpPr/>
+            <p:nvPr/>
+          </p:nvSpPr>
+          <p:spPr>
+            <a:xfrm>
+              <a:off x="2070512" y="2845375"/>
+              <a:ext cx="290512" cy="280987"/>
+            </a:xfrm>
+            <a:prstGeom prst="ellipse">
+              <a:avLst/>
+            </a:prstGeom>
+          </p:spPr>
+          <p:style>
+            <a:lnRef idx="2">
+              <a:schemeClr val="dk1"/>
+            </a:lnRef>
+            <a:fillRef idx="1">
+              <a:schemeClr val="lt1"/>
+            </a:fillRef>
+            <a:effectRef idx="0">
+              <a:schemeClr val="dk1"/>
+            </a:effectRef>
+            <a:fontRef idx="minor">
+              <a:schemeClr val="dk1"/>
+            </a:fontRef>
+          </p:style>
+          <p:txBody>
+            <a:bodyPr rot="0" spcFirstLastPara="0" vertOverflow="overflow" horzOverflow="overflow" vert="horz" wrap="square" lIns="91440" tIns="45720" rIns="91440" bIns="45720" numCol="1" spcCol="0" rtlCol="0" fromWordArt="0" anchor="ctr" anchorCtr="0" forceAA="0" compatLnSpc="1">
+              <a:prstTxWarp prst="textNoShape">
+                <a:avLst/>
+              </a:prstTxWarp>
+              <a:noAutofit/>
+            </a:bodyPr>
+            <a:lstStyle/>
+            <a:p>
+              <a:pPr algn="ctr"/>
+              <a:endParaRPr lang="zh-CN" altLang="en-US"/>
+            </a:p>
+          </p:txBody>
+        </p:sp>
+        <p:sp>
+          <p:nvSpPr>
+            <p:cNvPr id="64" name="椭圆 63">
+              <a:extLst>
+                <a:ext uri="{FF2B5EF4-FFF2-40B4-BE49-F238E27FC236}">
+                  <a16:creationId xmlns:a16="http://schemas.microsoft.com/office/drawing/2014/main" id="{732163AC-D9D5-4214-B70D-BC97F60E7C56}"/>
+                </a:ext>
+              </a:extLst>
+            </p:cNvPr>
+            <p:cNvSpPr/>
+            <p:nvPr/>
+          </p:nvSpPr>
+          <p:spPr>
+            <a:xfrm>
+              <a:off x="1620932" y="2845375"/>
+              <a:ext cx="290512" cy="280987"/>
+            </a:xfrm>
+            <a:prstGeom prst="ellipse">
+              <a:avLst/>
+            </a:prstGeom>
+          </p:spPr>
+          <p:style>
+            <a:lnRef idx="2">
+              <a:schemeClr val="dk1">
+                <a:shade val="50000"/>
+              </a:schemeClr>
+            </a:lnRef>
+            <a:fillRef idx="1">
+              <a:schemeClr val="dk1"/>
+            </a:fillRef>
+            <a:effectRef idx="0">
+              <a:schemeClr val="dk1"/>
+            </a:effectRef>
+            <a:fontRef idx="minor">
+              <a:schemeClr val="lt1"/>
+            </a:fontRef>
+          </p:style>
+          <p:txBody>
+            <a:bodyPr rot="0" spcFirstLastPara="0" vertOverflow="overflow" horzOverflow="overflow" vert="horz" wrap="square" lIns="91440" tIns="45720" rIns="91440" bIns="45720" numCol="1" spcCol="0" rtlCol="0" fromWordArt="0" anchor="ctr" anchorCtr="0" forceAA="0" compatLnSpc="1">
+              <a:prstTxWarp prst="textNoShape">
+                <a:avLst/>
+              </a:prstTxWarp>
+              <a:noAutofit/>
+            </a:bodyPr>
+            <a:lstStyle/>
+            <a:p>
+              <a:pPr algn="ctr"/>
+              <a:endParaRPr lang="zh-CN" altLang="en-US"/>
+            </a:p>
+          </p:txBody>
+        </p:sp>
+        <p:sp>
+          <p:nvSpPr>
+            <p:cNvPr id="65" name="椭圆 64">
+              <a:extLst>
+                <a:ext uri="{FF2B5EF4-FFF2-40B4-BE49-F238E27FC236}">
+                  <a16:creationId xmlns:a16="http://schemas.microsoft.com/office/drawing/2014/main" id="{0035351A-DDBB-4028-9541-46B34591CA55}"/>
+                </a:ext>
+              </a:extLst>
+            </p:cNvPr>
+            <p:cNvSpPr/>
+            <p:nvPr/>
+          </p:nvSpPr>
+          <p:spPr>
+            <a:xfrm>
+              <a:off x="2520092" y="2845375"/>
+              <a:ext cx="290512" cy="280987"/>
+            </a:xfrm>
+            <a:prstGeom prst="ellipse">
+              <a:avLst/>
+            </a:prstGeom>
+          </p:spPr>
+          <p:style>
+            <a:lnRef idx="2">
+              <a:schemeClr val="dk1">
+                <a:shade val="50000"/>
+              </a:schemeClr>
+            </a:lnRef>
+            <a:fillRef idx="1">
+              <a:schemeClr val="dk1"/>
+            </a:fillRef>
+            <a:effectRef idx="0">
+              <a:schemeClr val="dk1"/>
+            </a:effectRef>
+            <a:fontRef idx="minor">
+              <a:schemeClr val="lt1"/>
+            </a:fontRef>
+          </p:style>
+          <p:txBody>
+            <a:bodyPr rot="0" spcFirstLastPara="0" vertOverflow="overflow" horzOverflow="overflow" vert="horz" wrap="square" lIns="91440" tIns="45720" rIns="91440" bIns="45720" numCol="1" spcCol="0" rtlCol="0" fromWordArt="0" anchor="ctr" anchorCtr="0" forceAA="0" compatLnSpc="1">
+              <a:prstTxWarp prst="textNoShape">
+                <a:avLst/>
+              </a:prstTxWarp>
+              <a:noAutofit/>
+            </a:bodyPr>
+            <a:lstStyle/>
+            <a:p>
+              <a:pPr algn="ctr"/>
+              <a:endParaRPr lang="zh-CN" altLang="en-US"/>
+            </a:p>
+          </p:txBody>
+        </p:sp>
+        <p:sp>
+          <p:nvSpPr>
+            <p:cNvPr id="66" name="椭圆 65">
+              <a:extLst>
+                <a:ext uri="{FF2B5EF4-FFF2-40B4-BE49-F238E27FC236}">
+                  <a16:creationId xmlns:a16="http://schemas.microsoft.com/office/drawing/2014/main" id="{6EE2C944-2A03-4983-B203-B3D7947B6553}"/>
+                </a:ext>
+              </a:extLst>
+            </p:cNvPr>
+            <p:cNvSpPr/>
+            <p:nvPr/>
+          </p:nvSpPr>
+          <p:spPr>
+            <a:xfrm>
+              <a:off x="2070512" y="3308672"/>
+              <a:ext cx="290512" cy="280987"/>
+            </a:xfrm>
+            <a:prstGeom prst="ellipse">
+              <a:avLst/>
+            </a:prstGeom>
+          </p:spPr>
+          <p:style>
+            <a:lnRef idx="2">
+              <a:schemeClr val="dk1">
+                <a:shade val="50000"/>
+              </a:schemeClr>
+            </a:lnRef>
+            <a:fillRef idx="1">
+              <a:schemeClr val="dk1"/>
+            </a:fillRef>
+            <a:effectRef idx="0">
+              <a:schemeClr val="dk1"/>
+            </a:effectRef>
+            <a:fontRef idx="minor">
+              <a:schemeClr val="lt1"/>
+            </a:fontRef>
+          </p:style>
+          <p:txBody>
+            <a:bodyPr rot="0" spcFirstLastPara="0" vertOverflow="overflow" horzOverflow="overflow" vert="horz" wrap="square" lIns="91440" tIns="45720" rIns="91440" bIns="45720" numCol="1" spcCol="0" rtlCol="0" fromWordArt="0" anchor="ctr" anchorCtr="0" forceAA="0" compatLnSpc="1">
+              <a:prstTxWarp prst="textNoShape">
+                <a:avLst/>
+              </a:prstTxWarp>
+              <a:noAutofit/>
+            </a:bodyPr>
+            <a:lstStyle/>
+            <a:p>
+              <a:pPr algn="ctr"/>
+              <a:endParaRPr lang="zh-CN" altLang="en-US"/>
+            </a:p>
+          </p:txBody>
+        </p:sp>
+        <p:sp>
+          <p:nvSpPr>
+            <p:cNvPr id="67" name="椭圆 66">
+              <a:extLst>
+                <a:ext uri="{FF2B5EF4-FFF2-40B4-BE49-F238E27FC236}">
+                  <a16:creationId xmlns:a16="http://schemas.microsoft.com/office/drawing/2014/main" id="{B302ED06-228E-4511-BA4E-64B4066139FD}"/>
+                </a:ext>
+              </a:extLst>
+            </p:cNvPr>
+            <p:cNvSpPr/>
+            <p:nvPr/>
+          </p:nvSpPr>
+          <p:spPr>
+            <a:xfrm>
+              <a:off x="2520092" y="3308672"/>
+              <a:ext cx="290512" cy="280987"/>
+            </a:xfrm>
+            <a:prstGeom prst="ellipse">
+              <a:avLst/>
+            </a:prstGeom>
+            <a:ln w="6350"/>
+          </p:spPr>
+          <p:style>
+            <a:lnRef idx="2">
+              <a:schemeClr val="dk1"/>
+            </a:lnRef>
+            <a:fillRef idx="1">
+              <a:schemeClr val="lt1"/>
+            </a:fillRef>
+            <a:effectRef idx="0">
+              <a:schemeClr val="dk1"/>
+            </a:effectRef>
+            <a:fontRef idx="minor">
+              <a:schemeClr val="dk1"/>
+            </a:fontRef>
+          </p:style>
+          <p:txBody>
+            <a:bodyPr rot="0" spcFirstLastPara="0" vertOverflow="overflow" horzOverflow="overflow" vert="horz" wrap="square" lIns="91440" tIns="45720" rIns="91440" bIns="45720" numCol="1" spcCol="0" rtlCol="0" fromWordArt="0" anchor="ctr" anchorCtr="0" forceAA="0" compatLnSpc="1">
+              <a:prstTxWarp prst="textNoShape">
+                <a:avLst/>
+              </a:prstTxWarp>
+              <a:noAutofit/>
+            </a:bodyPr>
+            <a:lstStyle/>
+            <a:p>
+              <a:pPr algn="ctr"/>
+              <a:endParaRPr lang="zh-CN" altLang="en-US"/>
+            </a:p>
+          </p:txBody>
+        </p:sp>
+        <p:sp>
+          <p:nvSpPr>
+            <p:cNvPr id="68" name="椭圆 67">
+              <a:extLst>
+                <a:ext uri="{FF2B5EF4-FFF2-40B4-BE49-F238E27FC236}">
+                  <a16:creationId xmlns:a16="http://schemas.microsoft.com/office/drawing/2014/main" id="{B1D83BEC-F928-41BE-BCB4-6DA7CED7D67B}"/>
+                </a:ext>
+              </a:extLst>
+            </p:cNvPr>
+            <p:cNvSpPr/>
+            <p:nvPr/>
+          </p:nvSpPr>
+          <p:spPr>
+            <a:xfrm>
+              <a:off x="1726659" y="2491402"/>
+              <a:ext cx="79058" cy="79058"/>
+            </a:xfrm>
+            <a:prstGeom prst="ellipse">
+              <a:avLst/>
+            </a:prstGeom>
+            <a:ln w="6350">
+              <a:solidFill>
+                <a:srgbClr val="FF0000"/>
+              </a:solidFill>
+            </a:ln>
+          </p:spPr>
+          <p:style>
+            <a:lnRef idx="2">
+              <a:schemeClr val="accent2"/>
+            </a:lnRef>
+            <a:fillRef idx="1">
+              <a:schemeClr val="lt1"/>
+            </a:fillRef>
+            <a:effectRef idx="0">
+              <a:schemeClr val="accent2"/>
+            </a:effectRef>
+            <a:fontRef idx="minor">
+              <a:schemeClr val="dk1"/>
+            </a:fontRef>
+          </p:style>
+          <p:txBody>
+            <a:bodyPr rot="0" spcFirstLastPara="0" vertOverflow="overflow" horzOverflow="overflow" vert="horz" wrap="square" lIns="91440" tIns="45720" rIns="91440" bIns="45720" numCol="1" spcCol="0" rtlCol="0" fromWordArt="0" anchor="ctr" anchorCtr="0" forceAA="0" compatLnSpc="1">
+              <a:prstTxWarp prst="textNoShape">
+                <a:avLst/>
+              </a:prstTxWarp>
+              <a:noAutofit/>
+            </a:bodyPr>
+            <a:lstStyle/>
+            <a:p>
+              <a:pPr algn="ctr"/>
+              <a:endParaRPr lang="zh-CN" altLang="en-US"/>
+            </a:p>
+          </p:txBody>
+        </p:sp>
+      </p:grpSp>
+      <p:sp>
+        <p:nvSpPr>
+          <p:cNvPr id="71" name="椭圆 70">
+            <a:extLst>
+              <a:ext uri="{FF2B5EF4-FFF2-40B4-BE49-F238E27FC236}">
+                <a16:creationId xmlns:a16="http://schemas.microsoft.com/office/drawing/2014/main" id="{E6500D79-28A1-4F95-A766-B7035E1FD58D}"/>
+              </a:ext>
+            </a:extLst>
+          </p:cNvPr>
+          <p:cNvSpPr/>
+          <p:nvPr/>
+        </p:nvSpPr>
+        <p:spPr>
+          <a:xfrm>
+            <a:off x="6993507" y="3177144"/>
+            <a:ext cx="373268" cy="361030"/>
+          </a:xfrm>
+          <a:prstGeom prst="ellipse">
+            <a:avLst/>
+          </a:prstGeom>
+          <a:ln w="6350"/>
+        </p:spPr>
+        <p:style>
+          <a:lnRef idx="2">
+            <a:schemeClr val="dk1"/>
+          </a:lnRef>
+          <a:fillRef idx="1">
+            <a:schemeClr val="lt1"/>
+          </a:fillRef>
+          <a:effectRef idx="0">
+            <a:schemeClr val="dk1"/>
+          </a:effectRef>
+          <a:fontRef idx="minor">
+            <a:schemeClr val="dk1"/>
+          </a:fontRef>
+        </p:style>
+        <p:txBody>
+          <a:bodyPr rot="0" spcFirstLastPara="0" vertOverflow="overflow" horzOverflow="overflow" vert="horz" wrap="square" lIns="91440" tIns="45720" rIns="91440" bIns="45720" numCol="1" spcCol="0" rtlCol="0" fromWordArt="0" anchor="ctr" anchorCtr="0" forceAA="0" compatLnSpc="1">
+            <a:prstTxWarp prst="textNoShape">
+              <a:avLst/>
+            </a:prstTxWarp>
+            <a:noAutofit/>
+          </a:bodyPr>
+          <a:lstStyle/>
+          <a:p>
+            <a:pPr algn="ctr"/>
+            <a:endParaRPr lang="zh-CN" altLang="en-US"/>
+          </a:p>
+        </p:txBody>
+      </p:sp>
+      <p:sp>
+        <p:nvSpPr>
+          <p:cNvPr id="72" name="椭圆 71">
+            <a:extLst>
+              <a:ext uri="{FF2B5EF4-FFF2-40B4-BE49-F238E27FC236}">
+                <a16:creationId xmlns:a16="http://schemas.microsoft.com/office/drawing/2014/main" id="{F7273B09-584C-492D-AC75-1119C1FFBA5E}"/>
+              </a:ext>
+            </a:extLst>
+          </p:cNvPr>
+          <p:cNvSpPr/>
+          <p:nvPr/>
+        </p:nvSpPr>
+        <p:spPr>
+          <a:xfrm>
+            <a:off x="5799044" y="3177144"/>
+            <a:ext cx="373268" cy="361030"/>
+          </a:xfrm>
+          <a:prstGeom prst="ellipse">
+            <a:avLst/>
+          </a:prstGeom>
+          <a:ln w="6350"/>
+        </p:spPr>
+        <p:style>
+          <a:lnRef idx="2">
+            <a:schemeClr val="dk1"/>
+          </a:lnRef>
+          <a:fillRef idx="1">
+            <a:schemeClr val="lt1"/>
+          </a:fillRef>
+          <a:effectRef idx="0">
+            <a:schemeClr val="dk1"/>
+          </a:effectRef>
+          <a:fontRef idx="minor">
+            <a:schemeClr val="dk1"/>
+          </a:fontRef>
+        </p:style>
+        <p:txBody>
+          <a:bodyPr rot="0" spcFirstLastPara="0" vertOverflow="overflow" horzOverflow="overflow" vert="horz" wrap="square" lIns="91440" tIns="45720" rIns="91440" bIns="45720" numCol="1" spcCol="0" rtlCol="0" fromWordArt="0" anchor="ctr" anchorCtr="0" forceAA="0" compatLnSpc="1">
+            <a:prstTxWarp prst="textNoShape">
+              <a:avLst/>
+            </a:prstTxWarp>
+            <a:noAutofit/>
+          </a:bodyPr>
+          <a:lstStyle/>
+          <a:p>
+            <a:pPr algn="ctr"/>
+            <a:endParaRPr lang="zh-CN" altLang="en-US"/>
+          </a:p>
+        </p:txBody>
+      </p:sp>
+      <p:sp>
+        <p:nvSpPr>
+          <p:cNvPr id="73" name="椭圆 72">
+            <a:extLst>
+              <a:ext uri="{FF2B5EF4-FFF2-40B4-BE49-F238E27FC236}">
+                <a16:creationId xmlns:a16="http://schemas.microsoft.com/office/drawing/2014/main" id="{B6C4EDA2-9730-441B-875C-778F17B55196}"/>
+              </a:ext>
+            </a:extLst>
+          </p:cNvPr>
+          <p:cNvSpPr/>
+          <p:nvPr/>
+        </p:nvSpPr>
+        <p:spPr>
+          <a:xfrm>
+            <a:off x="2299638" y="4362576"/>
+            <a:ext cx="373268" cy="361030"/>
+          </a:xfrm>
+          <a:prstGeom prst="ellipse">
+            <a:avLst/>
+          </a:prstGeom>
+          <a:ln w="6350"/>
+        </p:spPr>
+        <p:style>
+          <a:lnRef idx="2">
+            <a:schemeClr val="dk1"/>
+          </a:lnRef>
+          <a:fillRef idx="1">
+            <a:schemeClr val="lt1"/>
+          </a:fillRef>
+          <a:effectRef idx="0">
+            <a:schemeClr val="dk1"/>
+          </a:effectRef>
+          <a:fontRef idx="minor">
+            <a:schemeClr val="dk1"/>
+          </a:fontRef>
+        </p:style>
+        <p:txBody>
+          <a:bodyPr rot="0" spcFirstLastPara="0" vertOverflow="overflow" horzOverflow="overflow" vert="horz" wrap="square" lIns="91440" tIns="45720" rIns="91440" bIns="45720" numCol="1" spcCol="0" rtlCol="0" fromWordArt="0" anchor="ctr" anchorCtr="0" forceAA="0" compatLnSpc="1">
+            <a:prstTxWarp prst="textNoShape">
+              <a:avLst/>
+            </a:prstTxWarp>
+            <a:noAutofit/>
+          </a:bodyPr>
+          <a:lstStyle/>
+          <a:p>
+            <a:pPr algn="ctr"/>
+            <a:endParaRPr lang="zh-CN" altLang="en-US"/>
+          </a:p>
+        </p:txBody>
+      </p:sp>
+      <p:cxnSp>
+        <p:nvCxnSpPr>
+          <p:cNvPr id="75" name="直接箭头连接符 74">
+            <a:extLst>
+              <a:ext uri="{FF2B5EF4-FFF2-40B4-BE49-F238E27FC236}">
+                <a16:creationId xmlns:a16="http://schemas.microsoft.com/office/drawing/2014/main" id="{FDCBD247-76D2-497A-9446-55F68F5EB138}"/>
+              </a:ext>
+            </a:extLst>
+          </p:cNvPr>
+          <p:cNvCxnSpPr>
+            <a:cxnSpLocks/>
+            <a:stCxn id="31" idx="2"/>
+            <a:endCxn id="41" idx="0"/>
+          </p:cNvCxnSpPr>
+          <p:nvPr/>
+        </p:nvCxnSpPr>
+        <p:spPr>
+          <a:xfrm flipH="1">
+            <a:off x="3063921" y="2194109"/>
+            <a:ext cx="2347347" cy="869388"/>
+          </a:xfrm>
+          <a:prstGeom prst="straightConnector1">
+            <a:avLst/>
+          </a:prstGeom>
+          <a:ln>
+            <a:tailEnd type="triangle"/>
+          </a:ln>
+        </p:spPr>
+        <p:style>
+          <a:lnRef idx="1">
+            <a:schemeClr val="dk1"/>
+          </a:lnRef>
+          <a:fillRef idx="0">
+            <a:schemeClr val="dk1"/>
+          </a:fillRef>
+          <a:effectRef idx="0">
+            <a:schemeClr val="dk1"/>
+          </a:effectRef>
+          <a:fontRef idx="minor">
+            <a:schemeClr val="tx1"/>
+          </a:fontRef>
+        </p:style>
+      </p:cxnSp>
+      <p:cxnSp>
+        <p:nvCxnSpPr>
+          <p:cNvPr id="77" name="直接箭头连接符 76">
+            <a:extLst>
+              <a:ext uri="{FF2B5EF4-FFF2-40B4-BE49-F238E27FC236}">
+                <a16:creationId xmlns:a16="http://schemas.microsoft.com/office/drawing/2014/main" id="{78953AC7-021B-460A-A7C6-158688ECF3BC}"/>
+              </a:ext>
+            </a:extLst>
+          </p:cNvPr>
+          <p:cNvCxnSpPr>
+            <a:cxnSpLocks/>
+            <a:stCxn id="31" idx="2"/>
+            <a:endCxn id="51" idx="0"/>
+          </p:cNvCxnSpPr>
+          <p:nvPr/>
+        </p:nvCxnSpPr>
+        <p:spPr>
+          <a:xfrm>
+            <a:off x="5411268" y="2194109"/>
+            <a:ext cx="0" cy="869388"/>
+          </a:xfrm>
+          <a:prstGeom prst="straightConnector1">
+            <a:avLst/>
+          </a:prstGeom>
+          <a:ln>
+            <a:tailEnd type="triangle"/>
+          </a:ln>
+        </p:spPr>
+        <p:style>
+          <a:lnRef idx="1">
+            <a:schemeClr val="dk1"/>
+          </a:lnRef>
+          <a:fillRef idx="0">
+            <a:schemeClr val="dk1"/>
+          </a:fillRef>
+          <a:effectRef idx="0">
+            <a:schemeClr val="dk1"/>
+          </a:effectRef>
+          <a:fontRef idx="minor">
+            <a:schemeClr val="tx1"/>
+          </a:fontRef>
+        </p:style>
+      </p:cxnSp>
+      <p:cxnSp>
+        <p:nvCxnSpPr>
+          <p:cNvPr id="79" name="直接箭头连接符 78">
+            <a:extLst>
+              <a:ext uri="{FF2B5EF4-FFF2-40B4-BE49-F238E27FC236}">
+                <a16:creationId xmlns:a16="http://schemas.microsoft.com/office/drawing/2014/main" id="{D6EE5093-50B7-4EAC-9449-AC1071F606CB}"/>
+              </a:ext>
+            </a:extLst>
+          </p:cNvPr>
+          <p:cNvCxnSpPr>
+            <a:cxnSpLocks/>
+            <a:stCxn id="31" idx="2"/>
+            <a:endCxn id="61" idx="0"/>
+          </p:cNvCxnSpPr>
+          <p:nvPr/>
+        </p:nvCxnSpPr>
+        <p:spPr>
+          <a:xfrm>
+            <a:off x="5411268" y="2194109"/>
+            <a:ext cx="2346522" cy="869388"/>
+          </a:xfrm>
+          <a:prstGeom prst="straightConnector1">
+            <a:avLst/>
+          </a:prstGeom>
+          <a:ln>
+            <a:tailEnd type="triangle"/>
+          </a:ln>
+        </p:spPr>
+        <p:style>
+          <a:lnRef idx="1">
+            <a:schemeClr val="dk1"/>
+          </a:lnRef>
+          <a:fillRef idx="0">
+            <a:schemeClr val="dk1"/>
+          </a:fillRef>
+          <a:effectRef idx="0">
+            <a:schemeClr val="dk1"/>
+          </a:effectRef>
+          <a:fontRef idx="minor">
+            <a:schemeClr val="tx1"/>
+          </a:fontRef>
+        </p:style>
+      </p:cxnSp>
+      <p:sp>
+        <p:nvSpPr>
+          <p:cNvPr id="2" name="文本框 1">
+            <a:extLst>
+              <a:ext uri="{FF2B5EF4-FFF2-40B4-BE49-F238E27FC236}">
+                <a16:creationId xmlns:a16="http://schemas.microsoft.com/office/drawing/2014/main" id="{A67D4F30-4DEB-4A1B-88C5-98EB4F0713EC}"/>
+              </a:ext>
+            </a:extLst>
+          </p:cNvPr>
+          <p:cNvSpPr txBox="1"/>
+          <p:nvPr/>
+        </p:nvSpPr>
+        <p:spPr>
+          <a:xfrm>
+            <a:off x="6440253" y="2297801"/>
+            <a:ext cx="758541" cy="369332"/>
+          </a:xfrm>
+          <a:prstGeom prst="rect">
+            <a:avLst/>
+          </a:prstGeom>
+          <a:noFill/>
+        </p:spPr>
+        <p:txBody>
+          <a:bodyPr wrap="none" rtlCol="0">
+            <a:spAutoFit/>
+          </a:bodyPr>
+          <a:lstStyle/>
+          <a:p>
+            <a:r>
+              <a:rPr lang="en-US" altLang="zh-CN" dirty="0"/>
+              <a:t>2.04%</a:t>
+            </a:r>
+            <a:endParaRPr lang="zh-CN" altLang="en-US" dirty="0"/>
+          </a:p>
+        </p:txBody>
+      </p:sp>
+      <p:sp>
+        <p:nvSpPr>
+          <p:cNvPr id="74" name="文本框 73">
+            <a:extLst>
+              <a:ext uri="{FF2B5EF4-FFF2-40B4-BE49-F238E27FC236}">
+                <a16:creationId xmlns:a16="http://schemas.microsoft.com/office/drawing/2014/main" id="{F8EAD415-B3A0-4DF2-96DE-BAA0046C7CD8}"/>
+              </a:ext>
+            </a:extLst>
+          </p:cNvPr>
+          <p:cNvSpPr txBox="1"/>
+          <p:nvPr/>
+        </p:nvSpPr>
+        <p:spPr>
+          <a:xfrm>
+            <a:off x="3454936" y="2301717"/>
+            <a:ext cx="875561" cy="369332"/>
+          </a:xfrm>
+          <a:prstGeom prst="rect">
+            <a:avLst/>
+          </a:prstGeom>
+          <a:noFill/>
+        </p:spPr>
+        <p:txBody>
+          <a:bodyPr wrap="none" rtlCol="0">
+            <a:spAutoFit/>
+          </a:bodyPr>
+          <a:lstStyle/>
+          <a:p>
+            <a:r>
+              <a:rPr lang="en-US" altLang="zh-CN" dirty="0"/>
+              <a:t>85.71%</a:t>
+            </a:r>
+            <a:endParaRPr lang="zh-CN" altLang="en-US" dirty="0"/>
+          </a:p>
+        </p:txBody>
+      </p:sp>
+      <p:sp>
+        <p:nvSpPr>
+          <p:cNvPr id="76" name="文本框 75">
+            <a:extLst>
+              <a:ext uri="{FF2B5EF4-FFF2-40B4-BE49-F238E27FC236}">
+                <a16:creationId xmlns:a16="http://schemas.microsoft.com/office/drawing/2014/main" id="{A51FC28A-AF17-4EE8-AA1B-B5F1DB78D1AD}"/>
+              </a:ext>
+            </a:extLst>
+          </p:cNvPr>
+          <p:cNvSpPr txBox="1"/>
+          <p:nvPr/>
+        </p:nvSpPr>
+        <p:spPr>
+          <a:xfrm>
+            <a:off x="5411267" y="2571028"/>
+            <a:ext cx="875561" cy="369332"/>
+          </a:xfrm>
+          <a:prstGeom prst="rect">
+            <a:avLst/>
+          </a:prstGeom>
+          <a:noFill/>
+        </p:spPr>
+        <p:txBody>
+          <a:bodyPr wrap="none" rtlCol="0">
+            <a:spAutoFit/>
+          </a:bodyPr>
+          <a:lstStyle/>
+          <a:p>
+            <a:r>
+              <a:rPr lang="en-US" altLang="zh-CN" dirty="0"/>
+              <a:t>12.25%</a:t>
+            </a:r>
+            <a:endParaRPr lang="zh-CN" altLang="en-US" dirty="0"/>
+          </a:p>
+        </p:txBody>
+      </p:sp>
+      <p:cxnSp>
+        <p:nvCxnSpPr>
+          <p:cNvPr id="78" name="直接箭头连接符 77">
+            <a:extLst>
+              <a:ext uri="{FF2B5EF4-FFF2-40B4-BE49-F238E27FC236}">
+                <a16:creationId xmlns:a16="http://schemas.microsoft.com/office/drawing/2014/main" id="{23914FCA-E35F-4C78-8025-4B1D523C2544}"/>
+              </a:ext>
+            </a:extLst>
+          </p:cNvPr>
+          <p:cNvCxnSpPr>
+            <a:cxnSpLocks/>
+            <a:stCxn id="41" idx="2"/>
+          </p:cNvCxnSpPr>
+          <p:nvPr/>
+        </p:nvCxnSpPr>
+        <p:spPr>
+          <a:xfrm flipH="1">
+            <a:off x="2672906" y="4823009"/>
+            <a:ext cx="391015" cy="392448"/>
+          </a:xfrm>
+          <a:prstGeom prst="straightConnector1">
+            <a:avLst/>
+          </a:prstGeom>
+          <a:ln>
+            <a:tailEnd type="triangle"/>
+          </a:ln>
+        </p:spPr>
+        <p:style>
+          <a:lnRef idx="1">
+            <a:schemeClr val="dk1"/>
+          </a:lnRef>
+          <a:fillRef idx="0">
+            <a:schemeClr val="dk1"/>
+          </a:fillRef>
+          <a:effectRef idx="0">
+            <a:schemeClr val="dk1"/>
+          </a:effectRef>
+          <a:fontRef idx="minor">
+            <a:schemeClr val="tx1"/>
+          </a:fontRef>
+        </p:style>
+      </p:cxnSp>
+      <p:cxnSp>
+        <p:nvCxnSpPr>
+          <p:cNvPr id="80" name="直接箭头连接符 79">
+            <a:extLst>
+              <a:ext uri="{FF2B5EF4-FFF2-40B4-BE49-F238E27FC236}">
+                <a16:creationId xmlns:a16="http://schemas.microsoft.com/office/drawing/2014/main" id="{395DEBEE-98D6-42C4-944C-BCE66F34BD91}"/>
+              </a:ext>
+            </a:extLst>
+          </p:cNvPr>
+          <p:cNvCxnSpPr>
+            <a:cxnSpLocks/>
+            <a:stCxn id="41" idx="2"/>
+          </p:cNvCxnSpPr>
+          <p:nvPr/>
+        </p:nvCxnSpPr>
+        <p:spPr>
+          <a:xfrm>
+            <a:off x="3063921" y="4823009"/>
+            <a:ext cx="0" cy="392448"/>
+          </a:xfrm>
+          <a:prstGeom prst="straightConnector1">
+            <a:avLst/>
+          </a:prstGeom>
+          <a:ln>
+            <a:tailEnd type="triangle"/>
+          </a:ln>
+        </p:spPr>
+        <p:style>
+          <a:lnRef idx="1">
+            <a:schemeClr val="dk1"/>
+          </a:lnRef>
+          <a:fillRef idx="0">
+            <a:schemeClr val="dk1"/>
+          </a:fillRef>
+          <a:effectRef idx="0">
+            <a:schemeClr val="dk1"/>
+          </a:effectRef>
+          <a:fontRef idx="minor">
+            <a:schemeClr val="tx1"/>
+          </a:fontRef>
+        </p:style>
+      </p:cxnSp>
+      <p:cxnSp>
+        <p:nvCxnSpPr>
+          <p:cNvPr id="81" name="直接箭头连接符 80">
+            <a:extLst>
+              <a:ext uri="{FF2B5EF4-FFF2-40B4-BE49-F238E27FC236}">
+                <a16:creationId xmlns:a16="http://schemas.microsoft.com/office/drawing/2014/main" id="{D9F30364-17DA-4144-B0D7-4110C152795D}"/>
+              </a:ext>
+            </a:extLst>
+          </p:cNvPr>
+          <p:cNvCxnSpPr>
+            <a:cxnSpLocks/>
+            <a:stCxn id="41" idx="2"/>
+          </p:cNvCxnSpPr>
+          <p:nvPr/>
+        </p:nvCxnSpPr>
+        <p:spPr>
+          <a:xfrm>
+            <a:off x="3063921" y="4823009"/>
+            <a:ext cx="391015" cy="392448"/>
+          </a:xfrm>
+          <a:prstGeom prst="straightConnector1">
+            <a:avLst/>
+          </a:prstGeom>
+          <a:ln>
+            <a:tailEnd type="triangle"/>
+          </a:ln>
+        </p:spPr>
+        <p:style>
+          <a:lnRef idx="1">
+            <a:schemeClr val="dk1"/>
+          </a:lnRef>
+          <a:fillRef idx="0">
+            <a:schemeClr val="dk1"/>
+          </a:fillRef>
+          <a:effectRef idx="0">
+            <a:schemeClr val="dk1"/>
+          </a:effectRef>
+          <a:fontRef idx="minor">
+            <a:schemeClr val="tx1"/>
+          </a:fontRef>
+        </p:style>
+      </p:cxnSp>
+      <p:cxnSp>
+        <p:nvCxnSpPr>
+          <p:cNvPr id="82" name="直接箭头连接符 81">
+            <a:extLst>
+              <a:ext uri="{FF2B5EF4-FFF2-40B4-BE49-F238E27FC236}">
+                <a16:creationId xmlns:a16="http://schemas.microsoft.com/office/drawing/2014/main" id="{5B40BC67-6A3D-499E-B42E-CA6FA148544B}"/>
+              </a:ext>
+            </a:extLst>
+          </p:cNvPr>
+          <p:cNvCxnSpPr>
+            <a:cxnSpLocks/>
+          </p:cNvCxnSpPr>
+          <p:nvPr/>
+        </p:nvCxnSpPr>
+        <p:spPr>
+          <a:xfrm flipH="1">
+            <a:off x="5022123" y="4823009"/>
+            <a:ext cx="391015" cy="392448"/>
+          </a:xfrm>
+          <a:prstGeom prst="straightConnector1">
+            <a:avLst/>
+          </a:prstGeom>
+          <a:ln>
+            <a:tailEnd type="triangle"/>
+          </a:ln>
+        </p:spPr>
+        <p:style>
+          <a:lnRef idx="1">
+            <a:schemeClr val="dk1"/>
+          </a:lnRef>
+          <a:fillRef idx="0">
+            <a:schemeClr val="dk1"/>
+          </a:fillRef>
+          <a:effectRef idx="0">
+            <a:schemeClr val="dk1"/>
+          </a:effectRef>
+          <a:fontRef idx="minor">
+            <a:schemeClr val="tx1"/>
+          </a:fontRef>
+        </p:style>
+      </p:cxnSp>
+      <p:cxnSp>
+        <p:nvCxnSpPr>
+          <p:cNvPr id="83" name="直接箭头连接符 82">
+            <a:extLst>
+              <a:ext uri="{FF2B5EF4-FFF2-40B4-BE49-F238E27FC236}">
+                <a16:creationId xmlns:a16="http://schemas.microsoft.com/office/drawing/2014/main" id="{8361DAF4-8001-497B-AA02-B01ACB32D189}"/>
+              </a:ext>
+            </a:extLst>
+          </p:cNvPr>
+          <p:cNvCxnSpPr>
+            <a:cxnSpLocks/>
+          </p:cNvCxnSpPr>
+          <p:nvPr/>
+        </p:nvCxnSpPr>
+        <p:spPr>
+          <a:xfrm>
+            <a:off x="5413138" y="4823009"/>
+            <a:ext cx="0" cy="392448"/>
+          </a:xfrm>
+          <a:prstGeom prst="straightConnector1">
+            <a:avLst/>
+          </a:prstGeom>
+          <a:ln>
+            <a:tailEnd type="triangle"/>
+          </a:ln>
+        </p:spPr>
+        <p:style>
+          <a:lnRef idx="1">
+            <a:schemeClr val="dk1"/>
+          </a:lnRef>
+          <a:fillRef idx="0">
+            <a:schemeClr val="dk1"/>
+          </a:fillRef>
+          <a:effectRef idx="0">
+            <a:schemeClr val="dk1"/>
+          </a:effectRef>
+          <a:fontRef idx="minor">
+            <a:schemeClr val="tx1"/>
+          </a:fontRef>
+        </p:style>
+      </p:cxnSp>
+      <p:cxnSp>
+        <p:nvCxnSpPr>
+          <p:cNvPr id="84" name="直接箭头连接符 83">
+            <a:extLst>
+              <a:ext uri="{FF2B5EF4-FFF2-40B4-BE49-F238E27FC236}">
+                <a16:creationId xmlns:a16="http://schemas.microsoft.com/office/drawing/2014/main" id="{DB0366B2-C4AE-46CA-BB03-184AE61A15FA}"/>
+              </a:ext>
+            </a:extLst>
+          </p:cNvPr>
+          <p:cNvCxnSpPr>
+            <a:cxnSpLocks/>
+            <a:stCxn id="51" idx="2"/>
+          </p:cNvCxnSpPr>
+          <p:nvPr/>
+        </p:nvCxnSpPr>
+        <p:spPr>
+          <a:xfrm>
+            <a:off x="5411268" y="4823009"/>
+            <a:ext cx="392885" cy="392448"/>
+          </a:xfrm>
+          <a:prstGeom prst="straightConnector1">
+            <a:avLst/>
+          </a:prstGeom>
+          <a:ln>
+            <a:tailEnd type="triangle"/>
+          </a:ln>
+        </p:spPr>
+        <p:style>
+          <a:lnRef idx="1">
+            <a:schemeClr val="dk1"/>
+          </a:lnRef>
+          <a:fillRef idx="0">
+            <a:schemeClr val="dk1"/>
+          </a:fillRef>
+          <a:effectRef idx="0">
+            <a:schemeClr val="dk1"/>
+          </a:effectRef>
+          <a:fontRef idx="minor">
+            <a:schemeClr val="tx1"/>
+          </a:fontRef>
+        </p:style>
+      </p:cxnSp>
+      <p:cxnSp>
+        <p:nvCxnSpPr>
+          <p:cNvPr id="85" name="直接箭头连接符 84">
+            <a:extLst>
+              <a:ext uri="{FF2B5EF4-FFF2-40B4-BE49-F238E27FC236}">
+                <a16:creationId xmlns:a16="http://schemas.microsoft.com/office/drawing/2014/main" id="{614EBA9C-1F59-467B-8B56-0C32A4B03112}"/>
+              </a:ext>
+            </a:extLst>
+          </p:cNvPr>
+          <p:cNvCxnSpPr>
+            <a:cxnSpLocks/>
+          </p:cNvCxnSpPr>
+          <p:nvPr/>
+        </p:nvCxnSpPr>
+        <p:spPr>
+          <a:xfrm flipH="1">
+            <a:off x="7366775" y="4823009"/>
+            <a:ext cx="391015" cy="392448"/>
+          </a:xfrm>
+          <a:prstGeom prst="straightConnector1">
+            <a:avLst/>
+          </a:prstGeom>
+          <a:ln>
+            <a:tailEnd type="triangle"/>
+          </a:ln>
+        </p:spPr>
+        <p:style>
+          <a:lnRef idx="1">
+            <a:schemeClr val="dk1"/>
+          </a:lnRef>
+          <a:fillRef idx="0">
+            <a:schemeClr val="dk1"/>
+          </a:fillRef>
+          <a:effectRef idx="0">
+            <a:schemeClr val="dk1"/>
+          </a:effectRef>
+          <a:fontRef idx="minor">
+            <a:schemeClr val="tx1"/>
+          </a:fontRef>
+        </p:style>
+      </p:cxnSp>
+      <p:cxnSp>
+        <p:nvCxnSpPr>
+          <p:cNvPr id="86" name="直接箭头连接符 85">
+            <a:extLst>
+              <a:ext uri="{FF2B5EF4-FFF2-40B4-BE49-F238E27FC236}">
+                <a16:creationId xmlns:a16="http://schemas.microsoft.com/office/drawing/2014/main" id="{B77A1C20-DC77-40BE-A440-AF5B6E69E2E6}"/>
+              </a:ext>
+            </a:extLst>
+          </p:cNvPr>
+          <p:cNvCxnSpPr>
+            <a:cxnSpLocks/>
+          </p:cNvCxnSpPr>
+          <p:nvPr/>
+        </p:nvCxnSpPr>
+        <p:spPr>
+          <a:xfrm>
+            <a:off x="7757790" y="4823009"/>
+            <a:ext cx="0" cy="392448"/>
+          </a:xfrm>
+          <a:prstGeom prst="straightConnector1">
+            <a:avLst/>
+          </a:prstGeom>
+          <a:ln>
+            <a:tailEnd type="triangle"/>
+          </a:ln>
+        </p:spPr>
+        <p:style>
+          <a:lnRef idx="1">
+            <a:schemeClr val="dk1"/>
+          </a:lnRef>
+          <a:fillRef idx="0">
+            <a:schemeClr val="dk1"/>
+          </a:fillRef>
+          <a:effectRef idx="0">
+            <a:schemeClr val="dk1"/>
+          </a:effectRef>
+          <a:fontRef idx="minor">
+            <a:schemeClr val="tx1"/>
+          </a:fontRef>
+        </p:style>
+      </p:cxnSp>
+      <p:cxnSp>
+        <p:nvCxnSpPr>
+          <p:cNvPr id="87" name="直接箭头连接符 86">
+            <a:extLst>
+              <a:ext uri="{FF2B5EF4-FFF2-40B4-BE49-F238E27FC236}">
+                <a16:creationId xmlns:a16="http://schemas.microsoft.com/office/drawing/2014/main" id="{9BABAB8F-819E-4D07-9C15-8363ABEF7CE7}"/>
+              </a:ext>
+            </a:extLst>
+          </p:cNvPr>
+          <p:cNvCxnSpPr>
+            <a:cxnSpLocks/>
+          </p:cNvCxnSpPr>
+          <p:nvPr/>
+        </p:nvCxnSpPr>
+        <p:spPr>
+          <a:xfrm>
+            <a:off x="7757790" y="4823009"/>
+            <a:ext cx="391015" cy="392448"/>
+          </a:xfrm>
+          <a:prstGeom prst="straightConnector1">
+            <a:avLst/>
+          </a:prstGeom>
+          <a:ln>
+            <a:tailEnd type="triangle"/>
+          </a:ln>
+        </p:spPr>
+        <p:style>
+          <a:lnRef idx="1">
+            <a:schemeClr val="dk1"/>
+          </a:lnRef>
+          <a:fillRef idx="0">
+            <a:schemeClr val="dk1"/>
+          </a:fillRef>
+          <a:effectRef idx="0">
+            <a:schemeClr val="dk1"/>
+          </a:effectRef>
+          <a:fontRef idx="minor">
+            <a:schemeClr val="tx1"/>
+          </a:fontRef>
+        </p:style>
+      </p:cxnSp>
+      <p:sp>
+        <p:nvSpPr>
+          <p:cNvPr id="27" name="文本框 26">
+            <a:extLst>
+              <a:ext uri="{FF2B5EF4-FFF2-40B4-BE49-F238E27FC236}">
+                <a16:creationId xmlns:a16="http://schemas.microsoft.com/office/drawing/2014/main" id="{39057FD0-6CDB-4401-99DF-B39D7302985A}"/>
+              </a:ext>
+            </a:extLst>
+          </p:cNvPr>
+          <p:cNvSpPr txBox="1"/>
+          <p:nvPr/>
+        </p:nvSpPr>
+        <p:spPr>
+          <a:xfrm>
+            <a:off x="2819196" y="5159142"/>
+            <a:ext cx="502061" cy="369332"/>
+          </a:xfrm>
+          <a:prstGeom prst="rect">
+            <a:avLst/>
+          </a:prstGeom>
+          <a:noFill/>
+        </p:spPr>
+        <p:txBody>
+          <a:bodyPr wrap="none" rtlCol="0">
+            <a:spAutoFit/>
+          </a:bodyPr>
+          <a:lstStyle/>
+          <a:p>
+            <a:r>
+              <a:rPr lang="en-US" altLang="zh-CN" dirty="0"/>
+              <a:t>……</a:t>
+            </a:r>
+            <a:endParaRPr lang="zh-CN" altLang="en-US" dirty="0"/>
+          </a:p>
+        </p:txBody>
+      </p:sp>
+      <p:sp>
+        <p:nvSpPr>
+          <p:cNvPr id="88" name="文本框 87">
+            <a:extLst>
+              <a:ext uri="{FF2B5EF4-FFF2-40B4-BE49-F238E27FC236}">
+                <a16:creationId xmlns:a16="http://schemas.microsoft.com/office/drawing/2014/main" id="{4C24CA00-A8CF-4D67-A39D-0CAC8E00204F}"/>
+              </a:ext>
+            </a:extLst>
+          </p:cNvPr>
+          <p:cNvSpPr txBox="1"/>
+          <p:nvPr/>
+        </p:nvSpPr>
+        <p:spPr>
+          <a:xfrm>
+            <a:off x="5162108" y="5159142"/>
+            <a:ext cx="502061" cy="369332"/>
+          </a:xfrm>
+          <a:prstGeom prst="rect">
+            <a:avLst/>
+          </a:prstGeom>
+          <a:noFill/>
+        </p:spPr>
+        <p:txBody>
+          <a:bodyPr wrap="none" rtlCol="0">
+            <a:spAutoFit/>
+          </a:bodyPr>
+          <a:lstStyle/>
+          <a:p>
+            <a:r>
+              <a:rPr lang="en-US" altLang="zh-CN" dirty="0"/>
+              <a:t>……</a:t>
+            </a:r>
+            <a:endParaRPr lang="zh-CN" altLang="en-US" dirty="0"/>
+          </a:p>
+        </p:txBody>
+      </p:sp>
+      <p:sp>
+        <p:nvSpPr>
+          <p:cNvPr id="89" name="文本框 88">
+            <a:extLst>
+              <a:ext uri="{FF2B5EF4-FFF2-40B4-BE49-F238E27FC236}">
+                <a16:creationId xmlns:a16="http://schemas.microsoft.com/office/drawing/2014/main" id="{BE965F73-C759-4409-AFB0-300576DF1EA4}"/>
+              </a:ext>
+            </a:extLst>
+          </p:cNvPr>
+          <p:cNvSpPr txBox="1"/>
+          <p:nvPr/>
+        </p:nvSpPr>
+        <p:spPr>
+          <a:xfrm>
+            <a:off x="7506758" y="5159142"/>
+            <a:ext cx="502061" cy="369332"/>
+          </a:xfrm>
+          <a:prstGeom prst="rect">
+            <a:avLst/>
+          </a:prstGeom>
+          <a:noFill/>
+        </p:spPr>
+        <p:txBody>
+          <a:bodyPr wrap="none" rtlCol="0">
+            <a:spAutoFit/>
+          </a:bodyPr>
+          <a:lstStyle/>
+          <a:p>
+            <a:r>
+              <a:rPr lang="en-US" altLang="zh-CN" dirty="0"/>
+              <a:t>……</a:t>
+            </a:r>
+            <a:endParaRPr lang="zh-CN" altLang="en-US" dirty="0"/>
+          </a:p>
+        </p:txBody>
+      </p:sp>
+    </p:spTree>
+    <p:extLst>
+      <p:ext uri="{BB962C8B-B14F-4D97-AF65-F5344CB8AC3E}">
+        <p14:creationId xmlns:p14="http://schemas.microsoft.com/office/powerpoint/2010/main" val="2320844570"/>
       </p:ext>
     </p:extLst>
   </p:cSld>
@@ -4165,4 +9622,102 @@
     </a:ext>
   </a:extLst>
 </a:theme>
+</file>
+
+<file path=customXml/item1.xml><?xml version="1.0" encoding="utf-8"?>
+<Control xmlns="http://schemas.microsoft.com/VisualStudio/2011/storyboarding/control">
+  <Id Name="1a6fcf57-e419-4065-b255-f728ad85b940" Revision="1" Stencil="System.MyShapes" StencilVersion="1.0"/>
+</Control>
+</file>
+
+<file path=customXml/item2.xml><?xml version="1.0" encoding="utf-8"?>
+<Control xmlns="http://schemas.microsoft.com/VisualStudio/2011/storyboarding/control">
+  <Id Name="1a6fcf57-e419-4065-b255-f728ad85b940" Revision="1" Stencil="System.MyShapes" StencilVersion="1.0"/>
+</Control>
+</file>
+
+<file path=customXml/item3.xml><?xml version="1.0" encoding="utf-8"?>
+<Control xmlns="http://schemas.microsoft.com/VisualStudio/2011/storyboarding/control">
+  <Id Name="1a6fcf57-e419-4065-b255-f728ad85b940" Revision="1" Stencil="System.MyShapes" StencilVersion="1.0"/>
+</Control>
+</file>
+
+<file path=customXml/item4.xml><?xml version="1.0" encoding="utf-8"?>
+<Control xmlns="http://schemas.microsoft.com/VisualStudio/2011/storyboarding/control">
+  <Id Name="1a6fcf57-e419-4065-b255-f728ad85b940" Revision="1" Stencil="System.MyShapes" StencilVersion="1.0"/>
+</Control>
+</file>
+
+<file path=customXml/item5.xml><?xml version="1.0" encoding="utf-8"?>
+<Control xmlns="http://schemas.microsoft.com/VisualStudio/2011/storyboarding/control">
+  <Id Name="1a6fcf57-e419-4065-b255-f728ad85b940" Revision="1" Stencil="System.MyShapes" StencilVersion="1.0"/>
+</Control>
+</file>
+
+<file path=customXml/item6.xml><?xml version="1.0" encoding="utf-8"?>
+<Control xmlns="http://schemas.microsoft.com/VisualStudio/2011/storyboarding/control">
+  <Id Name="1a6fcf57-e419-4065-b255-f728ad85b940" Revision="1" Stencil="System.MyShapes" StencilVersion="1.0"/>
+</Control>
+</file>
+
+<file path=customXml/item7.xml><?xml version="1.0" encoding="utf-8"?>
+<Control xmlns="http://schemas.microsoft.com/VisualStudio/2011/storyboarding/control">
+  <Id Name="1a6fcf57-e419-4065-b255-f728ad85b940" Revision="1" Stencil="System.MyShapes" StencilVersion="1.0"/>
+</Control>
+</file>
+
+<file path=customXml/itemProps1.xml><?xml version="1.0" encoding="utf-8"?>
+<ds:datastoreItem xmlns:ds="http://schemas.openxmlformats.org/officeDocument/2006/customXml" ds:itemID="{6C76DDC7-2EC6-4B53-8D08-6A7D486F3AE1}">
+  <ds:schemaRefs>
+    <ds:schemaRef ds:uri="http://schemas.microsoft.com/VisualStudio/2011/storyboarding/control"/>
+  </ds:schemaRefs>
+</ds:datastoreItem>
+</file>
+
+<file path=customXml/itemProps2.xml><?xml version="1.0" encoding="utf-8"?>
+<ds:datastoreItem xmlns:ds="http://schemas.openxmlformats.org/officeDocument/2006/customXml" ds:itemID="{8EEA975E-8710-420C-8703-A8E2B6C9D252}">
+  <ds:schemaRefs>
+    <ds:schemaRef ds:uri="http://schemas.microsoft.com/VisualStudio/2011/storyboarding/control"/>
+  </ds:schemaRefs>
+</ds:datastoreItem>
+</file>
+
+<file path=customXml/itemProps3.xml><?xml version="1.0" encoding="utf-8"?>
+<ds:datastoreItem xmlns:ds="http://schemas.openxmlformats.org/officeDocument/2006/customXml" ds:itemID="{16DED5D5-128F-4037-87D6-2E3D97445FB4}">
+  <ds:schemaRefs>
+    <ds:schemaRef ds:uri="http://schemas.microsoft.com/VisualStudio/2011/storyboarding/control"/>
+  </ds:schemaRefs>
+</ds:datastoreItem>
+</file>
+
+<file path=customXml/itemProps4.xml><?xml version="1.0" encoding="utf-8"?>
+<ds:datastoreItem xmlns:ds="http://schemas.openxmlformats.org/officeDocument/2006/customXml" ds:itemID="{702C2C6F-EA7F-4F2C-822A-ECBB813D095C}">
+  <ds:schemaRefs>
+    <ds:schemaRef ds:uri="http://schemas.microsoft.com/VisualStudio/2011/storyboarding/control"/>
+  </ds:schemaRefs>
+</ds:datastoreItem>
+</file>
+
+<file path=customXml/itemProps5.xml><?xml version="1.0" encoding="utf-8"?>
+<ds:datastoreItem xmlns:ds="http://schemas.openxmlformats.org/officeDocument/2006/customXml" ds:itemID="{381C5599-D668-4874-A5C8-7F4428769EC9}">
+  <ds:schemaRefs>
+    <ds:schemaRef ds:uri="http://schemas.microsoft.com/VisualStudio/2011/storyboarding/control"/>
+  </ds:schemaRefs>
+</ds:datastoreItem>
+</file>
+
+<file path=customXml/itemProps6.xml><?xml version="1.0" encoding="utf-8"?>
+<ds:datastoreItem xmlns:ds="http://schemas.openxmlformats.org/officeDocument/2006/customXml" ds:itemID="{B1E3F0BD-C239-477F-86AB-3C7D3AEAB920}">
+  <ds:schemaRefs>
+    <ds:schemaRef ds:uri="http://schemas.microsoft.com/VisualStudio/2011/storyboarding/control"/>
+  </ds:schemaRefs>
+</ds:datastoreItem>
+</file>
+
+<file path=customXml/itemProps7.xml><?xml version="1.0" encoding="utf-8"?>
+<ds:datastoreItem xmlns:ds="http://schemas.openxmlformats.org/officeDocument/2006/customXml" ds:itemID="{954062F6-9A4E-4B77-B844-675049D91BE2}">
+  <ds:schemaRefs>
+    <ds:schemaRef ds:uri="http://schemas.microsoft.com/VisualStudio/2011/storyboarding/control"/>
+  </ds:schemaRefs>
+</ds:datastoreItem>
 </file>
--- a/tutorial/ppt/img/组图.pptx
+++ b/tutorial/ppt/img/组图.pptx
@@ -8,7 +8,8 @@
     <p:sldId id="256" r:id="rId9"/>
     <p:sldId id="257" r:id="rId10"/>
     <p:sldId id="258" r:id="rId11"/>
-    <p:sldId id="259" r:id="rId12"/>
+    <p:sldId id="260" r:id="rId12"/>
+    <p:sldId id="259" r:id="rId13"/>
   </p:sldIdLst>
   <p:sldSz cx="12192000" cy="6858000"/>
   <p:notesSz cx="6858000" cy="9144000"/>
@@ -258,7 +259,7 @@
           <a:p>
             <a:fld id="{E7EDC4FD-D830-4C5E-AF2C-17037A646A72}" type="datetimeFigureOut">
               <a:rPr lang="zh-CN" altLang="en-US" smtClean="0"/>
-              <a:t>2019/5/29</a:t>
+              <a:t>2019/6/5</a:t>
             </a:fld>
             <a:endParaRPr lang="zh-CN" altLang="en-US"/>
           </a:p>
@@ -428,7 +429,7 @@
           <a:p>
             <a:fld id="{E7EDC4FD-D830-4C5E-AF2C-17037A646A72}" type="datetimeFigureOut">
               <a:rPr lang="zh-CN" altLang="en-US" smtClean="0"/>
-              <a:t>2019/5/29</a:t>
+              <a:t>2019/6/5</a:t>
             </a:fld>
             <a:endParaRPr lang="zh-CN" altLang="en-US"/>
           </a:p>
@@ -608,7 +609,7 @@
           <a:p>
             <a:fld id="{E7EDC4FD-D830-4C5E-AF2C-17037A646A72}" type="datetimeFigureOut">
               <a:rPr lang="zh-CN" altLang="en-US" smtClean="0"/>
-              <a:t>2019/5/29</a:t>
+              <a:t>2019/6/5</a:t>
             </a:fld>
             <a:endParaRPr lang="zh-CN" altLang="en-US"/>
           </a:p>
@@ -778,7 +779,7 @@
           <a:p>
             <a:fld id="{E7EDC4FD-D830-4C5E-AF2C-17037A646A72}" type="datetimeFigureOut">
               <a:rPr lang="zh-CN" altLang="en-US" smtClean="0"/>
-              <a:t>2019/5/29</a:t>
+              <a:t>2019/6/5</a:t>
             </a:fld>
             <a:endParaRPr lang="zh-CN" altLang="en-US"/>
           </a:p>
@@ -1024,7 +1025,7 @@
           <a:p>
             <a:fld id="{E7EDC4FD-D830-4C5E-AF2C-17037A646A72}" type="datetimeFigureOut">
               <a:rPr lang="zh-CN" altLang="en-US" smtClean="0"/>
-              <a:t>2019/5/29</a:t>
+              <a:t>2019/6/5</a:t>
             </a:fld>
             <a:endParaRPr lang="zh-CN" altLang="en-US"/>
           </a:p>
@@ -1256,7 +1257,7 @@
           <a:p>
             <a:fld id="{E7EDC4FD-D830-4C5E-AF2C-17037A646A72}" type="datetimeFigureOut">
               <a:rPr lang="zh-CN" altLang="en-US" smtClean="0"/>
-              <a:t>2019/5/29</a:t>
+              <a:t>2019/6/5</a:t>
             </a:fld>
             <a:endParaRPr lang="zh-CN" altLang="en-US"/>
           </a:p>
@@ -1623,7 +1624,7 @@
           <a:p>
             <a:fld id="{E7EDC4FD-D830-4C5E-AF2C-17037A646A72}" type="datetimeFigureOut">
               <a:rPr lang="zh-CN" altLang="en-US" smtClean="0"/>
-              <a:t>2019/5/29</a:t>
+              <a:t>2019/6/5</a:t>
             </a:fld>
             <a:endParaRPr lang="zh-CN" altLang="en-US"/>
           </a:p>
@@ -1741,7 +1742,7 @@
           <a:p>
             <a:fld id="{E7EDC4FD-D830-4C5E-AF2C-17037A646A72}" type="datetimeFigureOut">
               <a:rPr lang="zh-CN" altLang="en-US" smtClean="0"/>
-              <a:t>2019/5/29</a:t>
+              <a:t>2019/6/5</a:t>
             </a:fld>
             <a:endParaRPr lang="zh-CN" altLang="en-US"/>
           </a:p>
@@ -1836,7 +1837,7 @@
           <a:p>
             <a:fld id="{E7EDC4FD-D830-4C5E-AF2C-17037A646A72}" type="datetimeFigureOut">
               <a:rPr lang="zh-CN" altLang="en-US" smtClean="0"/>
-              <a:t>2019/5/29</a:t>
+              <a:t>2019/6/5</a:t>
             </a:fld>
             <a:endParaRPr lang="zh-CN" altLang="en-US"/>
           </a:p>
@@ -2113,7 +2114,7 @@
           <a:p>
             <a:fld id="{E7EDC4FD-D830-4C5E-AF2C-17037A646A72}" type="datetimeFigureOut">
               <a:rPr lang="zh-CN" altLang="en-US" smtClean="0"/>
-              <a:t>2019/5/29</a:t>
+              <a:t>2019/6/5</a:t>
             </a:fld>
             <a:endParaRPr lang="zh-CN" altLang="en-US"/>
           </a:p>
@@ -2370,7 +2371,7 @@
           <a:p>
             <a:fld id="{E7EDC4FD-D830-4C5E-AF2C-17037A646A72}" type="datetimeFigureOut">
               <a:rPr lang="zh-CN" altLang="en-US" smtClean="0"/>
-              <a:t>2019/5/29</a:t>
+              <a:t>2019/6/5</a:t>
             </a:fld>
             <a:endParaRPr lang="zh-CN" altLang="en-US"/>
           </a:p>
@@ -2583,7 +2584,7 @@
           <a:p>
             <a:fld id="{E7EDC4FD-D830-4C5E-AF2C-17037A646A72}" type="datetimeFigureOut">
               <a:rPr lang="zh-CN" altLang="en-US" smtClean="0"/>
-              <a:t>2019/5/29</a:t>
+              <a:t>2019/6/5</a:t>
             </a:fld>
             <a:endParaRPr lang="zh-CN" altLang="en-US"/>
           </a:p>
@@ -4827,6 +4828,652 @@
           <a:chExt cx="0" cy="0"/>
         </a:xfrm>
       </p:grpSpPr>
+      <p:pic>
+        <p:nvPicPr>
+          <p:cNvPr id="5" name="图形 4">
+            <a:extLst>
+              <a:ext uri="{FF2B5EF4-FFF2-40B4-BE49-F238E27FC236}">
+                <a16:creationId xmlns:a16="http://schemas.microsoft.com/office/drawing/2014/main" id="{B0ECC2BD-074B-4553-AAD2-CA8DB82A1774}"/>
+              </a:ext>
+            </a:extLst>
+          </p:cNvPr>
+          <p:cNvPicPr>
+            <a:picLocks noChangeAspect="1"/>
+          </p:cNvPicPr>
+          <p:nvPr/>
+        </p:nvPicPr>
+        <p:blipFill rotWithShape="1">
+          <a:blip r:embed="rId2">
+            <a:extLst>
+              <a:ext uri="{28A0092B-C50C-407E-A947-70E740481C1C}">
+                <a14:useLocalDpi xmlns:a14="http://schemas.microsoft.com/office/drawing/2010/main" val="0"/>
+              </a:ext>
+              <a:ext uri="{96DAC541-7B7A-43D3-8B79-37D633B846F1}">
+                <asvg:svgBlip xmlns:asvg="http://schemas.microsoft.com/office/drawing/2016/SVG/main" r:embed="rId3"/>
+              </a:ext>
+            </a:extLst>
+          </a:blip>
+          <a:srcRect l="26567" t="21992" r="4286" b="38144"/>
+          <a:stretch/>
+        </p:blipFill>
+        <p:spPr>
+          <a:xfrm>
+            <a:off x="0" y="0"/>
+            <a:ext cx="9042400" cy="2438205"/>
+          </a:xfrm>
+          <a:prstGeom prst="rect">
+            <a:avLst/>
+          </a:prstGeom>
+        </p:spPr>
+      </p:pic>
+      <p:sp>
+        <p:nvSpPr>
+          <p:cNvPr id="6" name="平行四边形 5">
+            <a:extLst>
+              <a:ext uri="{FF2B5EF4-FFF2-40B4-BE49-F238E27FC236}">
+                <a16:creationId xmlns:a16="http://schemas.microsoft.com/office/drawing/2014/main" id="{68BE976A-6BE2-4A40-9EA9-324011C79CD5}"/>
+              </a:ext>
+            </a:extLst>
+          </p:cNvPr>
+          <p:cNvSpPr/>
+          <p:nvPr/>
+        </p:nvSpPr>
+        <p:spPr>
+          <a:xfrm rot="10800000" flipH="1">
+            <a:off x="9458889" y="1623518"/>
+            <a:ext cx="221320" cy="156329"/>
+          </a:xfrm>
+          <a:prstGeom prst="parallelogram">
+            <a:avLst>
+              <a:gd name="adj" fmla="val 100534"/>
+            </a:avLst>
+          </a:prstGeom>
+          <a:solidFill>
+            <a:srgbClr val="FAFAFA"/>
+          </a:solidFill>
+          <a:ln w="5715">
+            <a:solidFill>
+              <a:srgbClr val="000000"/>
+            </a:solidFill>
+          </a:ln>
+        </p:spPr>
+        <p:style>
+          <a:lnRef idx="2">
+            <a:schemeClr val="accent1">
+              <a:shade val="50000"/>
+            </a:schemeClr>
+          </a:lnRef>
+          <a:fillRef idx="1">
+            <a:schemeClr val="accent1"/>
+          </a:fillRef>
+          <a:effectRef idx="0">
+            <a:schemeClr val="accent1"/>
+          </a:effectRef>
+          <a:fontRef idx="minor">
+            <a:schemeClr val="lt1"/>
+          </a:fontRef>
+        </p:style>
+        <p:txBody>
+          <a:bodyPr rot="0" spcFirstLastPara="0" vertOverflow="overflow" horzOverflow="overflow" vert="horz" wrap="square" lIns="91440" tIns="45720" rIns="91440" bIns="45720" numCol="1" spcCol="0" rtlCol="0" fromWordArt="0" anchor="ctr" anchorCtr="0" forceAA="0" compatLnSpc="1">
+            <a:prstTxWarp prst="textNoShape">
+              <a:avLst/>
+            </a:prstTxWarp>
+            <a:noAutofit/>
+          </a:bodyPr>
+          <a:lstStyle/>
+          <a:p>
+            <a:pPr algn="ctr"/>
+            <a:endParaRPr lang="zh-CN" altLang="en-US"/>
+          </a:p>
+        </p:txBody>
+      </p:sp>
+      <p:sp>
+        <p:nvSpPr>
+          <p:cNvPr id="7" name="平行四边形 6">
+            <a:extLst>
+              <a:ext uri="{FF2B5EF4-FFF2-40B4-BE49-F238E27FC236}">
+                <a16:creationId xmlns:a16="http://schemas.microsoft.com/office/drawing/2014/main" id="{21448954-472D-4A08-8868-645C33DD1556}"/>
+              </a:ext>
+            </a:extLst>
+          </p:cNvPr>
+          <p:cNvSpPr/>
+          <p:nvPr/>
+        </p:nvSpPr>
+        <p:spPr>
+          <a:xfrm rot="10800000" flipH="1">
+            <a:off x="8754969" y="870615"/>
+            <a:ext cx="389595" cy="328208"/>
+          </a:xfrm>
+          <a:prstGeom prst="parallelogram">
+            <a:avLst>
+              <a:gd name="adj" fmla="val 100534"/>
+            </a:avLst>
+          </a:prstGeom>
+          <a:solidFill>
+            <a:srgbClr val="FAFAFA"/>
+          </a:solidFill>
+          <a:ln w="5715">
+            <a:solidFill>
+              <a:srgbClr val="000000"/>
+            </a:solidFill>
+          </a:ln>
+        </p:spPr>
+        <p:style>
+          <a:lnRef idx="2">
+            <a:schemeClr val="accent1">
+              <a:shade val="50000"/>
+            </a:schemeClr>
+          </a:lnRef>
+          <a:fillRef idx="1">
+            <a:schemeClr val="accent1"/>
+          </a:fillRef>
+          <a:effectRef idx="0">
+            <a:schemeClr val="accent1"/>
+          </a:effectRef>
+          <a:fontRef idx="minor">
+            <a:schemeClr val="lt1"/>
+          </a:fontRef>
+        </p:style>
+        <p:txBody>
+          <a:bodyPr rot="0" spcFirstLastPara="0" vertOverflow="overflow" horzOverflow="overflow" vert="horz" wrap="square" lIns="91440" tIns="45720" rIns="91440" bIns="45720" numCol="1" spcCol="0" rtlCol="0" fromWordArt="0" anchor="ctr" anchorCtr="0" forceAA="0" compatLnSpc="1">
+            <a:prstTxWarp prst="textNoShape">
+              <a:avLst/>
+            </a:prstTxWarp>
+            <a:noAutofit/>
+          </a:bodyPr>
+          <a:lstStyle/>
+          <a:p>
+            <a:pPr algn="ctr"/>
+            <a:endParaRPr lang="zh-CN" altLang="en-US"/>
+          </a:p>
+        </p:txBody>
+      </p:sp>
+      <p:cxnSp>
+        <p:nvCxnSpPr>
+          <p:cNvPr id="8" name="直接连接符 7">
+            <a:extLst>
+              <a:ext uri="{FF2B5EF4-FFF2-40B4-BE49-F238E27FC236}">
+                <a16:creationId xmlns:a16="http://schemas.microsoft.com/office/drawing/2014/main" id="{7AE3AB26-08B5-440A-97B5-C6C963D92E01}"/>
+              </a:ext>
+            </a:extLst>
+          </p:cNvPr>
+          <p:cNvCxnSpPr>
+            <a:cxnSpLocks/>
+          </p:cNvCxnSpPr>
+          <p:nvPr/>
+        </p:nvCxnSpPr>
+        <p:spPr>
+          <a:xfrm>
+            <a:off x="7929563" y="790575"/>
+            <a:ext cx="825406" cy="83009"/>
+          </a:xfrm>
+          <a:prstGeom prst="line">
+            <a:avLst/>
+          </a:prstGeom>
+          <a:ln w="1270">
+            <a:solidFill>
+              <a:srgbClr val="404040"/>
+            </a:solidFill>
+          </a:ln>
+        </p:spPr>
+        <p:style>
+          <a:lnRef idx="1">
+            <a:schemeClr val="accent1"/>
+          </a:lnRef>
+          <a:fillRef idx="0">
+            <a:schemeClr val="accent1"/>
+          </a:fillRef>
+          <a:effectRef idx="0">
+            <a:schemeClr val="accent1"/>
+          </a:effectRef>
+          <a:fontRef idx="minor">
+            <a:schemeClr val="tx1"/>
+          </a:fontRef>
+        </p:style>
+      </p:cxnSp>
+      <p:cxnSp>
+        <p:nvCxnSpPr>
+          <p:cNvPr id="12" name="直接连接符 11">
+            <a:extLst>
+              <a:ext uri="{FF2B5EF4-FFF2-40B4-BE49-F238E27FC236}">
+                <a16:creationId xmlns:a16="http://schemas.microsoft.com/office/drawing/2014/main" id="{EE8CAC2E-3E17-4189-9A90-7AD155012E23}"/>
+              </a:ext>
+            </a:extLst>
+          </p:cNvPr>
+          <p:cNvCxnSpPr>
+            <a:cxnSpLocks/>
+          </p:cNvCxnSpPr>
+          <p:nvPr/>
+        </p:nvCxnSpPr>
+        <p:spPr>
+          <a:xfrm flipV="1">
+            <a:off x="9008269" y="1198361"/>
+            <a:ext cx="76200" cy="663779"/>
+          </a:xfrm>
+          <a:prstGeom prst="line">
+            <a:avLst/>
+          </a:prstGeom>
+          <a:ln w="1270">
+            <a:solidFill>
+              <a:srgbClr val="404040"/>
+            </a:solidFill>
+          </a:ln>
+        </p:spPr>
+        <p:style>
+          <a:lnRef idx="1">
+            <a:schemeClr val="accent1"/>
+          </a:lnRef>
+          <a:fillRef idx="0">
+            <a:schemeClr val="accent1"/>
+          </a:fillRef>
+          <a:effectRef idx="0">
+            <a:schemeClr val="accent1"/>
+          </a:effectRef>
+          <a:fontRef idx="minor">
+            <a:schemeClr val="tx1"/>
+          </a:fontRef>
+        </p:style>
+      </p:cxnSp>
+      <p:cxnSp>
+        <p:nvCxnSpPr>
+          <p:cNvPr id="16" name="直接连接符 15">
+            <a:extLst>
+              <a:ext uri="{FF2B5EF4-FFF2-40B4-BE49-F238E27FC236}">
+                <a16:creationId xmlns:a16="http://schemas.microsoft.com/office/drawing/2014/main" id="{686EB781-810D-4EB3-8CBE-CABEDEFF5638}"/>
+              </a:ext>
+            </a:extLst>
+          </p:cNvPr>
+          <p:cNvCxnSpPr>
+            <a:cxnSpLocks/>
+          </p:cNvCxnSpPr>
+          <p:nvPr/>
+        </p:nvCxnSpPr>
+        <p:spPr>
+          <a:xfrm flipV="1">
+            <a:off x="9008269" y="1776215"/>
+            <a:ext cx="606655" cy="85924"/>
+          </a:xfrm>
+          <a:prstGeom prst="line">
+            <a:avLst/>
+          </a:prstGeom>
+          <a:ln w="1270">
+            <a:solidFill>
+              <a:srgbClr val="404040"/>
+            </a:solidFill>
+          </a:ln>
+        </p:spPr>
+        <p:style>
+          <a:lnRef idx="1">
+            <a:schemeClr val="accent1"/>
+          </a:lnRef>
+          <a:fillRef idx="0">
+            <a:schemeClr val="accent1"/>
+          </a:fillRef>
+          <a:effectRef idx="0">
+            <a:schemeClr val="accent1"/>
+          </a:effectRef>
+          <a:fontRef idx="minor">
+            <a:schemeClr val="tx1"/>
+          </a:fontRef>
+        </p:style>
+      </p:cxnSp>
+      <p:cxnSp>
+        <p:nvCxnSpPr>
+          <p:cNvPr id="20" name="直接连接符 19">
+            <a:extLst>
+              <a:ext uri="{FF2B5EF4-FFF2-40B4-BE49-F238E27FC236}">
+                <a16:creationId xmlns:a16="http://schemas.microsoft.com/office/drawing/2014/main" id="{ECC34F52-358A-4EC1-BD57-D33DF79C2CE8}"/>
+              </a:ext>
+            </a:extLst>
+          </p:cNvPr>
+          <p:cNvCxnSpPr>
+            <a:cxnSpLocks/>
+          </p:cNvCxnSpPr>
+          <p:nvPr/>
+        </p:nvCxnSpPr>
+        <p:spPr>
+          <a:xfrm>
+            <a:off x="7929563" y="790575"/>
+            <a:ext cx="1529326" cy="832943"/>
+          </a:xfrm>
+          <a:prstGeom prst="line">
+            <a:avLst/>
+          </a:prstGeom>
+          <a:ln w="1270">
+            <a:solidFill>
+              <a:srgbClr val="404040"/>
+            </a:solidFill>
+          </a:ln>
+        </p:spPr>
+        <p:style>
+          <a:lnRef idx="1">
+            <a:schemeClr val="accent1"/>
+          </a:lnRef>
+          <a:fillRef idx="0">
+            <a:schemeClr val="accent1"/>
+          </a:fillRef>
+          <a:effectRef idx="0">
+            <a:schemeClr val="accent1"/>
+          </a:effectRef>
+          <a:fontRef idx="minor">
+            <a:schemeClr val="tx1"/>
+          </a:fontRef>
+        </p:style>
+      </p:cxnSp>
+      <p:sp>
+        <p:nvSpPr>
+          <p:cNvPr id="39" name="文本框 38">
+            <a:extLst>
+              <a:ext uri="{FF2B5EF4-FFF2-40B4-BE49-F238E27FC236}">
+                <a16:creationId xmlns:a16="http://schemas.microsoft.com/office/drawing/2014/main" id="{84B9C552-EB66-4D40-8FFA-ED568209D2D7}"/>
+              </a:ext>
+            </a:extLst>
+          </p:cNvPr>
+          <p:cNvSpPr txBox="1"/>
+          <p:nvPr/>
+        </p:nvSpPr>
+        <p:spPr>
+          <a:xfrm>
+            <a:off x="9403530" y="1788697"/>
+            <a:ext cx="553357" cy="253916"/>
+          </a:xfrm>
+          <a:prstGeom prst="rect">
+            <a:avLst/>
+          </a:prstGeom>
+          <a:noFill/>
+        </p:spPr>
+        <p:txBody>
+          <a:bodyPr wrap="none" rtlCol="0">
+            <a:spAutoFit/>
+          </a:bodyPr>
+          <a:lstStyle/>
+          <a:p>
+            <a:r>
+              <a:rPr lang="en-US" altLang="zh-CN" sz="1050" dirty="0"/>
+              <a:t>V,</a:t>
+            </a:r>
+            <a:r>
+              <a:rPr lang="zh-CN" altLang="en-US" sz="1050" dirty="0"/>
+              <a:t> </a:t>
+            </a:r>
+            <a:r>
+              <a:rPr lang="en-US" altLang="zh-CN" sz="1050" dirty="0"/>
+              <a:t>1×1</a:t>
+            </a:r>
+            <a:endParaRPr lang="zh-CN" altLang="en-US" sz="1050" dirty="0"/>
+          </a:p>
+        </p:txBody>
+      </p:sp>
+      <p:sp>
+        <p:nvSpPr>
+          <p:cNvPr id="40" name="文本框 39">
+            <a:extLst>
+              <a:ext uri="{FF2B5EF4-FFF2-40B4-BE49-F238E27FC236}">
+                <a16:creationId xmlns:a16="http://schemas.microsoft.com/office/drawing/2014/main" id="{A9EE3067-FE49-4D25-AD2E-B080AA6216DF}"/>
+              </a:ext>
+            </a:extLst>
+          </p:cNvPr>
+          <p:cNvSpPr txBox="1"/>
+          <p:nvPr/>
+        </p:nvSpPr>
+        <p:spPr>
+          <a:xfrm>
+            <a:off x="8479211" y="602589"/>
+            <a:ext cx="614271" cy="253916"/>
+          </a:xfrm>
+          <a:prstGeom prst="rect">
+            <a:avLst/>
+          </a:prstGeom>
+          <a:noFill/>
+        </p:spPr>
+        <p:txBody>
+          <a:bodyPr wrap="none" rtlCol="0">
+            <a:spAutoFit/>
+          </a:bodyPr>
+          <a:lstStyle/>
+          <a:p>
+            <a:r>
+              <a:rPr lang="en-US" altLang="zh-CN" sz="1050" dirty="0"/>
+              <a:t>P,</a:t>
+            </a:r>
+            <a:r>
+              <a:rPr lang="zh-CN" altLang="en-US" sz="1050" dirty="0"/>
+              <a:t> </a:t>
+            </a:r>
+            <a:r>
+              <a:rPr lang="en-US" altLang="zh-CN" sz="1050" dirty="0"/>
+              <a:t>1×65</a:t>
+            </a:r>
+            <a:endParaRPr lang="zh-CN" altLang="en-US" sz="1050" dirty="0"/>
+          </a:p>
+        </p:txBody>
+      </p:sp>
+      <p:sp>
+        <p:nvSpPr>
+          <p:cNvPr id="13" name="文本框 12">
+            <a:extLst>
+              <a:ext uri="{FF2B5EF4-FFF2-40B4-BE49-F238E27FC236}">
+                <a16:creationId xmlns:a16="http://schemas.microsoft.com/office/drawing/2014/main" id="{C0637E17-6318-495B-B2A0-788F0FE48BB6}"/>
+              </a:ext>
+            </a:extLst>
+          </p:cNvPr>
+          <p:cNvSpPr txBox="1"/>
+          <p:nvPr/>
+        </p:nvSpPr>
+        <p:spPr>
+          <a:xfrm>
+            <a:off x="0" y="1740538"/>
+            <a:ext cx="994183" cy="415498"/>
+          </a:xfrm>
+          <a:prstGeom prst="rect">
+            <a:avLst/>
+          </a:prstGeom>
+          <a:noFill/>
+        </p:spPr>
+        <p:txBody>
+          <a:bodyPr wrap="none" rtlCol="0">
+            <a:spAutoFit/>
+          </a:bodyPr>
+          <a:lstStyle/>
+          <a:p>
+            <a:r>
+              <a:rPr lang="en-US" altLang="zh-CN" sz="1050" dirty="0"/>
+              <a:t>Stride of 1</a:t>
+            </a:r>
+          </a:p>
+          <a:p>
+            <a:r>
+              <a:rPr lang="en-US" altLang="zh-CN" sz="1050" dirty="0"/>
+              <a:t>Filter size: 3×3</a:t>
+            </a:r>
+            <a:endParaRPr lang="zh-CN" altLang="en-US" sz="1050" dirty="0"/>
+          </a:p>
+        </p:txBody>
+      </p:sp>
+      <p:sp>
+        <p:nvSpPr>
+          <p:cNvPr id="14" name="文本框 13">
+            <a:extLst>
+              <a:ext uri="{FF2B5EF4-FFF2-40B4-BE49-F238E27FC236}">
+                <a16:creationId xmlns:a16="http://schemas.microsoft.com/office/drawing/2014/main" id="{AC6671EC-ACFF-4280-A62C-CE21A86A09DB}"/>
+              </a:ext>
+            </a:extLst>
+          </p:cNvPr>
+          <p:cNvSpPr txBox="1"/>
+          <p:nvPr/>
+        </p:nvSpPr>
+        <p:spPr>
+          <a:xfrm>
+            <a:off x="4208335" y="2432298"/>
+            <a:ext cx="920445" cy="253916"/>
+          </a:xfrm>
+          <a:prstGeom prst="rect">
+            <a:avLst/>
+          </a:prstGeom>
+          <a:noFill/>
+        </p:spPr>
+        <p:txBody>
+          <a:bodyPr wrap="none" rtlCol="0">
+            <a:spAutoFit/>
+          </a:bodyPr>
+          <a:lstStyle/>
+          <a:p>
+            <a:r>
+              <a:rPr lang="en-US" altLang="zh-CN" sz="1050" b="1" dirty="0"/>
+              <a:t>Convolutions</a:t>
+            </a:r>
+            <a:endParaRPr lang="zh-CN" altLang="en-US" sz="1050" b="1" dirty="0"/>
+          </a:p>
+        </p:txBody>
+      </p:sp>
+      <p:sp>
+        <p:nvSpPr>
+          <p:cNvPr id="15" name="文本框 14">
+            <a:extLst>
+              <a:ext uri="{FF2B5EF4-FFF2-40B4-BE49-F238E27FC236}">
+                <a16:creationId xmlns:a16="http://schemas.microsoft.com/office/drawing/2014/main" id="{DDA04669-F9B0-4F9E-9820-BCE95B74CDF5}"/>
+              </a:ext>
+            </a:extLst>
+          </p:cNvPr>
+          <p:cNvSpPr txBox="1"/>
+          <p:nvPr/>
+        </p:nvSpPr>
+        <p:spPr>
+          <a:xfrm>
+            <a:off x="2554135" y="2158582"/>
+            <a:ext cx="981359" cy="253916"/>
+          </a:xfrm>
+          <a:prstGeom prst="rect">
+            <a:avLst/>
+          </a:prstGeom>
+          <a:noFill/>
+        </p:spPr>
+        <p:txBody>
+          <a:bodyPr wrap="none" rtlCol="0">
+            <a:spAutoFit/>
+          </a:bodyPr>
+          <a:lstStyle/>
+          <a:p>
+            <a:r>
+              <a:rPr lang="en-US" altLang="zh-CN" sz="1050" dirty="0"/>
+              <a:t>Padding: same</a:t>
+            </a:r>
+            <a:endParaRPr lang="zh-CN" altLang="en-US" sz="1050" dirty="0"/>
+          </a:p>
+        </p:txBody>
+      </p:sp>
+      <p:sp>
+        <p:nvSpPr>
+          <p:cNvPr id="17" name="文本框 16">
+            <a:extLst>
+              <a:ext uri="{FF2B5EF4-FFF2-40B4-BE49-F238E27FC236}">
+                <a16:creationId xmlns:a16="http://schemas.microsoft.com/office/drawing/2014/main" id="{ACC24825-EE51-4BDC-9821-B07166DF1E57}"/>
+              </a:ext>
+            </a:extLst>
+          </p:cNvPr>
+          <p:cNvSpPr txBox="1"/>
+          <p:nvPr/>
+        </p:nvSpPr>
+        <p:spPr>
+          <a:xfrm>
+            <a:off x="5702982" y="2158582"/>
+            <a:ext cx="946093" cy="253916"/>
+          </a:xfrm>
+          <a:prstGeom prst="rect">
+            <a:avLst/>
+          </a:prstGeom>
+          <a:noFill/>
+        </p:spPr>
+        <p:txBody>
+          <a:bodyPr wrap="none" rtlCol="0">
+            <a:spAutoFit/>
+          </a:bodyPr>
+          <a:lstStyle/>
+          <a:p>
+            <a:r>
+              <a:rPr lang="en-US" altLang="zh-CN" sz="1050" dirty="0"/>
+              <a:t>Padding: valid</a:t>
+            </a:r>
+            <a:endParaRPr lang="zh-CN" altLang="en-US" sz="1050" dirty="0"/>
+          </a:p>
+        </p:txBody>
+      </p:sp>
+      <p:sp>
+        <p:nvSpPr>
+          <p:cNvPr id="18" name="文本框 17">
+            <a:extLst>
+              <a:ext uri="{FF2B5EF4-FFF2-40B4-BE49-F238E27FC236}">
+                <a16:creationId xmlns:a16="http://schemas.microsoft.com/office/drawing/2014/main" id="{48E81E40-BF52-47FA-93B4-C920ECA70209}"/>
+              </a:ext>
+            </a:extLst>
+          </p:cNvPr>
+          <p:cNvSpPr txBox="1"/>
+          <p:nvPr/>
+        </p:nvSpPr>
+        <p:spPr>
+          <a:xfrm>
+            <a:off x="8073651" y="2432298"/>
+            <a:ext cx="1037463" cy="253916"/>
+          </a:xfrm>
+          <a:prstGeom prst="rect">
+            <a:avLst/>
+          </a:prstGeom>
+          <a:noFill/>
+        </p:spPr>
+        <p:txBody>
+          <a:bodyPr wrap="none" rtlCol="0">
+            <a:spAutoFit/>
+          </a:bodyPr>
+          <a:lstStyle/>
+          <a:p>
+            <a:r>
+              <a:rPr lang="en-US" altLang="zh-CN" sz="1050" b="1" dirty="0"/>
+              <a:t>Full connection</a:t>
+            </a:r>
+            <a:endParaRPr lang="zh-CN" altLang="en-US" sz="1050" b="1" dirty="0"/>
+          </a:p>
+        </p:txBody>
+      </p:sp>
+    </p:spTree>
+    <p:extLst>
+      <p:ext uri="{BB962C8B-B14F-4D97-AF65-F5344CB8AC3E}">
+        <p14:creationId xmlns:p14="http://schemas.microsoft.com/office/powerpoint/2010/main" val="1875452063"/>
+      </p:ext>
+    </p:extLst>
+  </p:cSld>
+  <p:clrMapOvr>
+    <a:masterClrMapping/>
+  </p:clrMapOvr>
+</p:sld>
+</file>
+
+<file path=ppt/slides/slide5.xml><?xml version="1.0" encoding="utf-8"?>
+<p:sld xmlns:a="http://schemas.openxmlformats.org/drawingml/2006/main" xmlns:r="http://schemas.openxmlformats.org/officeDocument/2006/relationships" xmlns:p="http://schemas.openxmlformats.org/presentationml/2006/main">
+  <p:cSld>
+    <p:bg>
+      <p:bgPr>
+        <a:solidFill>
+          <a:schemeClr val="bg1">
+            <a:alpha val="0"/>
+          </a:schemeClr>
+        </a:solidFill>
+        <a:effectLst/>
+      </p:bgPr>
+    </p:bg>
+    <p:spTree>
+      <p:nvGrpSpPr>
+        <p:cNvPr id="1" name=""/>
+        <p:cNvGrpSpPr/>
+        <p:nvPr/>
+      </p:nvGrpSpPr>
+      <p:grpSpPr>
+        <a:xfrm>
+          <a:off x="0" y="0"/>
+          <a:ext cx="0" cy="0"/>
+          <a:chOff x="0" y="0"/>
+          <a:chExt cx="0" cy="0"/>
+        </a:xfrm>
+      </p:grpSpPr>
       <p:grpSp>
         <p:nvGrpSpPr>
           <p:cNvPr id="17" name="组合 16">
@@ -9667,7 +10314,7 @@
 </file>
 
 <file path=customXml/itemProps1.xml><?xml version="1.0" encoding="utf-8"?>
-<ds:datastoreItem xmlns:ds="http://schemas.openxmlformats.org/officeDocument/2006/customXml" ds:itemID="{6C76DDC7-2EC6-4B53-8D08-6A7D486F3AE1}">
+<ds:datastoreItem xmlns:ds="http://schemas.openxmlformats.org/officeDocument/2006/customXml" ds:itemID="{B1E3F0BD-C239-477F-86AB-3C7D3AEAB920}">
   <ds:schemaRefs>
     <ds:schemaRef ds:uri="http://schemas.microsoft.com/VisualStudio/2011/storyboarding/control"/>
   </ds:schemaRefs>
@@ -9683,6 +10330,14 @@
 </file>
 
 <file path=customXml/itemProps3.xml><?xml version="1.0" encoding="utf-8"?>
+<ds:datastoreItem xmlns:ds="http://schemas.openxmlformats.org/officeDocument/2006/customXml" ds:itemID="{954062F6-9A4E-4B77-B844-675049D91BE2}">
+  <ds:schemaRefs>
+    <ds:schemaRef ds:uri="http://schemas.microsoft.com/VisualStudio/2011/storyboarding/control"/>
+  </ds:schemaRefs>
+</ds:datastoreItem>
+</file>
+
+<file path=customXml/itemProps4.xml><?xml version="1.0" encoding="utf-8"?>
 <ds:datastoreItem xmlns:ds="http://schemas.openxmlformats.org/officeDocument/2006/customXml" ds:itemID="{16DED5D5-128F-4037-87D6-2E3D97445FB4}">
   <ds:schemaRefs>
     <ds:schemaRef ds:uri="http://schemas.microsoft.com/VisualStudio/2011/storyboarding/control"/>
@@ -9690,7 +10345,7 @@
 </ds:datastoreItem>
 </file>
 
-<file path=customXml/itemProps4.xml><?xml version="1.0" encoding="utf-8"?>
+<file path=customXml/itemProps5.xml><?xml version="1.0" encoding="utf-8"?>
 <ds:datastoreItem xmlns:ds="http://schemas.openxmlformats.org/officeDocument/2006/customXml" ds:itemID="{702C2C6F-EA7F-4F2C-822A-ECBB813D095C}">
   <ds:schemaRefs>
     <ds:schemaRef ds:uri="http://schemas.microsoft.com/VisualStudio/2011/storyboarding/control"/>
@@ -9698,16 +10353,8 @@
 </ds:datastoreItem>
 </file>
 
-<file path=customXml/itemProps5.xml><?xml version="1.0" encoding="utf-8"?>
-<ds:datastoreItem xmlns:ds="http://schemas.openxmlformats.org/officeDocument/2006/customXml" ds:itemID="{381C5599-D668-4874-A5C8-7F4428769EC9}">
-  <ds:schemaRefs>
-    <ds:schemaRef ds:uri="http://schemas.microsoft.com/VisualStudio/2011/storyboarding/control"/>
-  </ds:schemaRefs>
-</ds:datastoreItem>
-</file>
-
 <file path=customXml/itemProps6.xml><?xml version="1.0" encoding="utf-8"?>
-<ds:datastoreItem xmlns:ds="http://schemas.openxmlformats.org/officeDocument/2006/customXml" ds:itemID="{B1E3F0BD-C239-477F-86AB-3C7D3AEAB920}">
+<ds:datastoreItem xmlns:ds="http://schemas.openxmlformats.org/officeDocument/2006/customXml" ds:itemID="{6C76DDC7-2EC6-4B53-8D08-6A7D486F3AE1}">
   <ds:schemaRefs>
     <ds:schemaRef ds:uri="http://schemas.microsoft.com/VisualStudio/2011/storyboarding/control"/>
   </ds:schemaRefs>
@@ -9715,7 +10362,7 @@
 </file>
 
 <file path=customXml/itemProps7.xml><?xml version="1.0" encoding="utf-8"?>
-<ds:datastoreItem xmlns:ds="http://schemas.openxmlformats.org/officeDocument/2006/customXml" ds:itemID="{954062F6-9A4E-4B77-B844-675049D91BE2}">
+<ds:datastoreItem xmlns:ds="http://schemas.openxmlformats.org/officeDocument/2006/customXml" ds:itemID="{381C5599-D668-4874-A5C8-7F4428769EC9}">
   <ds:schemaRefs>
     <ds:schemaRef ds:uri="http://schemas.microsoft.com/VisualStudio/2011/storyboarding/control"/>
   </ds:schemaRefs>
